--- a/IVR_assignment_template.pptx
+++ b/IVR_assignment_template.pptx
@@ -1,24 +1,24 @@
 
 <file path=ppt/presentation.xml><?xml version="1.0" encoding="utf-8"?>
-<p:presentation xmlns:a="http://schemas.openxmlformats.org/drawingml/2006/main" xmlns:r="http://schemas.openxmlformats.org/officeDocument/2006/relationships" xmlns:mc="http://schemas.openxmlformats.org/markup-compatibility/2006" xmlns:mv="urn:schemas-microsoft-com:mac:vml" xmlns:p="http://schemas.openxmlformats.org/presentationml/2006/main" xmlns:c="http://schemas.openxmlformats.org/drawingml/2006/chart" xmlns:dgm="http://schemas.openxmlformats.org/drawingml/2006/diagram" xmlns:o="urn:schemas-microsoft-com:office:office" xmlns:v="urn:schemas-microsoft-com:vml" xmlns:pvml="urn:schemas-microsoft-com:office:powerpoint" xmlns:com="http://schemas.openxmlformats.org/drawingml/2006/compatibility" xmlns:p14="http://schemas.microsoft.com/office/powerpoint/2010/main" xmlns:p15="http://schemas.microsoft.com/office/powerpoint/2012/main" autoCompressPictures="0" strictFirstAndLastChars="0" saveSubsetFonts="1">
+<p:presentation xmlns:a="http://schemas.openxmlformats.org/drawingml/2006/main" xmlns:r="http://schemas.openxmlformats.org/officeDocument/2006/relationships" xmlns:p="http://schemas.openxmlformats.org/presentationml/2006/main" strictFirstAndLastChars="0" saveSubsetFonts="1" autoCompressPictures="0">
   <p:sldMasterIdLst>
-    <p:sldMasterId id="2147483659" r:id="rId3"/>
+    <p:sldMasterId id="2147483659" r:id="rId1"/>
   </p:sldMasterIdLst>
   <p:notesMasterIdLst>
-    <p:notesMasterId r:id="rId4"/>
+    <p:notesMasterId r:id="rId8"/>
   </p:notesMasterIdLst>
   <p:sldIdLst>
-    <p:sldId id="256" r:id="rId5"/>
-    <p:sldId id="257" r:id="rId6"/>
-    <p:sldId id="258" r:id="rId7"/>
-    <p:sldId id="259" r:id="rId8"/>
-    <p:sldId id="260" r:id="rId9"/>
-    <p:sldId id="261" r:id="rId10"/>
+    <p:sldId id="256" r:id="rId2"/>
+    <p:sldId id="257" r:id="rId3"/>
+    <p:sldId id="258" r:id="rId4"/>
+    <p:sldId id="259" r:id="rId5"/>
+    <p:sldId id="260" r:id="rId6"/>
+    <p:sldId id="261" r:id="rId7"/>
   </p:sldIdLst>
-  <p:sldSz cy="5143500" cx="9144000"/>
+  <p:sldSz cx="9144000" cy="5143500" type="screen16x9"/>
   <p:notesSz cx="6858000" cy="9144000"/>
   <p:defaultTextStyle>
-    <a:defPPr lvl="0" marR="0" rtl="0" algn="l">
+    <a:defPPr marR="0" lvl="0" algn="l" rtl="0">
       <a:lnSpc>
         <a:spcPct val="100000"/>
       </a:lnSpc>
@@ -29,7 +29,7 @@
         <a:spcPts val="0"/>
       </a:spcAft>
     </a:defPPr>
-    <a:lvl1pPr lvl="0" marR="0" rtl="0" algn="l">
+    <a:lvl1pPr marR="0" lvl="0" algn="l" rtl="0">
       <a:lnSpc>
         <a:spcPct val="100000"/>
       </a:lnSpc>
@@ -43,7 +43,7 @@
         <a:srgbClr val="000000"/>
       </a:buClr>
       <a:buFont typeface="Arial"/>
-      <a:defRPr b="0" i="0" sz="1400" u="none" cap="none" strike="noStrike">
+      <a:defRPr sz="1400" b="0" i="0" u="none" strike="noStrike" cap="none">
         <a:solidFill>
           <a:srgbClr val="000000"/>
         </a:solidFill>
@@ -53,7 +53,7 @@
         <a:sym typeface="Arial"/>
       </a:defRPr>
     </a:lvl1pPr>
-    <a:lvl2pPr lvl="1" marR="0" rtl="0" algn="l">
+    <a:lvl2pPr marR="0" lvl="1" algn="l" rtl="0">
       <a:lnSpc>
         <a:spcPct val="100000"/>
       </a:lnSpc>
@@ -67,7 +67,7 @@
         <a:srgbClr val="000000"/>
       </a:buClr>
       <a:buFont typeface="Arial"/>
-      <a:defRPr b="0" i="0" sz="1400" u="none" cap="none" strike="noStrike">
+      <a:defRPr sz="1400" b="0" i="0" u="none" strike="noStrike" cap="none">
         <a:solidFill>
           <a:srgbClr val="000000"/>
         </a:solidFill>
@@ -77,7 +77,7 @@
         <a:sym typeface="Arial"/>
       </a:defRPr>
     </a:lvl2pPr>
-    <a:lvl3pPr lvl="2" marR="0" rtl="0" algn="l">
+    <a:lvl3pPr marR="0" lvl="2" algn="l" rtl="0">
       <a:lnSpc>
         <a:spcPct val="100000"/>
       </a:lnSpc>
@@ -91,7 +91,7 @@
         <a:srgbClr val="000000"/>
       </a:buClr>
       <a:buFont typeface="Arial"/>
-      <a:defRPr b="0" i="0" sz="1400" u="none" cap="none" strike="noStrike">
+      <a:defRPr sz="1400" b="0" i="0" u="none" strike="noStrike" cap="none">
         <a:solidFill>
           <a:srgbClr val="000000"/>
         </a:solidFill>
@@ -101,7 +101,7 @@
         <a:sym typeface="Arial"/>
       </a:defRPr>
     </a:lvl3pPr>
-    <a:lvl4pPr lvl="3" marR="0" rtl="0" algn="l">
+    <a:lvl4pPr marR="0" lvl="3" algn="l" rtl="0">
       <a:lnSpc>
         <a:spcPct val="100000"/>
       </a:lnSpc>
@@ -115,7 +115,7 @@
         <a:srgbClr val="000000"/>
       </a:buClr>
       <a:buFont typeface="Arial"/>
-      <a:defRPr b="0" i="0" sz="1400" u="none" cap="none" strike="noStrike">
+      <a:defRPr sz="1400" b="0" i="0" u="none" strike="noStrike" cap="none">
         <a:solidFill>
           <a:srgbClr val="000000"/>
         </a:solidFill>
@@ -125,7 +125,7 @@
         <a:sym typeface="Arial"/>
       </a:defRPr>
     </a:lvl4pPr>
-    <a:lvl5pPr lvl="4" marR="0" rtl="0" algn="l">
+    <a:lvl5pPr marR="0" lvl="4" algn="l" rtl="0">
       <a:lnSpc>
         <a:spcPct val="100000"/>
       </a:lnSpc>
@@ -139,7 +139,7 @@
         <a:srgbClr val="000000"/>
       </a:buClr>
       <a:buFont typeface="Arial"/>
-      <a:defRPr b="0" i="0" sz="1400" u="none" cap="none" strike="noStrike">
+      <a:defRPr sz="1400" b="0" i="0" u="none" strike="noStrike" cap="none">
         <a:solidFill>
           <a:srgbClr val="000000"/>
         </a:solidFill>
@@ -149,7 +149,7 @@
         <a:sym typeface="Arial"/>
       </a:defRPr>
     </a:lvl5pPr>
-    <a:lvl6pPr lvl="5" marR="0" rtl="0" algn="l">
+    <a:lvl6pPr marR="0" lvl="5" algn="l" rtl="0">
       <a:lnSpc>
         <a:spcPct val="100000"/>
       </a:lnSpc>
@@ -163,7 +163,7 @@
         <a:srgbClr val="000000"/>
       </a:buClr>
       <a:buFont typeface="Arial"/>
-      <a:defRPr b="0" i="0" sz="1400" u="none" cap="none" strike="noStrike">
+      <a:defRPr sz="1400" b="0" i="0" u="none" strike="noStrike" cap="none">
         <a:solidFill>
           <a:srgbClr val="000000"/>
         </a:solidFill>
@@ -173,7 +173,7 @@
         <a:sym typeface="Arial"/>
       </a:defRPr>
     </a:lvl6pPr>
-    <a:lvl7pPr lvl="6" marR="0" rtl="0" algn="l">
+    <a:lvl7pPr marR="0" lvl="6" algn="l" rtl="0">
       <a:lnSpc>
         <a:spcPct val="100000"/>
       </a:lnSpc>
@@ -187,7 +187,7 @@
         <a:srgbClr val="000000"/>
       </a:buClr>
       <a:buFont typeface="Arial"/>
-      <a:defRPr b="0" i="0" sz="1400" u="none" cap="none" strike="noStrike">
+      <a:defRPr sz="1400" b="0" i="0" u="none" strike="noStrike" cap="none">
         <a:solidFill>
           <a:srgbClr val="000000"/>
         </a:solidFill>
@@ -197,7 +197,7 @@
         <a:sym typeface="Arial"/>
       </a:defRPr>
     </a:lvl7pPr>
-    <a:lvl8pPr lvl="7" marR="0" rtl="0" algn="l">
+    <a:lvl8pPr marR="0" lvl="7" algn="l" rtl="0">
       <a:lnSpc>
         <a:spcPct val="100000"/>
       </a:lnSpc>
@@ -211,7 +211,7 @@
         <a:srgbClr val="000000"/>
       </a:buClr>
       <a:buFont typeface="Arial"/>
-      <a:defRPr b="0" i="0" sz="1400" u="none" cap="none" strike="noStrike">
+      <a:defRPr sz="1400" b="0" i="0" u="none" strike="noStrike" cap="none">
         <a:solidFill>
           <a:srgbClr val="000000"/>
         </a:solidFill>
@@ -221,7 +221,7 @@
         <a:sym typeface="Arial"/>
       </a:defRPr>
     </a:lvl8pPr>
-    <a:lvl9pPr lvl="8" marR="0" rtl="0" algn="l">
+    <a:lvl9pPr marR="0" lvl="8" algn="l" rtl="0">
       <a:lnSpc>
         <a:spcPct val="100000"/>
       </a:lnSpc>
@@ -235,7 +235,7 @@
         <a:srgbClr val="000000"/>
       </a:buClr>
       <a:buFont typeface="Arial"/>
-      <a:defRPr b="0" i="0" sz="1400" u="none" cap="none" strike="noStrike">
+      <a:defRPr sz="1400" b="0" i="0" u="none" strike="noStrike" cap="none">
         <a:solidFill>
           <a:srgbClr val="000000"/>
         </a:solidFill>
@@ -250,11 +250,16 @@
 </file>
 
 <file path=ppt/notesMasters/notesMaster1.xml><?xml version="1.0" encoding="utf-8"?>
-<p:notesMaster xmlns:a="http://schemas.openxmlformats.org/drawingml/2006/main" xmlns:r="http://schemas.openxmlformats.org/officeDocument/2006/relationships" xmlns:mc="http://schemas.openxmlformats.org/markup-compatibility/2006" xmlns:mv="urn:schemas-microsoft-com:mac:vml" xmlns:p="http://schemas.openxmlformats.org/presentationml/2006/main" xmlns:c="http://schemas.openxmlformats.org/drawingml/2006/chart" xmlns:dgm="http://schemas.openxmlformats.org/drawingml/2006/diagram" xmlns:o="urn:schemas-microsoft-com:office:office" xmlns:v="urn:schemas-microsoft-com:vml" xmlns:pvml="urn:schemas-microsoft-com:office:powerpoint" xmlns:com="http://schemas.openxmlformats.org/drawingml/2006/compatibility" xmlns:p14="http://schemas.microsoft.com/office/powerpoint/2010/main" xmlns:p15="http://schemas.microsoft.com/office/powerpoint/2012/main">
+<p:notesMaster xmlns:a="http://schemas.openxmlformats.org/drawingml/2006/main" xmlns:r="http://schemas.openxmlformats.org/officeDocument/2006/relationships" xmlns:p="http://schemas.openxmlformats.org/presentationml/2006/main">
   <p:cSld>
+    <p:bg>
+      <p:bgRef idx="1001">
+        <a:schemeClr val="bg1"/>
+      </p:bgRef>
+    </p:bg>
     <p:spTree>
       <p:nvGrpSpPr>
-        <p:cNvPr id="2" name="Shape 2"/>
+        <p:cNvPr id="1" name="Shape 2"/>
         <p:cNvGrpSpPr/>
         <p:nvPr/>
       </p:nvGrpSpPr>
@@ -269,9 +274,11 @@
       <p:sp>
         <p:nvSpPr>
           <p:cNvPr id="3" name="Google Shape;3;n"/>
-          <p:cNvSpPr/>
+          <p:cNvSpPr>
+            <a:spLocks noGrp="1" noRot="1" noChangeAspect="1"/>
+          </p:cNvSpPr>
           <p:nvPr>
-            <p:ph idx="2" type="sldImg"/>
+            <p:ph type="sldImg" idx="2"/>
           </p:nvPr>
         </p:nvSpPr>
         <p:spPr>
@@ -280,9 +287,13 @@
             <a:ext cx="6096075" cy="3429000"/>
           </a:xfrm>
           <a:custGeom>
-            <a:rect b="b" l="l" r="r" t="t"/>
+            <a:avLst/>
+            <a:gdLst/>
+            <a:ahLst/>
+            <a:cxnLst/>
+            <a:rect l="l" t="t" r="r" b="b"/>
             <a:pathLst>
-              <a:path extrusionOk="0" h="120000" w="120000">
+              <a:path w="120000" h="120000" extrusionOk="0">
                 <a:moveTo>
                   <a:pt x="0" y="0"/>
                 </a:moveTo>
@@ -300,23 +311,25 @@
             </a:pathLst>
           </a:custGeom>
           <a:noFill/>
-          <a:ln cap="flat" cmpd="sng" w="9525">
+          <a:ln w="9525" cap="flat" cmpd="sng">
             <a:solidFill>
               <a:srgbClr val="000000"/>
             </a:solidFill>
             <a:prstDash val="solid"/>
             <a:round/>
-            <a:headEnd len="sm" w="sm" type="none"/>
-            <a:tailEnd len="sm" w="sm" type="none"/>
+            <a:headEnd type="none" w="sm" len="sm"/>
+            <a:tailEnd type="none" w="sm" len="sm"/>
           </a:ln>
         </p:spPr>
       </p:sp>
       <p:sp>
         <p:nvSpPr>
           <p:cNvPr id="4" name="Google Shape;4;n"/>
-          <p:cNvSpPr txBox="1"/>
+          <p:cNvSpPr txBox="1">
+            <a:spLocks noGrp="1"/>
+          </p:cNvSpPr>
           <p:nvPr>
-            <p:ph idx="1" type="body"/>
+            <p:ph type="body" idx="1"/>
           </p:nvPr>
         </p:nvSpPr>
         <p:spPr>
@@ -333,9 +346,9 @@
           </a:ln>
         </p:spPr>
         <p:txBody>
-          <a:bodyPr anchorCtr="0" anchor="t" bIns="91425" lIns="91425" spcFirstLastPara="1" rIns="91425" wrap="square" tIns="91425"/>
+          <a:bodyPr spcFirstLastPara="1" wrap="square" lIns="91425" tIns="91425" rIns="91425" bIns="91425" anchor="t" anchorCtr="0"/>
           <a:lstStyle>
-            <a:lvl1pPr indent="-298450" lvl="0" marL="457200">
+            <a:lvl1pPr marL="457200" lvl="0" indent="-298450">
               <a:spcBef>
                 <a:spcPts val="0"/>
               </a:spcBef>
@@ -346,7 +359,7 @@
               <a:buChar char="●"/>
               <a:defRPr sz="1100"/>
             </a:lvl1pPr>
-            <a:lvl2pPr indent="-298450" lvl="1" marL="914400">
+            <a:lvl2pPr marL="914400" lvl="1" indent="-298450">
               <a:spcBef>
                 <a:spcPts val="0"/>
               </a:spcBef>
@@ -357,7 +370,7 @@
               <a:buChar char="○"/>
               <a:defRPr sz="1100"/>
             </a:lvl2pPr>
-            <a:lvl3pPr indent="-298450" lvl="2" marL="1371600">
+            <a:lvl3pPr marL="1371600" lvl="2" indent="-298450">
               <a:spcBef>
                 <a:spcPts val="0"/>
               </a:spcBef>
@@ -368,7 +381,7 @@
               <a:buChar char="■"/>
               <a:defRPr sz="1100"/>
             </a:lvl3pPr>
-            <a:lvl4pPr indent="-298450" lvl="3" marL="1828800">
+            <a:lvl4pPr marL="1828800" lvl="3" indent="-298450">
               <a:spcBef>
                 <a:spcPts val="0"/>
               </a:spcBef>
@@ -379,7 +392,7 @@
               <a:buChar char="●"/>
               <a:defRPr sz="1100"/>
             </a:lvl4pPr>
-            <a:lvl5pPr indent="-298450" lvl="4" marL="2286000">
+            <a:lvl5pPr marL="2286000" lvl="4" indent="-298450">
               <a:spcBef>
                 <a:spcPts val="0"/>
               </a:spcBef>
@@ -390,7 +403,7 @@
               <a:buChar char="○"/>
               <a:defRPr sz="1100"/>
             </a:lvl5pPr>
-            <a:lvl6pPr indent="-298450" lvl="5" marL="2743200">
+            <a:lvl6pPr marL="2743200" lvl="5" indent="-298450">
               <a:spcBef>
                 <a:spcPts val="0"/>
               </a:spcBef>
@@ -401,7 +414,7 @@
               <a:buChar char="■"/>
               <a:defRPr sz="1100"/>
             </a:lvl6pPr>
-            <a:lvl7pPr indent="-298450" lvl="6" marL="3200400">
+            <a:lvl7pPr marL="3200400" lvl="6" indent="-298450">
               <a:spcBef>
                 <a:spcPts val="0"/>
               </a:spcBef>
@@ -412,7 +425,7 @@
               <a:buChar char="●"/>
               <a:defRPr sz="1100"/>
             </a:lvl7pPr>
-            <a:lvl8pPr indent="-298450" lvl="7" marL="3657600">
+            <a:lvl8pPr marL="3657600" lvl="7" indent="-298450">
               <a:spcBef>
                 <a:spcPts val="0"/>
               </a:spcBef>
@@ -423,7 +436,7 @@
               <a:buChar char="○"/>
               <a:defRPr sz="1100"/>
             </a:lvl8pPr>
-            <a:lvl9pPr indent="-298450" lvl="8" marL="4114800">
+            <a:lvl9pPr marL="4114800" lvl="8" indent="-298450">
               <a:spcBef>
                 <a:spcPts val="0"/>
               </a:spcBef>
@@ -435,14 +448,16 @@
               <a:defRPr sz="1100"/>
             </a:lvl9pPr>
           </a:lstStyle>
-          <a:p/>
+          <a:p>
+            <a:endParaRPr/>
+          </a:p>
         </p:txBody>
       </p:sp>
     </p:spTree>
   </p:cSld>
-  <p:clrMap accent1="accent1" accent2="accent2" accent3="accent3" accent4="accent4" accent5="accent5" accent6="accent6" bg1="lt1" bg2="dk2" tx1="dk1" tx2="lt2" folHlink="folHlink" hlink="hlink"/>
+  <p:clrMap bg1="lt1" tx1="dk1" bg2="dk2" tx2="lt2" accent1="accent1" accent2="accent2" accent3="accent3" accent4="accent4" accent5="accent5" accent6="accent6" hlink="hlink" folHlink="folHlink"/>
   <p:notesStyle>
-    <a:defPPr lvl="0" marR="0" rtl="0" algn="l">
+    <a:defPPr marR="0" lvl="0" algn="l" rtl="0">
       <a:lnSpc>
         <a:spcPct val="100000"/>
       </a:lnSpc>
@@ -453,7 +468,7 @@
         <a:spcPts val="0"/>
       </a:spcAft>
     </a:defPPr>
-    <a:lvl1pPr lvl="0" marR="0" rtl="0" algn="l">
+    <a:lvl1pPr marR="0" lvl="0" algn="l" rtl="0">
       <a:lnSpc>
         <a:spcPct val="100000"/>
       </a:lnSpc>
@@ -467,7 +482,7 @@
         <a:srgbClr val="000000"/>
       </a:buClr>
       <a:buFont typeface="Arial"/>
-      <a:defRPr b="0" i="0" sz="1400" u="none" cap="none" strike="noStrike">
+      <a:defRPr sz="1400" b="0" i="0" u="none" strike="noStrike" cap="none">
         <a:solidFill>
           <a:srgbClr val="000000"/>
         </a:solidFill>
@@ -477,7 +492,7 @@
         <a:sym typeface="Arial"/>
       </a:defRPr>
     </a:lvl1pPr>
-    <a:lvl2pPr lvl="1" marR="0" rtl="0" algn="l">
+    <a:lvl2pPr marR="0" lvl="1" algn="l" rtl="0">
       <a:lnSpc>
         <a:spcPct val="100000"/>
       </a:lnSpc>
@@ -491,7 +506,7 @@
         <a:srgbClr val="000000"/>
       </a:buClr>
       <a:buFont typeface="Arial"/>
-      <a:defRPr b="0" i="0" sz="1400" u="none" cap="none" strike="noStrike">
+      <a:defRPr sz="1400" b="0" i="0" u="none" strike="noStrike" cap="none">
         <a:solidFill>
           <a:srgbClr val="000000"/>
         </a:solidFill>
@@ -501,7 +516,7 @@
         <a:sym typeface="Arial"/>
       </a:defRPr>
     </a:lvl2pPr>
-    <a:lvl3pPr lvl="2" marR="0" rtl="0" algn="l">
+    <a:lvl3pPr marR="0" lvl="2" algn="l" rtl="0">
       <a:lnSpc>
         <a:spcPct val="100000"/>
       </a:lnSpc>
@@ -515,7 +530,7 @@
         <a:srgbClr val="000000"/>
       </a:buClr>
       <a:buFont typeface="Arial"/>
-      <a:defRPr b="0" i="0" sz="1400" u="none" cap="none" strike="noStrike">
+      <a:defRPr sz="1400" b="0" i="0" u="none" strike="noStrike" cap="none">
         <a:solidFill>
           <a:srgbClr val="000000"/>
         </a:solidFill>
@@ -525,7 +540,7 @@
         <a:sym typeface="Arial"/>
       </a:defRPr>
     </a:lvl3pPr>
-    <a:lvl4pPr lvl="3" marR="0" rtl="0" algn="l">
+    <a:lvl4pPr marR="0" lvl="3" algn="l" rtl="0">
       <a:lnSpc>
         <a:spcPct val="100000"/>
       </a:lnSpc>
@@ -539,7 +554,7 @@
         <a:srgbClr val="000000"/>
       </a:buClr>
       <a:buFont typeface="Arial"/>
-      <a:defRPr b="0" i="0" sz="1400" u="none" cap="none" strike="noStrike">
+      <a:defRPr sz="1400" b="0" i="0" u="none" strike="noStrike" cap="none">
         <a:solidFill>
           <a:srgbClr val="000000"/>
         </a:solidFill>
@@ -549,7 +564,7 @@
         <a:sym typeface="Arial"/>
       </a:defRPr>
     </a:lvl4pPr>
-    <a:lvl5pPr lvl="4" marR="0" rtl="0" algn="l">
+    <a:lvl5pPr marR="0" lvl="4" algn="l" rtl="0">
       <a:lnSpc>
         <a:spcPct val="100000"/>
       </a:lnSpc>
@@ -563,7 +578,7 @@
         <a:srgbClr val="000000"/>
       </a:buClr>
       <a:buFont typeface="Arial"/>
-      <a:defRPr b="0" i="0" sz="1400" u="none" cap="none" strike="noStrike">
+      <a:defRPr sz="1400" b="0" i="0" u="none" strike="noStrike" cap="none">
         <a:solidFill>
           <a:srgbClr val="000000"/>
         </a:solidFill>
@@ -573,7 +588,7 @@
         <a:sym typeface="Arial"/>
       </a:defRPr>
     </a:lvl5pPr>
-    <a:lvl6pPr lvl="5" marR="0" rtl="0" algn="l">
+    <a:lvl6pPr marR="0" lvl="5" algn="l" rtl="0">
       <a:lnSpc>
         <a:spcPct val="100000"/>
       </a:lnSpc>
@@ -587,7 +602,7 @@
         <a:srgbClr val="000000"/>
       </a:buClr>
       <a:buFont typeface="Arial"/>
-      <a:defRPr b="0" i="0" sz="1400" u="none" cap="none" strike="noStrike">
+      <a:defRPr sz="1400" b="0" i="0" u="none" strike="noStrike" cap="none">
         <a:solidFill>
           <a:srgbClr val="000000"/>
         </a:solidFill>
@@ -597,7 +612,7 @@
         <a:sym typeface="Arial"/>
       </a:defRPr>
     </a:lvl6pPr>
-    <a:lvl7pPr lvl="6" marR="0" rtl="0" algn="l">
+    <a:lvl7pPr marR="0" lvl="6" algn="l" rtl="0">
       <a:lnSpc>
         <a:spcPct val="100000"/>
       </a:lnSpc>
@@ -611,7 +626,7 @@
         <a:srgbClr val="000000"/>
       </a:buClr>
       <a:buFont typeface="Arial"/>
-      <a:defRPr b="0" i="0" sz="1400" u="none" cap="none" strike="noStrike">
+      <a:defRPr sz="1400" b="0" i="0" u="none" strike="noStrike" cap="none">
         <a:solidFill>
           <a:srgbClr val="000000"/>
         </a:solidFill>
@@ -621,7 +636,7 @@
         <a:sym typeface="Arial"/>
       </a:defRPr>
     </a:lvl7pPr>
-    <a:lvl8pPr lvl="7" marR="0" rtl="0" algn="l">
+    <a:lvl8pPr marR="0" lvl="7" algn="l" rtl="0">
       <a:lnSpc>
         <a:spcPct val="100000"/>
       </a:lnSpc>
@@ -635,7 +650,7 @@
         <a:srgbClr val="000000"/>
       </a:buClr>
       <a:buFont typeface="Arial"/>
-      <a:defRPr b="0" i="0" sz="1400" u="none" cap="none" strike="noStrike">
+      <a:defRPr sz="1400" b="0" i="0" u="none" strike="noStrike" cap="none">
         <a:solidFill>
           <a:srgbClr val="000000"/>
         </a:solidFill>
@@ -645,7 +660,7 @@
         <a:sym typeface="Arial"/>
       </a:defRPr>
     </a:lvl8pPr>
-    <a:lvl9pPr lvl="8" marR="0" rtl="0" algn="l">
+    <a:lvl9pPr marR="0" lvl="8" algn="l" rtl="0">
       <a:lnSpc>
         <a:spcPct val="100000"/>
       </a:lnSpc>
@@ -659,7 +674,7 @@
         <a:srgbClr val="000000"/>
       </a:buClr>
       <a:buFont typeface="Arial"/>
-      <a:defRPr b="0" i="0" sz="1400" u="none" cap="none" strike="noStrike">
+      <a:defRPr sz="1400" b="0" i="0" u="none" strike="noStrike" cap="none">
         <a:solidFill>
           <a:srgbClr val="000000"/>
         </a:solidFill>
@@ -674,11 +689,11 @@
 </file>
 
 <file path=ppt/notesSlides/notesSlide1.xml><?xml version="1.0" encoding="utf-8"?>
-<p:notes xmlns:a="http://schemas.openxmlformats.org/drawingml/2006/main" xmlns:r="http://schemas.openxmlformats.org/officeDocument/2006/relationships" xmlns:mc="http://schemas.openxmlformats.org/markup-compatibility/2006" xmlns:mv="urn:schemas-microsoft-com:mac:vml" xmlns:p="http://schemas.openxmlformats.org/presentationml/2006/main" xmlns:c="http://schemas.openxmlformats.org/drawingml/2006/chart" xmlns:dgm="http://schemas.openxmlformats.org/drawingml/2006/diagram" xmlns:o="urn:schemas-microsoft-com:office:office" xmlns:v="urn:schemas-microsoft-com:vml" xmlns:pvml="urn:schemas-microsoft-com:office:powerpoint" xmlns:com="http://schemas.openxmlformats.org/drawingml/2006/compatibility" xmlns:p14="http://schemas.microsoft.com/office/powerpoint/2010/main" xmlns:p15="http://schemas.microsoft.com/office/powerpoint/2012/main" showMasterPhAnim="0" showMasterSp="0">
+<p:notes xmlns:a="http://schemas.openxmlformats.org/drawingml/2006/main" xmlns:r="http://schemas.openxmlformats.org/officeDocument/2006/relationships" xmlns:p="http://schemas.openxmlformats.org/presentationml/2006/main" showMasterSp="0" showMasterPhAnim="0">
   <p:cSld>
     <p:spTree>
       <p:nvGrpSpPr>
-        <p:cNvPr id="50" name="Shape 50"/>
+        <p:cNvPr id="1" name="Shape 50"/>
         <p:cNvGrpSpPr/>
         <p:nvPr/>
       </p:nvGrpSpPr>
@@ -693,9 +708,11 @@
       <p:sp>
         <p:nvSpPr>
           <p:cNvPr id="51" name="Google Shape;51;p:notes"/>
-          <p:cNvSpPr/>
+          <p:cNvSpPr>
+            <a:spLocks noGrp="1" noRot="1" noChangeAspect="1"/>
+          </p:cNvSpPr>
           <p:nvPr>
-            <p:ph idx="2" type="sldImg"/>
+            <p:ph type="sldImg" idx="2"/>
           </p:nvPr>
         </p:nvSpPr>
         <p:spPr>
@@ -704,9 +721,13 @@
             <a:ext cx="6096075" cy="3429000"/>
           </a:xfrm>
           <a:custGeom>
-            <a:rect b="b" l="l" r="r" t="t"/>
+            <a:avLst/>
+            <a:gdLst/>
+            <a:ahLst/>
+            <a:cxnLst/>
+            <a:rect l="l" t="t" r="r" b="b"/>
             <a:pathLst>
-              <a:path extrusionOk="0" h="120000" w="120000">
+              <a:path w="120000" h="120000" extrusionOk="0">
                 <a:moveTo>
                   <a:pt x="0" y="0"/>
                 </a:moveTo>
@@ -728,9 +749,11 @@
       <p:sp>
         <p:nvSpPr>
           <p:cNvPr id="52" name="Google Shape;52;p:notes"/>
-          <p:cNvSpPr txBox="1"/>
+          <p:cNvSpPr txBox="1">
+            <a:spLocks noGrp="1"/>
+          </p:cNvSpPr>
           <p:nvPr>
-            <p:ph idx="1" type="body"/>
+            <p:ph type="body" idx="1"/>
           </p:nvPr>
         </p:nvSpPr>
         <p:spPr>
@@ -743,12 +766,12 @@
           </a:prstGeom>
         </p:spPr>
         <p:txBody>
-          <a:bodyPr anchorCtr="0" anchor="t" bIns="91425" lIns="91425" spcFirstLastPara="1" rIns="91425" wrap="square" tIns="91425">
+          <a:bodyPr spcFirstLastPara="1" wrap="square" lIns="91425" tIns="91425" rIns="91425" bIns="91425" anchor="t" anchorCtr="0">
             <a:noAutofit/>
           </a:bodyPr>
           <a:lstStyle/>
           <a:p>
-            <a:pPr indent="0" lvl="0" marL="0" rtl="0" algn="l">
+            <a:pPr marL="0" lvl="0" indent="0" algn="l" rtl="0">
               <a:spcBef>
                 <a:spcPts val="0"/>
               </a:spcBef>
@@ -757,9 +780,6 @@
               </a:spcAft>
               <a:buNone/>
             </a:pPr>
-            <a:r>
-              <a:t/>
-            </a:r>
             <a:endParaRPr/>
           </a:p>
         </p:txBody>
@@ -773,11 +793,11 @@
 </file>
 
 <file path=ppt/notesSlides/notesSlide2.xml><?xml version="1.0" encoding="utf-8"?>
-<p:notes xmlns:a="http://schemas.openxmlformats.org/drawingml/2006/main" xmlns:r="http://schemas.openxmlformats.org/officeDocument/2006/relationships" xmlns:mc="http://schemas.openxmlformats.org/markup-compatibility/2006" xmlns:mv="urn:schemas-microsoft-com:mac:vml" xmlns:p="http://schemas.openxmlformats.org/presentationml/2006/main" xmlns:c="http://schemas.openxmlformats.org/drawingml/2006/chart" xmlns:dgm="http://schemas.openxmlformats.org/drawingml/2006/diagram" xmlns:o="urn:schemas-microsoft-com:office:office" xmlns:v="urn:schemas-microsoft-com:vml" xmlns:pvml="urn:schemas-microsoft-com:office:powerpoint" xmlns:com="http://schemas.openxmlformats.org/drawingml/2006/compatibility" xmlns:p14="http://schemas.microsoft.com/office/powerpoint/2010/main" xmlns:p15="http://schemas.microsoft.com/office/powerpoint/2012/main" showMasterPhAnim="0" showMasterSp="0">
+<p:notes xmlns:a="http://schemas.openxmlformats.org/drawingml/2006/main" xmlns:r="http://schemas.openxmlformats.org/officeDocument/2006/relationships" xmlns:p="http://schemas.openxmlformats.org/presentationml/2006/main" showMasterSp="0" showMasterPhAnim="0">
   <p:cSld>
     <p:spTree>
       <p:nvGrpSpPr>
-        <p:cNvPr id="55" name="Shape 55"/>
+        <p:cNvPr id="1" name="Shape 55"/>
         <p:cNvGrpSpPr/>
         <p:nvPr/>
       </p:nvGrpSpPr>
@@ -792,20 +812,26 @@
       <p:sp>
         <p:nvSpPr>
           <p:cNvPr id="56" name="Google Shape;56;g2af8929976_0_94:notes"/>
-          <p:cNvSpPr/>
+          <p:cNvSpPr>
+            <a:spLocks noGrp="1" noRot="1" noChangeAspect="1"/>
+          </p:cNvSpPr>
           <p:nvPr>
-            <p:ph idx="2" type="sldImg"/>
+            <p:ph type="sldImg" idx="2"/>
           </p:nvPr>
         </p:nvSpPr>
         <p:spPr>
           <a:xfrm>
-            <a:off x="381300" y="685800"/>
+            <a:off x="381000" y="685800"/>
             <a:ext cx="6096000" cy="3429000"/>
           </a:xfrm>
           <a:custGeom>
-            <a:rect b="b" l="l" r="r" t="t"/>
+            <a:avLst/>
+            <a:gdLst/>
+            <a:ahLst/>
+            <a:cxnLst/>
+            <a:rect l="l" t="t" r="r" b="b"/>
             <a:pathLst>
-              <a:path extrusionOk="0" h="120000" w="120000">
+              <a:path w="120000" h="120000" extrusionOk="0">
                 <a:moveTo>
                   <a:pt x="0" y="0"/>
                 </a:moveTo>
@@ -827,9 +853,11 @@
       <p:sp>
         <p:nvSpPr>
           <p:cNvPr id="57" name="Google Shape;57;g2af8929976_0_94:notes"/>
-          <p:cNvSpPr txBox="1"/>
+          <p:cNvSpPr txBox="1">
+            <a:spLocks noGrp="1"/>
+          </p:cNvSpPr>
           <p:nvPr>
-            <p:ph idx="1" type="body"/>
+            <p:ph type="body" idx="1"/>
           </p:nvPr>
         </p:nvSpPr>
         <p:spPr>
@@ -842,12 +870,12 @@
           </a:prstGeom>
         </p:spPr>
         <p:txBody>
-          <a:bodyPr anchorCtr="0" anchor="t" bIns="91425" lIns="91425" spcFirstLastPara="1" rIns="91425" wrap="square" tIns="91425">
+          <a:bodyPr spcFirstLastPara="1" wrap="square" lIns="91425" tIns="91425" rIns="91425" bIns="91425" anchor="t" anchorCtr="0">
             <a:noAutofit/>
           </a:bodyPr>
           <a:lstStyle/>
           <a:p>
-            <a:pPr indent="0" lvl="0" marL="0" rtl="0" algn="l">
+            <a:pPr marL="0" lvl="0" indent="0" algn="l" rtl="0">
               <a:spcBef>
                 <a:spcPts val="0"/>
               </a:spcBef>
@@ -856,9 +884,6 @@
               </a:spcAft>
               <a:buNone/>
             </a:pPr>
-            <a:r>
-              <a:t/>
-            </a:r>
             <a:endParaRPr/>
           </a:p>
         </p:txBody>
@@ -872,11 +897,11 @@
 </file>
 
 <file path=ppt/notesSlides/notesSlide3.xml><?xml version="1.0" encoding="utf-8"?>
-<p:notes xmlns:a="http://schemas.openxmlformats.org/drawingml/2006/main" xmlns:r="http://schemas.openxmlformats.org/officeDocument/2006/relationships" xmlns:mc="http://schemas.openxmlformats.org/markup-compatibility/2006" xmlns:mv="urn:schemas-microsoft-com:mac:vml" xmlns:p="http://schemas.openxmlformats.org/presentationml/2006/main" xmlns:c="http://schemas.openxmlformats.org/drawingml/2006/chart" xmlns:dgm="http://schemas.openxmlformats.org/drawingml/2006/diagram" xmlns:o="urn:schemas-microsoft-com:office:office" xmlns:v="urn:schemas-microsoft-com:vml" xmlns:pvml="urn:schemas-microsoft-com:office:powerpoint" xmlns:com="http://schemas.openxmlformats.org/drawingml/2006/compatibility" xmlns:p14="http://schemas.microsoft.com/office/powerpoint/2010/main" xmlns:p15="http://schemas.microsoft.com/office/powerpoint/2012/main" showMasterPhAnim="0" showMasterSp="0">
+<p:notes xmlns:a="http://schemas.openxmlformats.org/drawingml/2006/main" xmlns:r="http://schemas.openxmlformats.org/officeDocument/2006/relationships" xmlns:p="http://schemas.openxmlformats.org/presentationml/2006/main" showMasterSp="0" showMasterPhAnim="0">
   <p:cSld>
     <p:spTree>
       <p:nvGrpSpPr>
-        <p:cNvPr id="62" name="Shape 62"/>
+        <p:cNvPr id="1" name="Shape 62"/>
         <p:cNvGrpSpPr/>
         <p:nvPr/>
       </p:nvGrpSpPr>
@@ -891,20 +916,26 @@
       <p:sp>
         <p:nvSpPr>
           <p:cNvPr id="63" name="Google Shape;63;g2af8929976_0_99:notes"/>
-          <p:cNvSpPr/>
+          <p:cNvSpPr>
+            <a:spLocks noGrp="1" noRot="1" noChangeAspect="1"/>
+          </p:cNvSpPr>
           <p:nvPr>
-            <p:ph idx="2" type="sldImg"/>
+            <p:ph type="sldImg" idx="2"/>
           </p:nvPr>
         </p:nvSpPr>
         <p:spPr>
           <a:xfrm>
-            <a:off x="381300" y="685800"/>
+            <a:off x="381000" y="685800"/>
             <a:ext cx="6096000" cy="3429000"/>
           </a:xfrm>
           <a:custGeom>
-            <a:rect b="b" l="l" r="r" t="t"/>
+            <a:avLst/>
+            <a:gdLst/>
+            <a:ahLst/>
+            <a:cxnLst/>
+            <a:rect l="l" t="t" r="r" b="b"/>
             <a:pathLst>
-              <a:path extrusionOk="0" h="120000" w="120000">
+              <a:path w="120000" h="120000" extrusionOk="0">
                 <a:moveTo>
                   <a:pt x="0" y="0"/>
                 </a:moveTo>
@@ -926,9 +957,11 @@
       <p:sp>
         <p:nvSpPr>
           <p:cNvPr id="64" name="Google Shape;64;g2af8929976_0_99:notes"/>
-          <p:cNvSpPr txBox="1"/>
+          <p:cNvSpPr txBox="1">
+            <a:spLocks noGrp="1"/>
+          </p:cNvSpPr>
           <p:nvPr>
-            <p:ph idx="1" type="body"/>
+            <p:ph type="body" idx="1"/>
           </p:nvPr>
         </p:nvSpPr>
         <p:spPr>
@@ -941,12 +974,12 @@
           </a:prstGeom>
         </p:spPr>
         <p:txBody>
-          <a:bodyPr anchorCtr="0" anchor="t" bIns="91425" lIns="91425" spcFirstLastPara="1" rIns="91425" wrap="square" tIns="91425">
+          <a:bodyPr spcFirstLastPara="1" wrap="square" lIns="91425" tIns="91425" rIns="91425" bIns="91425" anchor="t" anchorCtr="0">
             <a:noAutofit/>
           </a:bodyPr>
           <a:lstStyle/>
           <a:p>
-            <a:pPr indent="0" lvl="0" marL="0" rtl="0" algn="l">
+            <a:pPr marL="0" lvl="0" indent="0" algn="l" rtl="0">
               <a:spcBef>
                 <a:spcPts val="0"/>
               </a:spcBef>
@@ -955,9 +988,6 @@
               </a:spcAft>
               <a:buNone/>
             </a:pPr>
-            <a:r>
-              <a:t/>
-            </a:r>
             <a:endParaRPr/>
           </a:p>
         </p:txBody>
@@ -971,11 +1001,11 @@
 </file>
 
 <file path=ppt/notesSlides/notesSlide4.xml><?xml version="1.0" encoding="utf-8"?>
-<p:notes xmlns:a="http://schemas.openxmlformats.org/drawingml/2006/main" xmlns:r="http://schemas.openxmlformats.org/officeDocument/2006/relationships" xmlns:mc="http://schemas.openxmlformats.org/markup-compatibility/2006" xmlns:mv="urn:schemas-microsoft-com:mac:vml" xmlns:p="http://schemas.openxmlformats.org/presentationml/2006/main" xmlns:c="http://schemas.openxmlformats.org/drawingml/2006/chart" xmlns:dgm="http://schemas.openxmlformats.org/drawingml/2006/diagram" xmlns:o="urn:schemas-microsoft-com:office:office" xmlns:v="urn:schemas-microsoft-com:vml" xmlns:pvml="urn:schemas-microsoft-com:office:powerpoint" xmlns:com="http://schemas.openxmlformats.org/drawingml/2006/compatibility" xmlns:p14="http://schemas.microsoft.com/office/powerpoint/2010/main" xmlns:p15="http://schemas.microsoft.com/office/powerpoint/2012/main" showMasterPhAnim="0" showMasterSp="0">
+<p:notes xmlns:a="http://schemas.openxmlformats.org/drawingml/2006/main" xmlns:r="http://schemas.openxmlformats.org/officeDocument/2006/relationships" xmlns:p="http://schemas.openxmlformats.org/presentationml/2006/main" showMasterSp="0" showMasterPhAnim="0">
   <p:cSld>
     <p:spTree>
       <p:nvGrpSpPr>
-        <p:cNvPr id="69" name="Shape 69"/>
+        <p:cNvPr id="1" name="Shape 69"/>
         <p:cNvGrpSpPr/>
         <p:nvPr/>
       </p:nvGrpSpPr>
@@ -990,20 +1020,26 @@
       <p:sp>
         <p:nvSpPr>
           <p:cNvPr id="70" name="Google Shape;70;g2af8929976_0_103:notes"/>
-          <p:cNvSpPr/>
+          <p:cNvSpPr>
+            <a:spLocks noGrp="1" noRot="1" noChangeAspect="1"/>
+          </p:cNvSpPr>
           <p:nvPr>
-            <p:ph idx="2" type="sldImg"/>
+            <p:ph type="sldImg" idx="2"/>
           </p:nvPr>
         </p:nvSpPr>
         <p:spPr>
           <a:xfrm>
-            <a:off x="381300" y="685800"/>
+            <a:off x="381000" y="685800"/>
             <a:ext cx="6096000" cy="3429000"/>
           </a:xfrm>
           <a:custGeom>
-            <a:rect b="b" l="l" r="r" t="t"/>
+            <a:avLst/>
+            <a:gdLst/>
+            <a:ahLst/>
+            <a:cxnLst/>
+            <a:rect l="l" t="t" r="r" b="b"/>
             <a:pathLst>
-              <a:path extrusionOk="0" h="120000" w="120000">
+              <a:path w="120000" h="120000" extrusionOk="0">
                 <a:moveTo>
                   <a:pt x="0" y="0"/>
                 </a:moveTo>
@@ -1025,9 +1061,11 @@
       <p:sp>
         <p:nvSpPr>
           <p:cNvPr id="71" name="Google Shape;71;g2af8929976_0_103:notes"/>
-          <p:cNvSpPr txBox="1"/>
+          <p:cNvSpPr txBox="1">
+            <a:spLocks noGrp="1"/>
+          </p:cNvSpPr>
           <p:nvPr>
-            <p:ph idx="1" type="body"/>
+            <p:ph type="body" idx="1"/>
           </p:nvPr>
         </p:nvSpPr>
         <p:spPr>
@@ -1040,12 +1078,12 @@
           </a:prstGeom>
         </p:spPr>
         <p:txBody>
-          <a:bodyPr anchorCtr="0" anchor="t" bIns="91425" lIns="91425" spcFirstLastPara="1" rIns="91425" wrap="square" tIns="91425">
+          <a:bodyPr spcFirstLastPara="1" wrap="square" lIns="91425" tIns="91425" rIns="91425" bIns="91425" anchor="t" anchorCtr="0">
             <a:noAutofit/>
           </a:bodyPr>
           <a:lstStyle/>
           <a:p>
-            <a:pPr indent="0" lvl="0" marL="0" rtl="0" algn="l">
+            <a:pPr marL="0" lvl="0" indent="0" algn="l" rtl="0">
               <a:spcBef>
                 <a:spcPts val="0"/>
               </a:spcBef>
@@ -1054,9 +1092,6 @@
               </a:spcAft>
               <a:buNone/>
             </a:pPr>
-            <a:r>
-              <a:t/>
-            </a:r>
             <a:endParaRPr/>
           </a:p>
         </p:txBody>
@@ -1070,11 +1105,11 @@
 </file>
 
 <file path=ppt/notesSlides/notesSlide5.xml><?xml version="1.0" encoding="utf-8"?>
-<p:notes xmlns:a="http://schemas.openxmlformats.org/drawingml/2006/main" xmlns:r="http://schemas.openxmlformats.org/officeDocument/2006/relationships" xmlns:mc="http://schemas.openxmlformats.org/markup-compatibility/2006" xmlns:mv="urn:schemas-microsoft-com:mac:vml" xmlns:p="http://schemas.openxmlformats.org/presentationml/2006/main" xmlns:c="http://schemas.openxmlformats.org/drawingml/2006/chart" xmlns:dgm="http://schemas.openxmlformats.org/drawingml/2006/diagram" xmlns:o="urn:schemas-microsoft-com:office:office" xmlns:v="urn:schemas-microsoft-com:vml" xmlns:pvml="urn:schemas-microsoft-com:office:powerpoint" xmlns:com="http://schemas.openxmlformats.org/drawingml/2006/compatibility" xmlns:p14="http://schemas.microsoft.com/office/powerpoint/2010/main" xmlns:p15="http://schemas.microsoft.com/office/powerpoint/2012/main" showMasterPhAnim="0" showMasterSp="0">
+<p:notes xmlns:a="http://schemas.openxmlformats.org/drawingml/2006/main" xmlns:r="http://schemas.openxmlformats.org/officeDocument/2006/relationships" xmlns:p="http://schemas.openxmlformats.org/presentationml/2006/main" showMasterSp="0" showMasterPhAnim="0">
   <p:cSld>
     <p:spTree>
       <p:nvGrpSpPr>
-        <p:cNvPr id="75" name="Shape 75"/>
+        <p:cNvPr id="1" name="Shape 75"/>
         <p:cNvGrpSpPr/>
         <p:nvPr/>
       </p:nvGrpSpPr>
@@ -1089,20 +1124,26 @@
       <p:sp>
         <p:nvSpPr>
           <p:cNvPr id="76" name="Google Shape;76;g2af8929976_0_107:notes"/>
-          <p:cNvSpPr/>
+          <p:cNvSpPr>
+            <a:spLocks noGrp="1" noRot="1" noChangeAspect="1"/>
+          </p:cNvSpPr>
           <p:nvPr>
-            <p:ph idx="2" type="sldImg"/>
+            <p:ph type="sldImg" idx="2"/>
           </p:nvPr>
         </p:nvSpPr>
         <p:spPr>
           <a:xfrm>
-            <a:off x="381300" y="685800"/>
+            <a:off x="381000" y="685800"/>
             <a:ext cx="6096000" cy="3429000"/>
           </a:xfrm>
           <a:custGeom>
-            <a:rect b="b" l="l" r="r" t="t"/>
+            <a:avLst/>
+            <a:gdLst/>
+            <a:ahLst/>
+            <a:cxnLst/>
+            <a:rect l="l" t="t" r="r" b="b"/>
             <a:pathLst>
-              <a:path extrusionOk="0" h="120000" w="120000">
+              <a:path w="120000" h="120000" extrusionOk="0">
                 <a:moveTo>
                   <a:pt x="0" y="0"/>
                 </a:moveTo>
@@ -1124,9 +1165,11 @@
       <p:sp>
         <p:nvSpPr>
           <p:cNvPr id="77" name="Google Shape;77;g2af8929976_0_107:notes"/>
-          <p:cNvSpPr txBox="1"/>
+          <p:cNvSpPr txBox="1">
+            <a:spLocks noGrp="1"/>
+          </p:cNvSpPr>
           <p:nvPr>
-            <p:ph idx="1" type="body"/>
+            <p:ph type="body" idx="1"/>
           </p:nvPr>
         </p:nvSpPr>
         <p:spPr>
@@ -1139,12 +1182,12 @@
           </a:prstGeom>
         </p:spPr>
         <p:txBody>
-          <a:bodyPr anchorCtr="0" anchor="t" bIns="91425" lIns="91425" spcFirstLastPara="1" rIns="91425" wrap="square" tIns="91425">
+          <a:bodyPr spcFirstLastPara="1" wrap="square" lIns="91425" tIns="91425" rIns="91425" bIns="91425" anchor="t" anchorCtr="0">
             <a:noAutofit/>
           </a:bodyPr>
           <a:lstStyle/>
           <a:p>
-            <a:pPr indent="0" lvl="0" marL="0" rtl="0" algn="l">
+            <a:pPr marL="0" lvl="0" indent="0" algn="l" rtl="0">
               <a:spcBef>
                 <a:spcPts val="0"/>
               </a:spcBef>
@@ -1153,9 +1196,6 @@
               </a:spcAft>
               <a:buNone/>
             </a:pPr>
-            <a:r>
-              <a:t/>
-            </a:r>
             <a:endParaRPr/>
           </a:p>
         </p:txBody>
@@ -1169,11 +1209,11 @@
 </file>
 
 <file path=ppt/notesSlides/notesSlide6.xml><?xml version="1.0" encoding="utf-8"?>
-<p:notes xmlns:a="http://schemas.openxmlformats.org/drawingml/2006/main" xmlns:r="http://schemas.openxmlformats.org/officeDocument/2006/relationships" xmlns:mc="http://schemas.openxmlformats.org/markup-compatibility/2006" xmlns:mv="urn:schemas-microsoft-com:mac:vml" xmlns:p="http://schemas.openxmlformats.org/presentationml/2006/main" xmlns:c="http://schemas.openxmlformats.org/drawingml/2006/chart" xmlns:dgm="http://schemas.openxmlformats.org/drawingml/2006/diagram" xmlns:o="urn:schemas-microsoft-com:office:office" xmlns:v="urn:schemas-microsoft-com:vml" xmlns:pvml="urn:schemas-microsoft-com:office:powerpoint" xmlns:com="http://schemas.openxmlformats.org/drawingml/2006/compatibility" xmlns:p14="http://schemas.microsoft.com/office/powerpoint/2010/main" xmlns:p15="http://schemas.microsoft.com/office/powerpoint/2012/main" showMasterPhAnim="0" showMasterSp="0">
+<p:notes xmlns:a="http://schemas.openxmlformats.org/drawingml/2006/main" xmlns:r="http://schemas.openxmlformats.org/officeDocument/2006/relationships" xmlns:p="http://schemas.openxmlformats.org/presentationml/2006/main" showMasterSp="0" showMasterPhAnim="0">
   <p:cSld>
     <p:spTree>
       <p:nvGrpSpPr>
-        <p:cNvPr id="81" name="Shape 81"/>
+        <p:cNvPr id="1" name="Shape 81"/>
         <p:cNvGrpSpPr/>
         <p:nvPr/>
       </p:nvGrpSpPr>
@@ -1188,9 +1228,11 @@
       <p:sp>
         <p:nvSpPr>
           <p:cNvPr id="82" name="Google Shape;82;g2af8929976_0_119:notes"/>
-          <p:cNvSpPr/>
+          <p:cNvSpPr>
+            <a:spLocks noGrp="1" noRot="1" noChangeAspect="1"/>
+          </p:cNvSpPr>
           <p:nvPr>
-            <p:ph idx="2" type="sldImg"/>
+            <p:ph type="sldImg" idx="2"/>
           </p:nvPr>
         </p:nvSpPr>
         <p:spPr>
@@ -1199,9 +1241,13 @@
             <a:ext cx="6096000" cy="3429000"/>
           </a:xfrm>
           <a:custGeom>
-            <a:rect b="b" l="l" r="r" t="t"/>
+            <a:avLst/>
+            <a:gdLst/>
+            <a:ahLst/>
+            <a:cxnLst/>
+            <a:rect l="l" t="t" r="r" b="b"/>
             <a:pathLst>
-              <a:path extrusionOk="0" h="120000" w="120000">
+              <a:path w="120000" h="120000" extrusionOk="0">
                 <a:moveTo>
                   <a:pt x="0" y="0"/>
                 </a:moveTo>
@@ -1223,9 +1269,11 @@
       <p:sp>
         <p:nvSpPr>
           <p:cNvPr id="83" name="Google Shape;83;g2af8929976_0_119:notes"/>
-          <p:cNvSpPr txBox="1"/>
+          <p:cNvSpPr txBox="1">
+            <a:spLocks noGrp="1"/>
+          </p:cNvSpPr>
           <p:nvPr>
-            <p:ph idx="1" type="body"/>
+            <p:ph type="body" idx="1"/>
           </p:nvPr>
         </p:nvSpPr>
         <p:spPr>
@@ -1238,12 +1286,12 @@
           </a:prstGeom>
         </p:spPr>
         <p:txBody>
-          <a:bodyPr anchorCtr="0" anchor="t" bIns="91425" lIns="91425" spcFirstLastPara="1" rIns="91425" wrap="square" tIns="91425">
+          <a:bodyPr spcFirstLastPara="1" wrap="square" lIns="91425" tIns="91425" rIns="91425" bIns="91425" anchor="t" anchorCtr="0">
             <a:noAutofit/>
           </a:bodyPr>
           <a:lstStyle/>
           <a:p>
-            <a:pPr indent="0" lvl="0" marL="0" rtl="0" algn="l">
+            <a:pPr marL="0" lvl="0" indent="0" algn="l" rtl="0">
               <a:spcBef>
                 <a:spcPts val="0"/>
               </a:spcBef>
@@ -1252,9 +1300,6 @@
               </a:spcAft>
               <a:buNone/>
             </a:pPr>
-            <a:r>
-              <a:t/>
-            </a:r>
             <a:endParaRPr/>
           </a:p>
         </p:txBody>
@@ -1268,11 +1313,11 @@
 </file>
 
 <file path=ppt/slideLayouts/slideLayout1.xml><?xml version="1.0" encoding="utf-8"?>
-<p:sldLayout xmlns:a="http://schemas.openxmlformats.org/drawingml/2006/main" xmlns:r="http://schemas.openxmlformats.org/officeDocument/2006/relationships" xmlns:mc="http://schemas.openxmlformats.org/markup-compatibility/2006" xmlns:mv="urn:schemas-microsoft-com:mac:vml" xmlns:p="http://schemas.openxmlformats.org/presentationml/2006/main" xmlns:c="http://schemas.openxmlformats.org/drawingml/2006/chart" xmlns:dgm="http://schemas.openxmlformats.org/drawingml/2006/diagram" xmlns:o="urn:schemas-microsoft-com:office:office" xmlns:v="urn:schemas-microsoft-com:vml" xmlns:pvml="urn:schemas-microsoft-com:office:powerpoint" xmlns:com="http://schemas.openxmlformats.org/drawingml/2006/compatibility" xmlns:p14="http://schemas.microsoft.com/office/powerpoint/2010/main" xmlns:p15="http://schemas.microsoft.com/office/powerpoint/2012/main" matchingName="Title slide" type="title">
+<p:sldLayout xmlns:a="http://schemas.openxmlformats.org/drawingml/2006/main" xmlns:r="http://schemas.openxmlformats.org/officeDocument/2006/relationships" xmlns:p="http://schemas.openxmlformats.org/presentationml/2006/main" matchingName="Title slide" type="title">
   <p:cSld name="TITLE">
     <p:spTree>
       <p:nvGrpSpPr>
-        <p:cNvPr id="9" name="Shape 9"/>
+        <p:cNvPr id="1" name="Shape 9"/>
         <p:cNvGrpSpPr/>
         <p:nvPr/>
       </p:nvGrpSpPr>
@@ -1287,7 +1332,9 @@
       <p:sp>
         <p:nvSpPr>
           <p:cNvPr id="10" name="Google Shape;10;p2"/>
-          <p:cNvSpPr txBox="1"/>
+          <p:cNvSpPr txBox="1">
+            <a:spLocks noGrp="1"/>
+          </p:cNvSpPr>
           <p:nvPr>
             <p:ph type="ctrTitle"/>
           </p:nvPr>
@@ -1302,7 +1349,7 @@
           </a:prstGeom>
         </p:spPr>
         <p:txBody>
-          <a:bodyPr anchorCtr="0" anchor="b" bIns="91425" lIns="91425" spcFirstLastPara="1" rIns="91425" wrap="square" tIns="91425"/>
+          <a:bodyPr spcFirstLastPara="1" wrap="square" lIns="91425" tIns="91425" rIns="91425" bIns="91425" anchor="b" anchorCtr="0"/>
           <a:lstStyle>
             <a:lvl1pPr lvl="0" algn="ctr">
               <a:spcBef>
@@ -1404,15 +1451,19 @@
               <a:defRPr sz="5200"/>
             </a:lvl9pPr>
           </a:lstStyle>
-          <a:p/>
+          <a:p>
+            <a:endParaRPr/>
+          </a:p>
         </p:txBody>
       </p:sp>
       <p:sp>
         <p:nvSpPr>
           <p:cNvPr id="11" name="Google Shape;11;p2"/>
-          <p:cNvSpPr txBox="1"/>
+          <p:cNvSpPr txBox="1">
+            <a:spLocks noGrp="1"/>
+          </p:cNvSpPr>
           <p:nvPr>
-            <p:ph idx="1" type="subTitle"/>
+            <p:ph type="subTitle" idx="1"/>
           </p:nvPr>
         </p:nvSpPr>
         <p:spPr>
@@ -1425,7 +1476,7 @@
           </a:prstGeom>
         </p:spPr>
         <p:txBody>
-          <a:bodyPr anchorCtr="0" anchor="t" bIns="91425" lIns="91425" spcFirstLastPara="1" rIns="91425" wrap="square" tIns="91425"/>
+          <a:bodyPr spcFirstLastPara="1" wrap="square" lIns="91425" tIns="91425" rIns="91425" bIns="91425" anchor="t" anchorCtr="0"/>
           <a:lstStyle>
             <a:lvl1pPr lvl="0" algn="ctr">
               <a:lnSpc>
@@ -1554,15 +1605,19 @@
               <a:defRPr sz="2800"/>
             </a:lvl9pPr>
           </a:lstStyle>
-          <a:p/>
+          <a:p>
+            <a:endParaRPr/>
+          </a:p>
         </p:txBody>
       </p:sp>
       <p:sp>
         <p:nvSpPr>
           <p:cNvPr id="12" name="Google Shape;12;p2"/>
-          <p:cNvSpPr txBox="1"/>
+          <p:cNvSpPr txBox="1">
+            <a:spLocks noGrp="1"/>
+          </p:cNvSpPr>
           <p:nvPr>
-            <p:ph idx="12" type="sldNum"/>
+            <p:ph type="sldNum" idx="12"/>
           </p:nvPr>
         </p:nvSpPr>
         <p:spPr>
@@ -1575,7 +1630,7 @@
           </a:prstGeom>
         </p:spPr>
         <p:txBody>
-          <a:bodyPr anchorCtr="0" anchor="ctr" bIns="91425" lIns="91425" spcFirstLastPara="1" rIns="91425" wrap="square" tIns="91425">
+          <a:bodyPr spcFirstLastPara="1" wrap="square" lIns="91425" tIns="91425" rIns="91425" bIns="91425" anchor="ctr" anchorCtr="0">
             <a:noAutofit/>
           </a:bodyPr>
           <a:lstStyle>
@@ -1617,7 +1672,7 @@
             </a:lvl9pPr>
           </a:lstStyle>
           <a:p>
-            <a:pPr indent="0" lvl="0" marL="0" rtl="0" algn="r">
+            <a:pPr marL="0" lvl="0" indent="0" algn="r" rtl="0">
               <a:spcBef>
                 <a:spcPts val="0"/>
               </a:spcBef>
@@ -1643,11 +1698,11 @@
 </file>
 
 <file path=ppt/slideLayouts/slideLayout10.xml><?xml version="1.0" encoding="utf-8"?>
-<p:sldLayout xmlns:a="http://schemas.openxmlformats.org/drawingml/2006/main" xmlns:r="http://schemas.openxmlformats.org/officeDocument/2006/relationships" xmlns:mc="http://schemas.openxmlformats.org/markup-compatibility/2006" xmlns:mv="urn:schemas-microsoft-com:mac:vml" xmlns:p="http://schemas.openxmlformats.org/presentationml/2006/main" xmlns:c="http://schemas.openxmlformats.org/drawingml/2006/chart" xmlns:dgm="http://schemas.openxmlformats.org/drawingml/2006/diagram" xmlns:o="urn:schemas-microsoft-com:office:office" xmlns:v="urn:schemas-microsoft-com:vml" xmlns:pvml="urn:schemas-microsoft-com:office:powerpoint" xmlns:com="http://schemas.openxmlformats.org/drawingml/2006/compatibility" xmlns:p14="http://schemas.microsoft.com/office/powerpoint/2010/main" xmlns:p15="http://schemas.microsoft.com/office/powerpoint/2012/main" matchingName="Big number">
+<p:sldLayout xmlns:a="http://schemas.openxmlformats.org/drawingml/2006/main" xmlns:r="http://schemas.openxmlformats.org/officeDocument/2006/relationships" xmlns:p="http://schemas.openxmlformats.org/presentationml/2006/main" matchingName="Big number">
   <p:cSld name="BIG_NUMBER">
     <p:spTree>
       <p:nvGrpSpPr>
-        <p:cNvPr id="44" name="Shape 44"/>
+        <p:cNvPr id="1" name="Shape 44"/>
         <p:cNvGrpSpPr/>
         <p:nvPr/>
       </p:nvGrpSpPr>
@@ -1662,9 +1717,11 @@
       <p:sp>
         <p:nvSpPr>
           <p:cNvPr id="45" name="Google Shape;45;p11"/>
-          <p:cNvSpPr txBox="1"/>
+          <p:cNvSpPr txBox="1">
+            <a:spLocks noGrp="1"/>
+          </p:cNvSpPr>
           <p:nvPr>
-            <p:ph hasCustomPrompt="1" type="title"/>
+            <p:ph type="title" hasCustomPrompt="1"/>
           </p:nvPr>
         </p:nvSpPr>
         <p:spPr>
@@ -1677,7 +1734,7 @@
           </a:prstGeom>
         </p:spPr>
         <p:txBody>
-          <a:bodyPr anchorCtr="0" anchor="b" bIns="91425" lIns="91425" spcFirstLastPara="1" rIns="91425" wrap="square" tIns="91425"/>
+          <a:bodyPr spcFirstLastPara="1" wrap="square" lIns="91425" tIns="91425" rIns="91425" bIns="91425" anchor="b" anchorCtr="0"/>
           <a:lstStyle>
             <a:lvl1pPr lvl="0" algn="ctr">
               <a:spcBef>
@@ -1789,9 +1846,11 @@
       <p:sp>
         <p:nvSpPr>
           <p:cNvPr id="46" name="Google Shape;46;p11"/>
-          <p:cNvSpPr txBox="1"/>
+          <p:cNvSpPr txBox="1">
+            <a:spLocks noGrp="1"/>
+          </p:cNvSpPr>
           <p:nvPr>
-            <p:ph idx="1" type="body"/>
+            <p:ph type="body" idx="1"/>
           </p:nvPr>
         </p:nvSpPr>
         <p:spPr>
@@ -1804,9 +1863,9 @@
           </a:prstGeom>
         </p:spPr>
         <p:txBody>
-          <a:bodyPr anchorCtr="0" anchor="t" bIns="91425" lIns="91425" spcFirstLastPara="1" rIns="91425" wrap="square" tIns="91425"/>
+          <a:bodyPr spcFirstLastPara="1" wrap="square" lIns="91425" tIns="91425" rIns="91425" bIns="91425" anchor="t" anchorCtr="0"/>
           <a:lstStyle>
-            <a:lvl1pPr indent="-342900" lvl="0" marL="457200" algn="ctr">
+            <a:lvl1pPr marL="457200" lvl="0" indent="-342900" algn="ctr">
               <a:spcBef>
                 <a:spcPts val="0"/>
               </a:spcBef>
@@ -1817,7 +1876,7 @@
               <a:buChar char="●"/>
               <a:defRPr/>
             </a:lvl1pPr>
-            <a:lvl2pPr indent="-317500" lvl="1" marL="914400" algn="ctr">
+            <a:lvl2pPr marL="914400" lvl="1" indent="-317500" algn="ctr">
               <a:spcBef>
                 <a:spcPts val="1600"/>
               </a:spcBef>
@@ -1828,7 +1887,7 @@
               <a:buChar char="○"/>
               <a:defRPr/>
             </a:lvl2pPr>
-            <a:lvl3pPr indent="-317500" lvl="2" marL="1371600" algn="ctr">
+            <a:lvl3pPr marL="1371600" lvl="2" indent="-317500" algn="ctr">
               <a:spcBef>
                 <a:spcPts val="1600"/>
               </a:spcBef>
@@ -1839,7 +1898,7 @@
               <a:buChar char="■"/>
               <a:defRPr/>
             </a:lvl3pPr>
-            <a:lvl4pPr indent="-317500" lvl="3" marL="1828800" algn="ctr">
+            <a:lvl4pPr marL="1828800" lvl="3" indent="-317500" algn="ctr">
               <a:spcBef>
                 <a:spcPts val="1600"/>
               </a:spcBef>
@@ -1850,7 +1909,7 @@
               <a:buChar char="●"/>
               <a:defRPr/>
             </a:lvl4pPr>
-            <a:lvl5pPr indent="-317500" lvl="4" marL="2286000" algn="ctr">
+            <a:lvl5pPr marL="2286000" lvl="4" indent="-317500" algn="ctr">
               <a:spcBef>
                 <a:spcPts val="1600"/>
               </a:spcBef>
@@ -1861,7 +1920,7 @@
               <a:buChar char="○"/>
               <a:defRPr/>
             </a:lvl5pPr>
-            <a:lvl6pPr indent="-317500" lvl="5" marL="2743200" algn="ctr">
+            <a:lvl6pPr marL="2743200" lvl="5" indent="-317500" algn="ctr">
               <a:spcBef>
                 <a:spcPts val="1600"/>
               </a:spcBef>
@@ -1872,7 +1931,7 @@
               <a:buChar char="■"/>
               <a:defRPr/>
             </a:lvl6pPr>
-            <a:lvl7pPr indent="-317500" lvl="6" marL="3200400" algn="ctr">
+            <a:lvl7pPr marL="3200400" lvl="6" indent="-317500" algn="ctr">
               <a:spcBef>
                 <a:spcPts val="1600"/>
               </a:spcBef>
@@ -1883,7 +1942,7 @@
               <a:buChar char="●"/>
               <a:defRPr/>
             </a:lvl7pPr>
-            <a:lvl8pPr indent="-317500" lvl="7" marL="3657600" algn="ctr">
+            <a:lvl8pPr marL="3657600" lvl="7" indent="-317500" algn="ctr">
               <a:spcBef>
                 <a:spcPts val="1600"/>
               </a:spcBef>
@@ -1894,7 +1953,7 @@
               <a:buChar char="○"/>
               <a:defRPr/>
             </a:lvl8pPr>
-            <a:lvl9pPr indent="-317500" lvl="8" marL="4114800" algn="ctr">
+            <a:lvl9pPr marL="4114800" lvl="8" indent="-317500" algn="ctr">
               <a:spcBef>
                 <a:spcPts val="1600"/>
               </a:spcBef>
@@ -1906,15 +1965,19 @@
               <a:defRPr/>
             </a:lvl9pPr>
           </a:lstStyle>
-          <a:p/>
+          <a:p>
+            <a:endParaRPr/>
+          </a:p>
         </p:txBody>
       </p:sp>
       <p:sp>
         <p:nvSpPr>
           <p:cNvPr id="47" name="Google Shape;47;p11"/>
-          <p:cNvSpPr txBox="1"/>
+          <p:cNvSpPr txBox="1">
+            <a:spLocks noGrp="1"/>
+          </p:cNvSpPr>
           <p:nvPr>
-            <p:ph idx="12" type="sldNum"/>
+            <p:ph type="sldNum" idx="12"/>
           </p:nvPr>
         </p:nvSpPr>
         <p:spPr>
@@ -1927,7 +1990,7 @@
           </a:prstGeom>
         </p:spPr>
         <p:txBody>
-          <a:bodyPr anchorCtr="0" anchor="ctr" bIns="91425" lIns="91425" spcFirstLastPara="1" rIns="91425" wrap="square" tIns="91425">
+          <a:bodyPr spcFirstLastPara="1" wrap="square" lIns="91425" tIns="91425" rIns="91425" bIns="91425" anchor="ctr" anchorCtr="0">
             <a:noAutofit/>
           </a:bodyPr>
           <a:lstStyle>
@@ -1969,7 +2032,7 @@
             </a:lvl9pPr>
           </a:lstStyle>
           <a:p>
-            <a:pPr indent="0" lvl="0" marL="0" rtl="0" algn="r">
+            <a:pPr marL="0" lvl="0" indent="0" algn="r" rtl="0">
               <a:spcBef>
                 <a:spcPts val="0"/>
               </a:spcBef>
@@ -1995,11 +2058,11 @@
 </file>
 
 <file path=ppt/slideLayouts/slideLayout11.xml><?xml version="1.0" encoding="utf-8"?>
-<p:sldLayout xmlns:a="http://schemas.openxmlformats.org/drawingml/2006/main" xmlns:r="http://schemas.openxmlformats.org/officeDocument/2006/relationships" xmlns:mc="http://schemas.openxmlformats.org/markup-compatibility/2006" xmlns:mv="urn:schemas-microsoft-com:mac:vml" xmlns:p="http://schemas.openxmlformats.org/presentationml/2006/main" xmlns:c="http://schemas.openxmlformats.org/drawingml/2006/chart" xmlns:dgm="http://schemas.openxmlformats.org/drawingml/2006/diagram" xmlns:o="urn:schemas-microsoft-com:office:office" xmlns:v="urn:schemas-microsoft-com:vml" xmlns:pvml="urn:schemas-microsoft-com:office:powerpoint" xmlns:com="http://schemas.openxmlformats.org/drawingml/2006/compatibility" xmlns:p14="http://schemas.microsoft.com/office/powerpoint/2010/main" xmlns:p15="http://schemas.microsoft.com/office/powerpoint/2012/main" matchingName="Blank" type="blank">
+<p:sldLayout xmlns:a="http://schemas.openxmlformats.org/drawingml/2006/main" xmlns:r="http://schemas.openxmlformats.org/officeDocument/2006/relationships" xmlns:p="http://schemas.openxmlformats.org/presentationml/2006/main" matchingName="Blank" type="blank">
   <p:cSld name="BLANK">
     <p:spTree>
       <p:nvGrpSpPr>
-        <p:cNvPr id="48" name="Shape 48"/>
+        <p:cNvPr id="1" name="Shape 48"/>
         <p:cNvGrpSpPr/>
         <p:nvPr/>
       </p:nvGrpSpPr>
@@ -2014,9 +2077,11 @@
       <p:sp>
         <p:nvSpPr>
           <p:cNvPr id="49" name="Google Shape;49;p12"/>
-          <p:cNvSpPr txBox="1"/>
+          <p:cNvSpPr txBox="1">
+            <a:spLocks noGrp="1"/>
+          </p:cNvSpPr>
           <p:nvPr>
-            <p:ph idx="12" type="sldNum"/>
+            <p:ph type="sldNum" idx="12"/>
           </p:nvPr>
         </p:nvSpPr>
         <p:spPr>
@@ -2029,7 +2094,7 @@
           </a:prstGeom>
         </p:spPr>
         <p:txBody>
-          <a:bodyPr anchorCtr="0" anchor="ctr" bIns="91425" lIns="91425" spcFirstLastPara="1" rIns="91425" wrap="square" tIns="91425">
+          <a:bodyPr spcFirstLastPara="1" wrap="square" lIns="91425" tIns="91425" rIns="91425" bIns="91425" anchor="ctr" anchorCtr="0">
             <a:noAutofit/>
           </a:bodyPr>
           <a:lstStyle>
@@ -2071,7 +2136,7 @@
             </a:lvl9pPr>
           </a:lstStyle>
           <a:p>
-            <a:pPr indent="0" lvl="0" marL="0" rtl="0" algn="r">
+            <a:pPr marL="0" lvl="0" indent="0" algn="r" rtl="0">
               <a:spcBef>
                 <a:spcPts val="0"/>
               </a:spcBef>
@@ -2097,11 +2162,11 @@
 </file>
 
 <file path=ppt/slideLayouts/slideLayout2.xml><?xml version="1.0" encoding="utf-8"?>
-<p:sldLayout xmlns:a="http://schemas.openxmlformats.org/drawingml/2006/main" xmlns:r="http://schemas.openxmlformats.org/officeDocument/2006/relationships" xmlns:mc="http://schemas.openxmlformats.org/markup-compatibility/2006" xmlns:mv="urn:schemas-microsoft-com:mac:vml" xmlns:p="http://schemas.openxmlformats.org/presentationml/2006/main" xmlns:c="http://schemas.openxmlformats.org/drawingml/2006/chart" xmlns:dgm="http://schemas.openxmlformats.org/drawingml/2006/diagram" xmlns:o="urn:schemas-microsoft-com:office:office" xmlns:v="urn:schemas-microsoft-com:vml" xmlns:pvml="urn:schemas-microsoft-com:office:powerpoint" xmlns:com="http://schemas.openxmlformats.org/drawingml/2006/compatibility" xmlns:p14="http://schemas.microsoft.com/office/powerpoint/2010/main" xmlns:p15="http://schemas.microsoft.com/office/powerpoint/2012/main" matchingName="Section header" type="secHead">
+<p:sldLayout xmlns:a="http://schemas.openxmlformats.org/drawingml/2006/main" xmlns:r="http://schemas.openxmlformats.org/officeDocument/2006/relationships" xmlns:p="http://schemas.openxmlformats.org/presentationml/2006/main" matchingName="Section header" type="secHead">
   <p:cSld name="SECTION_HEADER">
     <p:spTree>
       <p:nvGrpSpPr>
-        <p:cNvPr id="13" name="Shape 13"/>
+        <p:cNvPr id="1" name="Shape 13"/>
         <p:cNvGrpSpPr/>
         <p:nvPr/>
       </p:nvGrpSpPr>
@@ -2116,7 +2181,9 @@
       <p:sp>
         <p:nvSpPr>
           <p:cNvPr id="14" name="Google Shape;14;p3"/>
-          <p:cNvSpPr txBox="1"/>
+          <p:cNvSpPr txBox="1">
+            <a:spLocks noGrp="1"/>
+          </p:cNvSpPr>
           <p:nvPr>
             <p:ph type="title"/>
           </p:nvPr>
@@ -2131,7 +2198,7 @@
           </a:prstGeom>
         </p:spPr>
         <p:txBody>
-          <a:bodyPr anchorCtr="0" anchor="ctr" bIns="91425" lIns="91425" spcFirstLastPara="1" rIns="91425" wrap="square" tIns="91425"/>
+          <a:bodyPr spcFirstLastPara="1" wrap="square" lIns="91425" tIns="91425" rIns="91425" bIns="91425" anchor="ctr" anchorCtr="0"/>
           <a:lstStyle>
             <a:lvl1pPr lvl="0" algn="ctr">
               <a:spcBef>
@@ -2233,15 +2300,19 @@
               <a:defRPr sz="3600"/>
             </a:lvl9pPr>
           </a:lstStyle>
-          <a:p/>
+          <a:p>
+            <a:endParaRPr/>
+          </a:p>
         </p:txBody>
       </p:sp>
       <p:sp>
         <p:nvSpPr>
           <p:cNvPr id="15" name="Google Shape;15;p3"/>
-          <p:cNvSpPr txBox="1"/>
+          <p:cNvSpPr txBox="1">
+            <a:spLocks noGrp="1"/>
+          </p:cNvSpPr>
           <p:nvPr>
-            <p:ph idx="12" type="sldNum"/>
+            <p:ph type="sldNum" idx="12"/>
           </p:nvPr>
         </p:nvSpPr>
         <p:spPr>
@@ -2254,7 +2325,7 @@
           </a:prstGeom>
         </p:spPr>
         <p:txBody>
-          <a:bodyPr anchorCtr="0" anchor="ctr" bIns="91425" lIns="91425" spcFirstLastPara="1" rIns="91425" wrap="square" tIns="91425">
+          <a:bodyPr spcFirstLastPara="1" wrap="square" lIns="91425" tIns="91425" rIns="91425" bIns="91425" anchor="ctr" anchorCtr="0">
             <a:noAutofit/>
           </a:bodyPr>
           <a:lstStyle>
@@ -2296,7 +2367,7 @@
             </a:lvl9pPr>
           </a:lstStyle>
           <a:p>
-            <a:pPr indent="0" lvl="0" marL="0" rtl="0" algn="r">
+            <a:pPr marL="0" lvl="0" indent="0" algn="r" rtl="0">
               <a:spcBef>
                 <a:spcPts val="0"/>
               </a:spcBef>
@@ -2322,11 +2393,11 @@
 </file>
 
 <file path=ppt/slideLayouts/slideLayout3.xml><?xml version="1.0" encoding="utf-8"?>
-<p:sldLayout xmlns:a="http://schemas.openxmlformats.org/drawingml/2006/main" xmlns:r="http://schemas.openxmlformats.org/officeDocument/2006/relationships" xmlns:mc="http://schemas.openxmlformats.org/markup-compatibility/2006" xmlns:mv="urn:schemas-microsoft-com:mac:vml" xmlns:p="http://schemas.openxmlformats.org/presentationml/2006/main" xmlns:c="http://schemas.openxmlformats.org/drawingml/2006/chart" xmlns:dgm="http://schemas.openxmlformats.org/drawingml/2006/diagram" xmlns:o="urn:schemas-microsoft-com:office:office" xmlns:v="urn:schemas-microsoft-com:vml" xmlns:pvml="urn:schemas-microsoft-com:office:powerpoint" xmlns:com="http://schemas.openxmlformats.org/drawingml/2006/compatibility" xmlns:p14="http://schemas.microsoft.com/office/powerpoint/2010/main" xmlns:p15="http://schemas.microsoft.com/office/powerpoint/2012/main" matchingName="Title and body" type="tx">
+<p:sldLayout xmlns:a="http://schemas.openxmlformats.org/drawingml/2006/main" xmlns:r="http://schemas.openxmlformats.org/officeDocument/2006/relationships" xmlns:p="http://schemas.openxmlformats.org/presentationml/2006/main" matchingName="Title and body" type="tx">
   <p:cSld name="TITLE_AND_BODY">
     <p:spTree>
       <p:nvGrpSpPr>
-        <p:cNvPr id="16" name="Shape 16"/>
+        <p:cNvPr id="1" name="Shape 16"/>
         <p:cNvGrpSpPr/>
         <p:nvPr/>
       </p:nvGrpSpPr>
@@ -2341,7 +2412,9 @@
       <p:sp>
         <p:nvSpPr>
           <p:cNvPr id="17" name="Google Shape;17;p4"/>
-          <p:cNvSpPr txBox="1"/>
+          <p:cNvSpPr txBox="1">
+            <a:spLocks noGrp="1"/>
+          </p:cNvSpPr>
           <p:nvPr>
             <p:ph type="title"/>
           </p:nvPr>
@@ -2356,7 +2429,7 @@
           </a:prstGeom>
         </p:spPr>
         <p:txBody>
-          <a:bodyPr anchorCtr="0" anchor="t" bIns="91425" lIns="91425" spcFirstLastPara="1" rIns="91425" wrap="square" tIns="91425"/>
+          <a:bodyPr spcFirstLastPara="1" wrap="square" lIns="91425" tIns="91425" rIns="91425" bIns="91425" anchor="t" anchorCtr="0"/>
           <a:lstStyle>
             <a:lvl1pPr lvl="0">
               <a:spcBef>
@@ -2458,15 +2531,19 @@
               <a:defRPr/>
             </a:lvl9pPr>
           </a:lstStyle>
-          <a:p/>
+          <a:p>
+            <a:endParaRPr/>
+          </a:p>
         </p:txBody>
       </p:sp>
       <p:sp>
         <p:nvSpPr>
           <p:cNvPr id="18" name="Google Shape;18;p4"/>
-          <p:cNvSpPr txBox="1"/>
+          <p:cNvSpPr txBox="1">
+            <a:spLocks noGrp="1"/>
+          </p:cNvSpPr>
           <p:nvPr>
-            <p:ph idx="1" type="body"/>
+            <p:ph type="body" idx="1"/>
           </p:nvPr>
         </p:nvSpPr>
         <p:spPr>
@@ -2479,9 +2556,9 @@
           </a:prstGeom>
         </p:spPr>
         <p:txBody>
-          <a:bodyPr anchorCtr="0" anchor="t" bIns="91425" lIns="91425" spcFirstLastPara="1" rIns="91425" wrap="square" tIns="91425"/>
+          <a:bodyPr spcFirstLastPara="1" wrap="square" lIns="91425" tIns="91425" rIns="91425" bIns="91425" anchor="t" anchorCtr="0"/>
           <a:lstStyle>
-            <a:lvl1pPr indent="-342900" lvl="0" marL="457200">
+            <a:lvl1pPr marL="457200" lvl="0" indent="-342900">
               <a:spcBef>
                 <a:spcPts val="0"/>
               </a:spcBef>
@@ -2492,7 +2569,7 @@
               <a:buChar char="●"/>
               <a:defRPr/>
             </a:lvl1pPr>
-            <a:lvl2pPr indent="-317500" lvl="1" marL="914400">
+            <a:lvl2pPr marL="914400" lvl="1" indent="-317500">
               <a:spcBef>
                 <a:spcPts val="1600"/>
               </a:spcBef>
@@ -2503,7 +2580,7 @@
               <a:buChar char="○"/>
               <a:defRPr/>
             </a:lvl2pPr>
-            <a:lvl3pPr indent="-317500" lvl="2" marL="1371600">
+            <a:lvl3pPr marL="1371600" lvl="2" indent="-317500">
               <a:spcBef>
                 <a:spcPts val="1600"/>
               </a:spcBef>
@@ -2514,7 +2591,7 @@
               <a:buChar char="■"/>
               <a:defRPr/>
             </a:lvl3pPr>
-            <a:lvl4pPr indent="-317500" lvl="3" marL="1828800">
+            <a:lvl4pPr marL="1828800" lvl="3" indent="-317500">
               <a:spcBef>
                 <a:spcPts val="1600"/>
               </a:spcBef>
@@ -2525,7 +2602,7 @@
               <a:buChar char="●"/>
               <a:defRPr/>
             </a:lvl4pPr>
-            <a:lvl5pPr indent="-317500" lvl="4" marL="2286000">
+            <a:lvl5pPr marL="2286000" lvl="4" indent="-317500">
               <a:spcBef>
                 <a:spcPts val="1600"/>
               </a:spcBef>
@@ -2536,7 +2613,7 @@
               <a:buChar char="○"/>
               <a:defRPr/>
             </a:lvl5pPr>
-            <a:lvl6pPr indent="-317500" lvl="5" marL="2743200">
+            <a:lvl6pPr marL="2743200" lvl="5" indent="-317500">
               <a:spcBef>
                 <a:spcPts val="1600"/>
               </a:spcBef>
@@ -2547,7 +2624,7 @@
               <a:buChar char="■"/>
               <a:defRPr/>
             </a:lvl6pPr>
-            <a:lvl7pPr indent="-317500" lvl="6" marL="3200400">
+            <a:lvl7pPr marL="3200400" lvl="6" indent="-317500">
               <a:spcBef>
                 <a:spcPts val="1600"/>
               </a:spcBef>
@@ -2558,7 +2635,7 @@
               <a:buChar char="●"/>
               <a:defRPr/>
             </a:lvl7pPr>
-            <a:lvl8pPr indent="-317500" lvl="7" marL="3657600">
+            <a:lvl8pPr marL="3657600" lvl="7" indent="-317500">
               <a:spcBef>
                 <a:spcPts val="1600"/>
               </a:spcBef>
@@ -2569,7 +2646,7 @@
               <a:buChar char="○"/>
               <a:defRPr/>
             </a:lvl8pPr>
-            <a:lvl9pPr indent="-317500" lvl="8" marL="4114800">
+            <a:lvl9pPr marL="4114800" lvl="8" indent="-317500">
               <a:spcBef>
                 <a:spcPts val="1600"/>
               </a:spcBef>
@@ -2581,15 +2658,19 @@
               <a:defRPr/>
             </a:lvl9pPr>
           </a:lstStyle>
-          <a:p/>
+          <a:p>
+            <a:endParaRPr/>
+          </a:p>
         </p:txBody>
       </p:sp>
       <p:sp>
         <p:nvSpPr>
           <p:cNvPr id="19" name="Google Shape;19;p4"/>
-          <p:cNvSpPr txBox="1"/>
+          <p:cNvSpPr txBox="1">
+            <a:spLocks noGrp="1"/>
+          </p:cNvSpPr>
           <p:nvPr>
-            <p:ph idx="12" type="sldNum"/>
+            <p:ph type="sldNum" idx="12"/>
           </p:nvPr>
         </p:nvSpPr>
         <p:spPr>
@@ -2602,7 +2683,7 @@
           </a:prstGeom>
         </p:spPr>
         <p:txBody>
-          <a:bodyPr anchorCtr="0" anchor="ctr" bIns="91425" lIns="91425" spcFirstLastPara="1" rIns="91425" wrap="square" tIns="91425">
+          <a:bodyPr spcFirstLastPara="1" wrap="square" lIns="91425" tIns="91425" rIns="91425" bIns="91425" anchor="ctr" anchorCtr="0">
             <a:noAutofit/>
           </a:bodyPr>
           <a:lstStyle>
@@ -2644,7 +2725,7 @@
             </a:lvl9pPr>
           </a:lstStyle>
           <a:p>
-            <a:pPr indent="0" lvl="0" marL="0" rtl="0" algn="r">
+            <a:pPr marL="0" lvl="0" indent="0" algn="r" rtl="0">
               <a:spcBef>
                 <a:spcPts val="0"/>
               </a:spcBef>
@@ -2670,11 +2751,11 @@
 </file>
 
 <file path=ppt/slideLayouts/slideLayout4.xml><?xml version="1.0" encoding="utf-8"?>
-<p:sldLayout xmlns:a="http://schemas.openxmlformats.org/drawingml/2006/main" xmlns:r="http://schemas.openxmlformats.org/officeDocument/2006/relationships" xmlns:mc="http://schemas.openxmlformats.org/markup-compatibility/2006" xmlns:mv="urn:schemas-microsoft-com:mac:vml" xmlns:p="http://schemas.openxmlformats.org/presentationml/2006/main" xmlns:c="http://schemas.openxmlformats.org/drawingml/2006/chart" xmlns:dgm="http://schemas.openxmlformats.org/drawingml/2006/diagram" xmlns:o="urn:schemas-microsoft-com:office:office" xmlns:v="urn:schemas-microsoft-com:vml" xmlns:pvml="urn:schemas-microsoft-com:office:powerpoint" xmlns:com="http://schemas.openxmlformats.org/drawingml/2006/compatibility" xmlns:p14="http://schemas.microsoft.com/office/powerpoint/2010/main" xmlns:p15="http://schemas.microsoft.com/office/powerpoint/2012/main" matchingName="Title and two columns" type="twoColTx">
+<p:sldLayout xmlns:a="http://schemas.openxmlformats.org/drawingml/2006/main" xmlns:r="http://schemas.openxmlformats.org/officeDocument/2006/relationships" xmlns:p="http://schemas.openxmlformats.org/presentationml/2006/main" matchingName="Title and two columns" type="twoColTx">
   <p:cSld name="TITLE_AND_TWO_COLUMNS">
     <p:spTree>
       <p:nvGrpSpPr>
-        <p:cNvPr id="20" name="Shape 20"/>
+        <p:cNvPr id="1" name="Shape 20"/>
         <p:cNvGrpSpPr/>
         <p:nvPr/>
       </p:nvGrpSpPr>
@@ -2689,7 +2770,9 @@
       <p:sp>
         <p:nvSpPr>
           <p:cNvPr id="21" name="Google Shape;21;p5"/>
-          <p:cNvSpPr txBox="1"/>
+          <p:cNvSpPr txBox="1">
+            <a:spLocks noGrp="1"/>
+          </p:cNvSpPr>
           <p:nvPr>
             <p:ph type="title"/>
           </p:nvPr>
@@ -2704,7 +2787,7 @@
           </a:prstGeom>
         </p:spPr>
         <p:txBody>
-          <a:bodyPr anchorCtr="0" anchor="t" bIns="91425" lIns="91425" spcFirstLastPara="1" rIns="91425" wrap="square" tIns="91425"/>
+          <a:bodyPr spcFirstLastPara="1" wrap="square" lIns="91425" tIns="91425" rIns="91425" bIns="91425" anchor="t" anchorCtr="0"/>
           <a:lstStyle>
             <a:lvl1pPr lvl="0">
               <a:spcBef>
@@ -2806,15 +2889,19 @@
               <a:defRPr/>
             </a:lvl9pPr>
           </a:lstStyle>
-          <a:p/>
+          <a:p>
+            <a:endParaRPr/>
+          </a:p>
         </p:txBody>
       </p:sp>
       <p:sp>
         <p:nvSpPr>
           <p:cNvPr id="22" name="Google Shape;22;p5"/>
-          <p:cNvSpPr txBox="1"/>
+          <p:cNvSpPr txBox="1">
+            <a:spLocks noGrp="1"/>
+          </p:cNvSpPr>
           <p:nvPr>
-            <p:ph idx="1" type="body"/>
+            <p:ph type="body" idx="1"/>
           </p:nvPr>
         </p:nvSpPr>
         <p:spPr>
@@ -2827,9 +2914,9 @@
           </a:prstGeom>
         </p:spPr>
         <p:txBody>
-          <a:bodyPr anchorCtr="0" anchor="t" bIns="91425" lIns="91425" spcFirstLastPara="1" rIns="91425" wrap="square" tIns="91425"/>
+          <a:bodyPr spcFirstLastPara="1" wrap="square" lIns="91425" tIns="91425" rIns="91425" bIns="91425" anchor="t" anchorCtr="0"/>
           <a:lstStyle>
-            <a:lvl1pPr indent="-317500" lvl="0" marL="457200">
+            <a:lvl1pPr marL="457200" lvl="0" indent="-317500">
               <a:spcBef>
                 <a:spcPts val="0"/>
               </a:spcBef>
@@ -2840,7 +2927,7 @@
               <a:buChar char="●"/>
               <a:defRPr sz="1400"/>
             </a:lvl1pPr>
-            <a:lvl2pPr indent="-304800" lvl="1" marL="914400">
+            <a:lvl2pPr marL="914400" lvl="1" indent="-304800">
               <a:spcBef>
                 <a:spcPts val="1600"/>
               </a:spcBef>
@@ -2851,7 +2938,7 @@
               <a:buChar char="○"/>
               <a:defRPr sz="1200"/>
             </a:lvl2pPr>
-            <a:lvl3pPr indent="-304800" lvl="2" marL="1371600">
+            <a:lvl3pPr marL="1371600" lvl="2" indent="-304800">
               <a:spcBef>
                 <a:spcPts val="1600"/>
               </a:spcBef>
@@ -2862,7 +2949,7 @@
               <a:buChar char="■"/>
               <a:defRPr sz="1200"/>
             </a:lvl3pPr>
-            <a:lvl4pPr indent="-304800" lvl="3" marL="1828800">
+            <a:lvl4pPr marL="1828800" lvl="3" indent="-304800">
               <a:spcBef>
                 <a:spcPts val="1600"/>
               </a:spcBef>
@@ -2873,7 +2960,7 @@
               <a:buChar char="●"/>
               <a:defRPr sz="1200"/>
             </a:lvl4pPr>
-            <a:lvl5pPr indent="-304800" lvl="4" marL="2286000">
+            <a:lvl5pPr marL="2286000" lvl="4" indent="-304800">
               <a:spcBef>
                 <a:spcPts val="1600"/>
               </a:spcBef>
@@ -2884,7 +2971,7 @@
               <a:buChar char="○"/>
               <a:defRPr sz="1200"/>
             </a:lvl5pPr>
-            <a:lvl6pPr indent="-304800" lvl="5" marL="2743200">
+            <a:lvl6pPr marL="2743200" lvl="5" indent="-304800">
               <a:spcBef>
                 <a:spcPts val="1600"/>
               </a:spcBef>
@@ -2895,7 +2982,7 @@
               <a:buChar char="■"/>
               <a:defRPr sz="1200"/>
             </a:lvl6pPr>
-            <a:lvl7pPr indent="-304800" lvl="6" marL="3200400">
+            <a:lvl7pPr marL="3200400" lvl="6" indent="-304800">
               <a:spcBef>
                 <a:spcPts val="1600"/>
               </a:spcBef>
@@ -2906,7 +2993,7 @@
               <a:buChar char="●"/>
               <a:defRPr sz="1200"/>
             </a:lvl7pPr>
-            <a:lvl8pPr indent="-304800" lvl="7" marL="3657600">
+            <a:lvl8pPr marL="3657600" lvl="7" indent="-304800">
               <a:spcBef>
                 <a:spcPts val="1600"/>
               </a:spcBef>
@@ -2917,7 +3004,7 @@
               <a:buChar char="○"/>
               <a:defRPr sz="1200"/>
             </a:lvl8pPr>
-            <a:lvl9pPr indent="-304800" lvl="8" marL="4114800">
+            <a:lvl9pPr marL="4114800" lvl="8" indent="-304800">
               <a:spcBef>
                 <a:spcPts val="1600"/>
               </a:spcBef>
@@ -2929,15 +3016,19 @@
               <a:defRPr sz="1200"/>
             </a:lvl9pPr>
           </a:lstStyle>
-          <a:p/>
+          <a:p>
+            <a:endParaRPr/>
+          </a:p>
         </p:txBody>
       </p:sp>
       <p:sp>
         <p:nvSpPr>
           <p:cNvPr id="23" name="Google Shape;23;p5"/>
-          <p:cNvSpPr txBox="1"/>
+          <p:cNvSpPr txBox="1">
+            <a:spLocks noGrp="1"/>
+          </p:cNvSpPr>
           <p:nvPr>
-            <p:ph idx="2" type="body"/>
+            <p:ph type="body" idx="2"/>
           </p:nvPr>
         </p:nvSpPr>
         <p:spPr>
@@ -2950,9 +3041,9 @@
           </a:prstGeom>
         </p:spPr>
         <p:txBody>
-          <a:bodyPr anchorCtr="0" anchor="t" bIns="91425" lIns="91425" spcFirstLastPara="1" rIns="91425" wrap="square" tIns="91425"/>
+          <a:bodyPr spcFirstLastPara="1" wrap="square" lIns="91425" tIns="91425" rIns="91425" bIns="91425" anchor="t" anchorCtr="0"/>
           <a:lstStyle>
-            <a:lvl1pPr indent="-317500" lvl="0" marL="457200">
+            <a:lvl1pPr marL="457200" lvl="0" indent="-317500">
               <a:spcBef>
                 <a:spcPts val="0"/>
               </a:spcBef>
@@ -2963,7 +3054,7 @@
               <a:buChar char="●"/>
               <a:defRPr sz="1400"/>
             </a:lvl1pPr>
-            <a:lvl2pPr indent="-304800" lvl="1" marL="914400">
+            <a:lvl2pPr marL="914400" lvl="1" indent="-304800">
               <a:spcBef>
                 <a:spcPts val="1600"/>
               </a:spcBef>
@@ -2974,7 +3065,7 @@
               <a:buChar char="○"/>
               <a:defRPr sz="1200"/>
             </a:lvl2pPr>
-            <a:lvl3pPr indent="-304800" lvl="2" marL="1371600">
+            <a:lvl3pPr marL="1371600" lvl="2" indent="-304800">
               <a:spcBef>
                 <a:spcPts val="1600"/>
               </a:spcBef>
@@ -2985,7 +3076,7 @@
               <a:buChar char="■"/>
               <a:defRPr sz="1200"/>
             </a:lvl3pPr>
-            <a:lvl4pPr indent="-304800" lvl="3" marL="1828800">
+            <a:lvl4pPr marL="1828800" lvl="3" indent="-304800">
               <a:spcBef>
                 <a:spcPts val="1600"/>
               </a:spcBef>
@@ -2996,7 +3087,7 @@
               <a:buChar char="●"/>
               <a:defRPr sz="1200"/>
             </a:lvl4pPr>
-            <a:lvl5pPr indent="-304800" lvl="4" marL="2286000">
+            <a:lvl5pPr marL="2286000" lvl="4" indent="-304800">
               <a:spcBef>
                 <a:spcPts val="1600"/>
               </a:spcBef>
@@ -3007,7 +3098,7 @@
               <a:buChar char="○"/>
               <a:defRPr sz="1200"/>
             </a:lvl5pPr>
-            <a:lvl6pPr indent="-304800" lvl="5" marL="2743200">
+            <a:lvl6pPr marL="2743200" lvl="5" indent="-304800">
               <a:spcBef>
                 <a:spcPts val="1600"/>
               </a:spcBef>
@@ -3018,7 +3109,7 @@
               <a:buChar char="■"/>
               <a:defRPr sz="1200"/>
             </a:lvl6pPr>
-            <a:lvl7pPr indent="-304800" lvl="6" marL="3200400">
+            <a:lvl7pPr marL="3200400" lvl="6" indent="-304800">
               <a:spcBef>
                 <a:spcPts val="1600"/>
               </a:spcBef>
@@ -3029,7 +3120,7 @@
               <a:buChar char="●"/>
               <a:defRPr sz="1200"/>
             </a:lvl7pPr>
-            <a:lvl8pPr indent="-304800" lvl="7" marL="3657600">
+            <a:lvl8pPr marL="3657600" lvl="7" indent="-304800">
               <a:spcBef>
                 <a:spcPts val="1600"/>
               </a:spcBef>
@@ -3040,7 +3131,7 @@
               <a:buChar char="○"/>
               <a:defRPr sz="1200"/>
             </a:lvl8pPr>
-            <a:lvl9pPr indent="-304800" lvl="8" marL="4114800">
+            <a:lvl9pPr marL="4114800" lvl="8" indent="-304800">
               <a:spcBef>
                 <a:spcPts val="1600"/>
               </a:spcBef>
@@ -3052,15 +3143,19 @@
               <a:defRPr sz="1200"/>
             </a:lvl9pPr>
           </a:lstStyle>
-          <a:p/>
+          <a:p>
+            <a:endParaRPr/>
+          </a:p>
         </p:txBody>
       </p:sp>
       <p:sp>
         <p:nvSpPr>
           <p:cNvPr id="24" name="Google Shape;24;p5"/>
-          <p:cNvSpPr txBox="1"/>
+          <p:cNvSpPr txBox="1">
+            <a:spLocks noGrp="1"/>
+          </p:cNvSpPr>
           <p:nvPr>
-            <p:ph idx="12" type="sldNum"/>
+            <p:ph type="sldNum" idx="12"/>
           </p:nvPr>
         </p:nvSpPr>
         <p:spPr>
@@ -3073,7 +3168,7 @@
           </a:prstGeom>
         </p:spPr>
         <p:txBody>
-          <a:bodyPr anchorCtr="0" anchor="ctr" bIns="91425" lIns="91425" spcFirstLastPara="1" rIns="91425" wrap="square" tIns="91425">
+          <a:bodyPr spcFirstLastPara="1" wrap="square" lIns="91425" tIns="91425" rIns="91425" bIns="91425" anchor="ctr" anchorCtr="0">
             <a:noAutofit/>
           </a:bodyPr>
           <a:lstStyle>
@@ -3115,7 +3210,7 @@
             </a:lvl9pPr>
           </a:lstStyle>
           <a:p>
-            <a:pPr indent="0" lvl="0" marL="0" rtl="0" algn="r">
+            <a:pPr marL="0" lvl="0" indent="0" algn="r" rtl="0">
               <a:spcBef>
                 <a:spcPts val="0"/>
               </a:spcBef>
@@ -3141,11 +3236,11 @@
 </file>
 
 <file path=ppt/slideLayouts/slideLayout5.xml><?xml version="1.0" encoding="utf-8"?>
-<p:sldLayout xmlns:a="http://schemas.openxmlformats.org/drawingml/2006/main" xmlns:r="http://schemas.openxmlformats.org/officeDocument/2006/relationships" xmlns:mc="http://schemas.openxmlformats.org/markup-compatibility/2006" xmlns:mv="urn:schemas-microsoft-com:mac:vml" xmlns:p="http://schemas.openxmlformats.org/presentationml/2006/main" xmlns:c="http://schemas.openxmlformats.org/drawingml/2006/chart" xmlns:dgm="http://schemas.openxmlformats.org/drawingml/2006/diagram" xmlns:o="urn:schemas-microsoft-com:office:office" xmlns:v="urn:schemas-microsoft-com:vml" xmlns:pvml="urn:schemas-microsoft-com:office:powerpoint" xmlns:com="http://schemas.openxmlformats.org/drawingml/2006/compatibility" xmlns:p14="http://schemas.microsoft.com/office/powerpoint/2010/main" xmlns:p15="http://schemas.microsoft.com/office/powerpoint/2012/main" matchingName="Title only" type="titleOnly">
+<p:sldLayout xmlns:a="http://schemas.openxmlformats.org/drawingml/2006/main" xmlns:r="http://schemas.openxmlformats.org/officeDocument/2006/relationships" xmlns:p="http://schemas.openxmlformats.org/presentationml/2006/main" matchingName="Title only" type="titleOnly">
   <p:cSld name="TITLE_ONLY">
     <p:spTree>
       <p:nvGrpSpPr>
-        <p:cNvPr id="25" name="Shape 25"/>
+        <p:cNvPr id="1" name="Shape 25"/>
         <p:cNvGrpSpPr/>
         <p:nvPr/>
       </p:nvGrpSpPr>
@@ -3160,7 +3255,9 @@
       <p:sp>
         <p:nvSpPr>
           <p:cNvPr id="26" name="Google Shape;26;p6"/>
-          <p:cNvSpPr txBox="1"/>
+          <p:cNvSpPr txBox="1">
+            <a:spLocks noGrp="1"/>
+          </p:cNvSpPr>
           <p:nvPr>
             <p:ph type="title"/>
           </p:nvPr>
@@ -3175,7 +3272,7 @@
           </a:prstGeom>
         </p:spPr>
         <p:txBody>
-          <a:bodyPr anchorCtr="0" anchor="t" bIns="91425" lIns="91425" spcFirstLastPara="1" rIns="91425" wrap="square" tIns="91425"/>
+          <a:bodyPr spcFirstLastPara="1" wrap="square" lIns="91425" tIns="91425" rIns="91425" bIns="91425" anchor="t" anchorCtr="0"/>
           <a:lstStyle>
             <a:lvl1pPr lvl="0">
               <a:spcBef>
@@ -3277,15 +3374,19 @@
               <a:defRPr/>
             </a:lvl9pPr>
           </a:lstStyle>
-          <a:p/>
+          <a:p>
+            <a:endParaRPr/>
+          </a:p>
         </p:txBody>
       </p:sp>
       <p:sp>
         <p:nvSpPr>
           <p:cNvPr id="27" name="Google Shape;27;p6"/>
-          <p:cNvSpPr txBox="1"/>
+          <p:cNvSpPr txBox="1">
+            <a:spLocks noGrp="1"/>
+          </p:cNvSpPr>
           <p:nvPr>
-            <p:ph idx="12" type="sldNum"/>
+            <p:ph type="sldNum" idx="12"/>
           </p:nvPr>
         </p:nvSpPr>
         <p:spPr>
@@ -3298,7 +3399,7 @@
           </a:prstGeom>
         </p:spPr>
         <p:txBody>
-          <a:bodyPr anchorCtr="0" anchor="ctr" bIns="91425" lIns="91425" spcFirstLastPara="1" rIns="91425" wrap="square" tIns="91425">
+          <a:bodyPr spcFirstLastPara="1" wrap="square" lIns="91425" tIns="91425" rIns="91425" bIns="91425" anchor="ctr" anchorCtr="0">
             <a:noAutofit/>
           </a:bodyPr>
           <a:lstStyle>
@@ -3340,7 +3441,7 @@
             </a:lvl9pPr>
           </a:lstStyle>
           <a:p>
-            <a:pPr indent="0" lvl="0" marL="0" rtl="0" algn="r">
+            <a:pPr marL="0" lvl="0" indent="0" algn="r" rtl="0">
               <a:spcBef>
                 <a:spcPts val="0"/>
               </a:spcBef>
@@ -3366,11 +3467,11 @@
 </file>
 
 <file path=ppt/slideLayouts/slideLayout6.xml><?xml version="1.0" encoding="utf-8"?>
-<p:sldLayout xmlns:a="http://schemas.openxmlformats.org/drawingml/2006/main" xmlns:r="http://schemas.openxmlformats.org/officeDocument/2006/relationships" xmlns:mc="http://schemas.openxmlformats.org/markup-compatibility/2006" xmlns:mv="urn:schemas-microsoft-com:mac:vml" xmlns:p="http://schemas.openxmlformats.org/presentationml/2006/main" xmlns:c="http://schemas.openxmlformats.org/drawingml/2006/chart" xmlns:dgm="http://schemas.openxmlformats.org/drawingml/2006/diagram" xmlns:o="urn:schemas-microsoft-com:office:office" xmlns:v="urn:schemas-microsoft-com:vml" xmlns:pvml="urn:schemas-microsoft-com:office:powerpoint" xmlns:com="http://schemas.openxmlformats.org/drawingml/2006/compatibility" xmlns:p14="http://schemas.microsoft.com/office/powerpoint/2010/main" xmlns:p15="http://schemas.microsoft.com/office/powerpoint/2012/main" matchingName="One column text">
+<p:sldLayout xmlns:a="http://schemas.openxmlformats.org/drawingml/2006/main" xmlns:r="http://schemas.openxmlformats.org/officeDocument/2006/relationships" xmlns:p="http://schemas.openxmlformats.org/presentationml/2006/main" matchingName="One column text">
   <p:cSld name="ONE_COLUMN_TEXT">
     <p:spTree>
       <p:nvGrpSpPr>
-        <p:cNvPr id="28" name="Shape 28"/>
+        <p:cNvPr id="1" name="Shape 28"/>
         <p:cNvGrpSpPr/>
         <p:nvPr/>
       </p:nvGrpSpPr>
@@ -3385,7 +3486,9 @@
       <p:sp>
         <p:nvSpPr>
           <p:cNvPr id="29" name="Google Shape;29;p7"/>
-          <p:cNvSpPr txBox="1"/>
+          <p:cNvSpPr txBox="1">
+            <a:spLocks noGrp="1"/>
+          </p:cNvSpPr>
           <p:nvPr>
             <p:ph type="title"/>
           </p:nvPr>
@@ -3400,7 +3503,7 @@
           </a:prstGeom>
         </p:spPr>
         <p:txBody>
-          <a:bodyPr anchorCtr="0" anchor="b" bIns="91425" lIns="91425" spcFirstLastPara="1" rIns="91425" wrap="square" tIns="91425"/>
+          <a:bodyPr spcFirstLastPara="1" wrap="square" lIns="91425" tIns="91425" rIns="91425" bIns="91425" anchor="b" anchorCtr="0"/>
           <a:lstStyle>
             <a:lvl1pPr lvl="0">
               <a:spcBef>
@@ -3502,15 +3605,19 @@
               <a:defRPr sz="2400"/>
             </a:lvl9pPr>
           </a:lstStyle>
-          <a:p/>
+          <a:p>
+            <a:endParaRPr/>
+          </a:p>
         </p:txBody>
       </p:sp>
       <p:sp>
         <p:nvSpPr>
           <p:cNvPr id="30" name="Google Shape;30;p7"/>
-          <p:cNvSpPr txBox="1"/>
+          <p:cNvSpPr txBox="1">
+            <a:spLocks noGrp="1"/>
+          </p:cNvSpPr>
           <p:nvPr>
-            <p:ph idx="1" type="body"/>
+            <p:ph type="body" idx="1"/>
           </p:nvPr>
         </p:nvSpPr>
         <p:spPr>
@@ -3523,9 +3630,9 @@
           </a:prstGeom>
         </p:spPr>
         <p:txBody>
-          <a:bodyPr anchorCtr="0" anchor="t" bIns="91425" lIns="91425" spcFirstLastPara="1" rIns="91425" wrap="square" tIns="91425"/>
+          <a:bodyPr spcFirstLastPara="1" wrap="square" lIns="91425" tIns="91425" rIns="91425" bIns="91425" anchor="t" anchorCtr="0"/>
           <a:lstStyle>
-            <a:lvl1pPr indent="-304800" lvl="0" marL="457200">
+            <a:lvl1pPr marL="457200" lvl="0" indent="-304800">
               <a:spcBef>
                 <a:spcPts val="0"/>
               </a:spcBef>
@@ -3536,7 +3643,7 @@
               <a:buChar char="●"/>
               <a:defRPr sz="1200"/>
             </a:lvl1pPr>
-            <a:lvl2pPr indent="-304800" lvl="1" marL="914400">
+            <a:lvl2pPr marL="914400" lvl="1" indent="-304800">
               <a:spcBef>
                 <a:spcPts val="1600"/>
               </a:spcBef>
@@ -3547,7 +3654,7 @@
               <a:buChar char="○"/>
               <a:defRPr sz="1200"/>
             </a:lvl2pPr>
-            <a:lvl3pPr indent="-304800" lvl="2" marL="1371600">
+            <a:lvl3pPr marL="1371600" lvl="2" indent="-304800">
               <a:spcBef>
                 <a:spcPts val="1600"/>
               </a:spcBef>
@@ -3558,7 +3665,7 @@
               <a:buChar char="■"/>
               <a:defRPr sz="1200"/>
             </a:lvl3pPr>
-            <a:lvl4pPr indent="-304800" lvl="3" marL="1828800">
+            <a:lvl4pPr marL="1828800" lvl="3" indent="-304800">
               <a:spcBef>
                 <a:spcPts val="1600"/>
               </a:spcBef>
@@ -3569,7 +3676,7 @@
               <a:buChar char="●"/>
               <a:defRPr sz="1200"/>
             </a:lvl4pPr>
-            <a:lvl5pPr indent="-304800" lvl="4" marL="2286000">
+            <a:lvl5pPr marL="2286000" lvl="4" indent="-304800">
               <a:spcBef>
                 <a:spcPts val="1600"/>
               </a:spcBef>
@@ -3580,7 +3687,7 @@
               <a:buChar char="○"/>
               <a:defRPr sz="1200"/>
             </a:lvl5pPr>
-            <a:lvl6pPr indent="-304800" lvl="5" marL="2743200">
+            <a:lvl6pPr marL="2743200" lvl="5" indent="-304800">
               <a:spcBef>
                 <a:spcPts val="1600"/>
               </a:spcBef>
@@ -3591,7 +3698,7 @@
               <a:buChar char="■"/>
               <a:defRPr sz="1200"/>
             </a:lvl6pPr>
-            <a:lvl7pPr indent="-304800" lvl="6" marL="3200400">
+            <a:lvl7pPr marL="3200400" lvl="6" indent="-304800">
               <a:spcBef>
                 <a:spcPts val="1600"/>
               </a:spcBef>
@@ -3602,7 +3709,7 @@
               <a:buChar char="●"/>
               <a:defRPr sz="1200"/>
             </a:lvl7pPr>
-            <a:lvl8pPr indent="-304800" lvl="7" marL="3657600">
+            <a:lvl8pPr marL="3657600" lvl="7" indent="-304800">
               <a:spcBef>
                 <a:spcPts val="1600"/>
               </a:spcBef>
@@ -3613,7 +3720,7 @@
               <a:buChar char="○"/>
               <a:defRPr sz="1200"/>
             </a:lvl8pPr>
-            <a:lvl9pPr indent="-304800" lvl="8" marL="4114800">
+            <a:lvl9pPr marL="4114800" lvl="8" indent="-304800">
               <a:spcBef>
                 <a:spcPts val="1600"/>
               </a:spcBef>
@@ -3625,15 +3732,19 @@
               <a:defRPr sz="1200"/>
             </a:lvl9pPr>
           </a:lstStyle>
-          <a:p/>
+          <a:p>
+            <a:endParaRPr/>
+          </a:p>
         </p:txBody>
       </p:sp>
       <p:sp>
         <p:nvSpPr>
           <p:cNvPr id="31" name="Google Shape;31;p7"/>
-          <p:cNvSpPr txBox="1"/>
+          <p:cNvSpPr txBox="1">
+            <a:spLocks noGrp="1"/>
+          </p:cNvSpPr>
           <p:nvPr>
-            <p:ph idx="12" type="sldNum"/>
+            <p:ph type="sldNum" idx="12"/>
           </p:nvPr>
         </p:nvSpPr>
         <p:spPr>
@@ -3646,7 +3757,7 @@
           </a:prstGeom>
         </p:spPr>
         <p:txBody>
-          <a:bodyPr anchorCtr="0" anchor="ctr" bIns="91425" lIns="91425" spcFirstLastPara="1" rIns="91425" wrap="square" tIns="91425">
+          <a:bodyPr spcFirstLastPara="1" wrap="square" lIns="91425" tIns="91425" rIns="91425" bIns="91425" anchor="ctr" anchorCtr="0">
             <a:noAutofit/>
           </a:bodyPr>
           <a:lstStyle>
@@ -3688,7 +3799,7 @@
             </a:lvl9pPr>
           </a:lstStyle>
           <a:p>
-            <a:pPr indent="0" lvl="0" marL="0" rtl="0" algn="r">
+            <a:pPr marL="0" lvl="0" indent="0" algn="r" rtl="0">
               <a:spcBef>
                 <a:spcPts val="0"/>
               </a:spcBef>
@@ -3714,11 +3825,11 @@
 </file>
 
 <file path=ppt/slideLayouts/slideLayout7.xml><?xml version="1.0" encoding="utf-8"?>
-<p:sldLayout xmlns:a="http://schemas.openxmlformats.org/drawingml/2006/main" xmlns:r="http://schemas.openxmlformats.org/officeDocument/2006/relationships" xmlns:mc="http://schemas.openxmlformats.org/markup-compatibility/2006" xmlns:mv="urn:schemas-microsoft-com:mac:vml" xmlns:p="http://schemas.openxmlformats.org/presentationml/2006/main" xmlns:c="http://schemas.openxmlformats.org/drawingml/2006/chart" xmlns:dgm="http://schemas.openxmlformats.org/drawingml/2006/diagram" xmlns:o="urn:schemas-microsoft-com:office:office" xmlns:v="urn:schemas-microsoft-com:vml" xmlns:pvml="urn:schemas-microsoft-com:office:powerpoint" xmlns:com="http://schemas.openxmlformats.org/drawingml/2006/compatibility" xmlns:p14="http://schemas.microsoft.com/office/powerpoint/2010/main" xmlns:p15="http://schemas.microsoft.com/office/powerpoint/2012/main" matchingName="Main point">
+<p:sldLayout xmlns:a="http://schemas.openxmlformats.org/drawingml/2006/main" xmlns:r="http://schemas.openxmlformats.org/officeDocument/2006/relationships" xmlns:p="http://schemas.openxmlformats.org/presentationml/2006/main" matchingName="Main point">
   <p:cSld name="MAIN_POINT">
     <p:spTree>
       <p:nvGrpSpPr>
-        <p:cNvPr id="32" name="Shape 32"/>
+        <p:cNvPr id="1" name="Shape 32"/>
         <p:cNvGrpSpPr/>
         <p:nvPr/>
       </p:nvGrpSpPr>
@@ -3733,7 +3844,9 @@
       <p:sp>
         <p:nvSpPr>
           <p:cNvPr id="33" name="Google Shape;33;p8"/>
-          <p:cNvSpPr txBox="1"/>
+          <p:cNvSpPr txBox="1">
+            <a:spLocks noGrp="1"/>
+          </p:cNvSpPr>
           <p:nvPr>
             <p:ph type="title"/>
           </p:nvPr>
@@ -3748,7 +3861,7 @@
           </a:prstGeom>
         </p:spPr>
         <p:txBody>
-          <a:bodyPr anchorCtr="0" anchor="ctr" bIns="91425" lIns="91425" spcFirstLastPara="1" rIns="91425" wrap="square" tIns="91425"/>
+          <a:bodyPr spcFirstLastPara="1" wrap="square" lIns="91425" tIns="91425" rIns="91425" bIns="91425" anchor="ctr" anchorCtr="0"/>
           <a:lstStyle>
             <a:lvl1pPr lvl="0">
               <a:spcBef>
@@ -3850,15 +3963,19 @@
               <a:defRPr sz="4800"/>
             </a:lvl9pPr>
           </a:lstStyle>
-          <a:p/>
+          <a:p>
+            <a:endParaRPr/>
+          </a:p>
         </p:txBody>
       </p:sp>
       <p:sp>
         <p:nvSpPr>
           <p:cNvPr id="34" name="Google Shape;34;p8"/>
-          <p:cNvSpPr txBox="1"/>
+          <p:cNvSpPr txBox="1">
+            <a:spLocks noGrp="1"/>
+          </p:cNvSpPr>
           <p:nvPr>
-            <p:ph idx="12" type="sldNum"/>
+            <p:ph type="sldNum" idx="12"/>
           </p:nvPr>
         </p:nvSpPr>
         <p:spPr>
@@ -3871,7 +3988,7 @@
           </a:prstGeom>
         </p:spPr>
         <p:txBody>
-          <a:bodyPr anchorCtr="0" anchor="ctr" bIns="91425" lIns="91425" spcFirstLastPara="1" rIns="91425" wrap="square" tIns="91425">
+          <a:bodyPr spcFirstLastPara="1" wrap="square" lIns="91425" tIns="91425" rIns="91425" bIns="91425" anchor="ctr" anchorCtr="0">
             <a:noAutofit/>
           </a:bodyPr>
           <a:lstStyle>
@@ -3913,7 +4030,7 @@
             </a:lvl9pPr>
           </a:lstStyle>
           <a:p>
-            <a:pPr indent="0" lvl="0" marL="0" rtl="0" algn="r">
+            <a:pPr marL="0" lvl="0" indent="0" algn="r" rtl="0">
               <a:spcBef>
                 <a:spcPts val="0"/>
               </a:spcBef>
@@ -3939,11 +4056,11 @@
 </file>
 
 <file path=ppt/slideLayouts/slideLayout8.xml><?xml version="1.0" encoding="utf-8"?>
-<p:sldLayout xmlns:a="http://schemas.openxmlformats.org/drawingml/2006/main" xmlns:r="http://schemas.openxmlformats.org/officeDocument/2006/relationships" xmlns:mc="http://schemas.openxmlformats.org/markup-compatibility/2006" xmlns:mv="urn:schemas-microsoft-com:mac:vml" xmlns:p="http://schemas.openxmlformats.org/presentationml/2006/main" xmlns:c="http://schemas.openxmlformats.org/drawingml/2006/chart" xmlns:dgm="http://schemas.openxmlformats.org/drawingml/2006/diagram" xmlns:o="urn:schemas-microsoft-com:office:office" xmlns:v="urn:schemas-microsoft-com:vml" xmlns:pvml="urn:schemas-microsoft-com:office:powerpoint" xmlns:com="http://schemas.openxmlformats.org/drawingml/2006/compatibility" xmlns:p14="http://schemas.microsoft.com/office/powerpoint/2010/main" xmlns:p15="http://schemas.microsoft.com/office/powerpoint/2012/main" matchingName="Section title and description">
+<p:sldLayout xmlns:a="http://schemas.openxmlformats.org/drawingml/2006/main" xmlns:r="http://schemas.openxmlformats.org/officeDocument/2006/relationships" xmlns:p="http://schemas.openxmlformats.org/presentationml/2006/main" matchingName="Section title and description">
   <p:cSld name="SECTION_TITLE_AND_DESCRIPTION">
     <p:spTree>
       <p:nvGrpSpPr>
-        <p:cNvPr id="35" name="Shape 35"/>
+        <p:cNvPr id="1" name="Shape 35"/>
         <p:cNvGrpSpPr/>
         <p:nvPr/>
       </p:nvGrpSpPr>
@@ -3977,12 +4094,12 @@
           </a:ln>
         </p:spPr>
         <p:txBody>
-          <a:bodyPr anchorCtr="0" anchor="ctr" bIns="91425" lIns="91425" spcFirstLastPara="1" rIns="91425" wrap="square" tIns="91425">
+          <a:bodyPr spcFirstLastPara="1" wrap="square" lIns="91425" tIns="91425" rIns="91425" bIns="91425" anchor="ctr" anchorCtr="0">
             <a:noAutofit/>
           </a:bodyPr>
           <a:lstStyle/>
           <a:p>
-            <a:pPr indent="0" lvl="0" marL="0" rtl="0" algn="l">
+            <a:pPr marL="0" lvl="0" indent="0" algn="l" rtl="0">
               <a:spcBef>
                 <a:spcPts val="0"/>
               </a:spcBef>
@@ -3991,9 +4108,6 @@
               </a:spcAft>
               <a:buNone/>
             </a:pPr>
-            <a:r>
-              <a:t/>
-            </a:r>
             <a:endParaRPr/>
           </a:p>
         </p:txBody>
@@ -4001,7 +4115,9 @@
       <p:sp>
         <p:nvSpPr>
           <p:cNvPr id="37" name="Google Shape;37;p9"/>
-          <p:cNvSpPr txBox="1"/>
+          <p:cNvSpPr txBox="1">
+            <a:spLocks noGrp="1"/>
+          </p:cNvSpPr>
           <p:nvPr>
             <p:ph type="title"/>
           </p:nvPr>
@@ -4016,7 +4132,7 @@
           </a:prstGeom>
         </p:spPr>
         <p:txBody>
-          <a:bodyPr anchorCtr="0" anchor="b" bIns="91425" lIns="91425" spcFirstLastPara="1" rIns="91425" wrap="square" tIns="91425"/>
+          <a:bodyPr spcFirstLastPara="1" wrap="square" lIns="91425" tIns="91425" rIns="91425" bIns="91425" anchor="b" anchorCtr="0"/>
           <a:lstStyle>
             <a:lvl1pPr lvl="0" algn="ctr">
               <a:spcBef>
@@ -4118,15 +4234,19 @@
               <a:defRPr sz="4200"/>
             </a:lvl9pPr>
           </a:lstStyle>
-          <a:p/>
+          <a:p>
+            <a:endParaRPr/>
+          </a:p>
         </p:txBody>
       </p:sp>
       <p:sp>
         <p:nvSpPr>
           <p:cNvPr id="38" name="Google Shape;38;p9"/>
-          <p:cNvSpPr txBox="1"/>
+          <p:cNvSpPr txBox="1">
+            <a:spLocks noGrp="1"/>
+          </p:cNvSpPr>
           <p:nvPr>
-            <p:ph idx="1" type="subTitle"/>
+            <p:ph type="subTitle" idx="1"/>
           </p:nvPr>
         </p:nvSpPr>
         <p:spPr>
@@ -4139,7 +4259,7 @@
           </a:prstGeom>
         </p:spPr>
         <p:txBody>
-          <a:bodyPr anchorCtr="0" anchor="t" bIns="91425" lIns="91425" spcFirstLastPara="1" rIns="91425" wrap="square" tIns="91425"/>
+          <a:bodyPr spcFirstLastPara="1" wrap="square" lIns="91425" tIns="91425" rIns="91425" bIns="91425" anchor="t" anchorCtr="0"/>
           <a:lstStyle>
             <a:lvl1pPr lvl="0" algn="ctr">
               <a:lnSpc>
@@ -4268,15 +4388,19 @@
               <a:defRPr sz="2100"/>
             </a:lvl9pPr>
           </a:lstStyle>
-          <a:p/>
+          <a:p>
+            <a:endParaRPr/>
+          </a:p>
         </p:txBody>
       </p:sp>
       <p:sp>
         <p:nvSpPr>
           <p:cNvPr id="39" name="Google Shape;39;p9"/>
-          <p:cNvSpPr txBox="1"/>
+          <p:cNvSpPr txBox="1">
+            <a:spLocks noGrp="1"/>
+          </p:cNvSpPr>
           <p:nvPr>
-            <p:ph idx="2" type="body"/>
+            <p:ph type="body" idx="2"/>
           </p:nvPr>
         </p:nvSpPr>
         <p:spPr>
@@ -4289,9 +4413,9 @@
           </a:prstGeom>
         </p:spPr>
         <p:txBody>
-          <a:bodyPr anchorCtr="0" anchor="ctr" bIns="91425" lIns="91425" spcFirstLastPara="1" rIns="91425" wrap="square" tIns="91425"/>
+          <a:bodyPr spcFirstLastPara="1" wrap="square" lIns="91425" tIns="91425" rIns="91425" bIns="91425" anchor="ctr" anchorCtr="0"/>
           <a:lstStyle>
-            <a:lvl1pPr indent="-342900" lvl="0" marL="457200">
+            <a:lvl1pPr marL="457200" lvl="0" indent="-342900">
               <a:spcBef>
                 <a:spcPts val="0"/>
               </a:spcBef>
@@ -4302,7 +4426,7 @@
               <a:buChar char="●"/>
               <a:defRPr/>
             </a:lvl1pPr>
-            <a:lvl2pPr indent="-317500" lvl="1" marL="914400">
+            <a:lvl2pPr marL="914400" lvl="1" indent="-317500">
               <a:spcBef>
                 <a:spcPts val="1600"/>
               </a:spcBef>
@@ -4313,7 +4437,7 @@
               <a:buChar char="○"/>
               <a:defRPr/>
             </a:lvl2pPr>
-            <a:lvl3pPr indent="-317500" lvl="2" marL="1371600">
+            <a:lvl3pPr marL="1371600" lvl="2" indent="-317500">
               <a:spcBef>
                 <a:spcPts val="1600"/>
               </a:spcBef>
@@ -4324,7 +4448,7 @@
               <a:buChar char="■"/>
               <a:defRPr/>
             </a:lvl3pPr>
-            <a:lvl4pPr indent="-317500" lvl="3" marL="1828800">
+            <a:lvl4pPr marL="1828800" lvl="3" indent="-317500">
               <a:spcBef>
                 <a:spcPts val="1600"/>
               </a:spcBef>
@@ -4335,7 +4459,7 @@
               <a:buChar char="●"/>
               <a:defRPr/>
             </a:lvl4pPr>
-            <a:lvl5pPr indent="-317500" lvl="4" marL="2286000">
+            <a:lvl5pPr marL="2286000" lvl="4" indent="-317500">
               <a:spcBef>
                 <a:spcPts val="1600"/>
               </a:spcBef>
@@ -4346,7 +4470,7 @@
               <a:buChar char="○"/>
               <a:defRPr/>
             </a:lvl5pPr>
-            <a:lvl6pPr indent="-317500" lvl="5" marL="2743200">
+            <a:lvl6pPr marL="2743200" lvl="5" indent="-317500">
               <a:spcBef>
                 <a:spcPts val="1600"/>
               </a:spcBef>
@@ -4357,7 +4481,7 @@
               <a:buChar char="■"/>
               <a:defRPr/>
             </a:lvl6pPr>
-            <a:lvl7pPr indent="-317500" lvl="6" marL="3200400">
+            <a:lvl7pPr marL="3200400" lvl="6" indent="-317500">
               <a:spcBef>
                 <a:spcPts val="1600"/>
               </a:spcBef>
@@ -4368,7 +4492,7 @@
               <a:buChar char="●"/>
               <a:defRPr/>
             </a:lvl7pPr>
-            <a:lvl8pPr indent="-317500" lvl="7" marL="3657600">
+            <a:lvl8pPr marL="3657600" lvl="7" indent="-317500">
               <a:spcBef>
                 <a:spcPts val="1600"/>
               </a:spcBef>
@@ -4379,7 +4503,7 @@
               <a:buChar char="○"/>
               <a:defRPr/>
             </a:lvl8pPr>
-            <a:lvl9pPr indent="-317500" lvl="8" marL="4114800">
+            <a:lvl9pPr marL="4114800" lvl="8" indent="-317500">
               <a:spcBef>
                 <a:spcPts val="1600"/>
               </a:spcBef>
@@ -4391,15 +4515,19 @@
               <a:defRPr/>
             </a:lvl9pPr>
           </a:lstStyle>
-          <a:p/>
+          <a:p>
+            <a:endParaRPr/>
+          </a:p>
         </p:txBody>
       </p:sp>
       <p:sp>
         <p:nvSpPr>
           <p:cNvPr id="40" name="Google Shape;40;p9"/>
-          <p:cNvSpPr txBox="1"/>
+          <p:cNvSpPr txBox="1">
+            <a:spLocks noGrp="1"/>
+          </p:cNvSpPr>
           <p:nvPr>
-            <p:ph idx="12" type="sldNum"/>
+            <p:ph type="sldNum" idx="12"/>
           </p:nvPr>
         </p:nvSpPr>
         <p:spPr>
@@ -4412,7 +4540,7 @@
           </a:prstGeom>
         </p:spPr>
         <p:txBody>
-          <a:bodyPr anchorCtr="0" anchor="ctr" bIns="91425" lIns="91425" spcFirstLastPara="1" rIns="91425" wrap="square" tIns="91425">
+          <a:bodyPr spcFirstLastPara="1" wrap="square" lIns="91425" tIns="91425" rIns="91425" bIns="91425" anchor="ctr" anchorCtr="0">
             <a:noAutofit/>
           </a:bodyPr>
           <a:lstStyle>
@@ -4454,7 +4582,7 @@
             </a:lvl9pPr>
           </a:lstStyle>
           <a:p>
-            <a:pPr indent="0" lvl="0" marL="0" rtl="0" algn="r">
+            <a:pPr marL="0" lvl="0" indent="0" algn="r" rtl="0">
               <a:spcBef>
                 <a:spcPts val="0"/>
               </a:spcBef>
@@ -4480,11 +4608,11 @@
 </file>
 
 <file path=ppt/slideLayouts/slideLayout9.xml><?xml version="1.0" encoding="utf-8"?>
-<p:sldLayout xmlns:a="http://schemas.openxmlformats.org/drawingml/2006/main" xmlns:r="http://schemas.openxmlformats.org/officeDocument/2006/relationships" xmlns:mc="http://schemas.openxmlformats.org/markup-compatibility/2006" xmlns:mv="urn:schemas-microsoft-com:mac:vml" xmlns:p="http://schemas.openxmlformats.org/presentationml/2006/main" xmlns:c="http://schemas.openxmlformats.org/drawingml/2006/chart" xmlns:dgm="http://schemas.openxmlformats.org/drawingml/2006/diagram" xmlns:o="urn:schemas-microsoft-com:office:office" xmlns:v="urn:schemas-microsoft-com:vml" xmlns:pvml="urn:schemas-microsoft-com:office:powerpoint" xmlns:com="http://schemas.openxmlformats.org/drawingml/2006/compatibility" xmlns:p14="http://schemas.microsoft.com/office/powerpoint/2010/main" xmlns:p15="http://schemas.microsoft.com/office/powerpoint/2012/main" matchingName="Caption">
+<p:sldLayout xmlns:a="http://schemas.openxmlformats.org/drawingml/2006/main" xmlns:r="http://schemas.openxmlformats.org/officeDocument/2006/relationships" xmlns:p="http://schemas.openxmlformats.org/presentationml/2006/main" matchingName="Caption">
   <p:cSld name="CAPTION_ONLY">
     <p:spTree>
       <p:nvGrpSpPr>
-        <p:cNvPr id="41" name="Shape 41"/>
+        <p:cNvPr id="1" name="Shape 41"/>
         <p:cNvGrpSpPr/>
         <p:nvPr/>
       </p:nvGrpSpPr>
@@ -4499,9 +4627,11 @@
       <p:sp>
         <p:nvSpPr>
           <p:cNvPr id="42" name="Google Shape;42;p10"/>
-          <p:cNvSpPr txBox="1"/>
+          <p:cNvSpPr txBox="1">
+            <a:spLocks noGrp="1"/>
+          </p:cNvSpPr>
           <p:nvPr>
-            <p:ph idx="1" type="body"/>
+            <p:ph type="body" idx="1"/>
           </p:nvPr>
         </p:nvSpPr>
         <p:spPr>
@@ -4514,9 +4644,9 @@
           </a:prstGeom>
         </p:spPr>
         <p:txBody>
-          <a:bodyPr anchorCtr="0" anchor="ctr" bIns="91425" lIns="91425" spcFirstLastPara="1" rIns="91425" wrap="square" tIns="91425"/>
+          <a:bodyPr spcFirstLastPara="1" wrap="square" lIns="91425" tIns="91425" rIns="91425" bIns="91425" anchor="ctr" anchorCtr="0"/>
           <a:lstStyle>
-            <a:lvl1pPr indent="-228600" lvl="0" marL="457200">
+            <a:lvl1pPr marL="457200" lvl="0" indent="-228600">
               <a:lnSpc>
                 <a:spcPct val="100000"/>
               </a:lnSpc>
@@ -4531,15 +4661,19 @@
               <a:defRPr/>
             </a:lvl1pPr>
           </a:lstStyle>
-          <a:p/>
+          <a:p>
+            <a:endParaRPr/>
+          </a:p>
         </p:txBody>
       </p:sp>
       <p:sp>
         <p:nvSpPr>
           <p:cNvPr id="43" name="Google Shape;43;p10"/>
-          <p:cNvSpPr txBox="1"/>
+          <p:cNvSpPr txBox="1">
+            <a:spLocks noGrp="1"/>
+          </p:cNvSpPr>
           <p:nvPr>
-            <p:ph idx="12" type="sldNum"/>
+            <p:ph type="sldNum" idx="12"/>
           </p:nvPr>
         </p:nvSpPr>
         <p:spPr>
@@ -4552,7 +4686,7 @@
           </a:prstGeom>
         </p:spPr>
         <p:txBody>
-          <a:bodyPr anchorCtr="0" anchor="ctr" bIns="91425" lIns="91425" spcFirstLastPara="1" rIns="91425" wrap="square" tIns="91425">
+          <a:bodyPr spcFirstLastPara="1" wrap="square" lIns="91425" tIns="91425" rIns="91425" bIns="91425" anchor="ctr" anchorCtr="0">
             <a:noAutofit/>
           </a:bodyPr>
           <a:lstStyle>
@@ -4594,7 +4728,7 @@
             </a:lvl9pPr>
           </a:lstStyle>
           <a:p>
-            <a:pPr indent="0" lvl="0" marL="0" rtl="0" algn="r">
+            <a:pPr marL="0" lvl="0" indent="0" algn="r" rtl="0">
               <a:spcBef>
                 <a:spcPts val="0"/>
               </a:spcBef>
@@ -4620,18 +4754,19 @@
 </file>
 
 <file path=ppt/slideMasters/slideMaster1.xml><?xml version="1.0" encoding="utf-8"?>
-<p:sldMaster xmlns:a="http://schemas.openxmlformats.org/drawingml/2006/main" xmlns:r="http://schemas.openxmlformats.org/officeDocument/2006/relationships" xmlns:mc="http://schemas.openxmlformats.org/markup-compatibility/2006" xmlns:mv="urn:schemas-microsoft-com:mac:vml" xmlns:p="http://schemas.openxmlformats.org/presentationml/2006/main" xmlns:c="http://schemas.openxmlformats.org/drawingml/2006/chart" xmlns:dgm="http://schemas.openxmlformats.org/drawingml/2006/diagram" xmlns:o="urn:schemas-microsoft-com:office:office" xmlns:v="urn:schemas-microsoft-com:vml" xmlns:pvml="urn:schemas-microsoft-com:office:powerpoint" xmlns:com="http://schemas.openxmlformats.org/drawingml/2006/compatibility" xmlns:p14="http://schemas.microsoft.com/office/powerpoint/2010/main" xmlns:p15="http://schemas.microsoft.com/office/powerpoint/2012/main">
+<p:sldMaster xmlns:a="http://schemas.openxmlformats.org/drawingml/2006/main" xmlns:r="http://schemas.openxmlformats.org/officeDocument/2006/relationships" xmlns:p="http://schemas.openxmlformats.org/presentationml/2006/main">
   <p:cSld name="simple-light-2">
     <p:bg>
       <p:bgPr>
         <a:solidFill>
           <a:schemeClr val="lt1"/>
         </a:solidFill>
+        <a:effectLst/>
       </p:bgPr>
     </p:bg>
     <p:spTree>
       <p:nvGrpSpPr>
-        <p:cNvPr id="5" name="Shape 5"/>
+        <p:cNvPr id="1" name="Shape 5"/>
         <p:cNvGrpSpPr/>
         <p:nvPr/>
       </p:nvGrpSpPr>
@@ -4646,7 +4781,9 @@
       <p:sp>
         <p:nvSpPr>
           <p:cNvPr id="6" name="Google Shape;6;p1"/>
-          <p:cNvSpPr txBox="1"/>
+          <p:cNvSpPr txBox="1">
+            <a:spLocks noGrp="1"/>
+          </p:cNvSpPr>
           <p:nvPr>
             <p:ph type="title"/>
           </p:nvPr>
@@ -4665,7 +4802,7 @@
           </a:ln>
         </p:spPr>
         <p:txBody>
-          <a:bodyPr anchorCtr="0" anchor="t" bIns="91425" lIns="91425" spcFirstLastPara="1" rIns="91425" wrap="square" tIns="91425"/>
+          <a:bodyPr spcFirstLastPara="1" wrap="square" lIns="91425" tIns="91425" rIns="91425" bIns="91425" anchor="t" anchorCtr="0"/>
           <a:lstStyle>
             <a:lvl1pPr lvl="0">
               <a:spcBef>
@@ -4830,15 +4967,19 @@
               </a:defRPr>
             </a:lvl9pPr>
           </a:lstStyle>
-          <a:p/>
+          <a:p>
+            <a:endParaRPr/>
+          </a:p>
         </p:txBody>
       </p:sp>
       <p:sp>
         <p:nvSpPr>
           <p:cNvPr id="7" name="Google Shape;7;p1"/>
-          <p:cNvSpPr txBox="1"/>
+          <p:cNvSpPr txBox="1">
+            <a:spLocks noGrp="1"/>
+          </p:cNvSpPr>
           <p:nvPr>
-            <p:ph idx="1" type="body"/>
+            <p:ph type="body" idx="1"/>
           </p:nvPr>
         </p:nvSpPr>
         <p:spPr>
@@ -4855,9 +4996,9 @@
           </a:ln>
         </p:spPr>
         <p:txBody>
-          <a:bodyPr anchorCtr="0" anchor="t" bIns="91425" lIns="91425" spcFirstLastPara="1" rIns="91425" wrap="square" tIns="91425"/>
+          <a:bodyPr spcFirstLastPara="1" wrap="square" lIns="91425" tIns="91425" rIns="91425" bIns="91425" anchor="t" anchorCtr="0"/>
           <a:lstStyle>
-            <a:lvl1pPr indent="-342900" lvl="0" marL="457200">
+            <a:lvl1pPr marL="457200" lvl="0" indent="-342900">
               <a:lnSpc>
                 <a:spcPct val="115000"/>
               </a:lnSpc>
@@ -4878,7 +5019,7 @@
                 </a:solidFill>
               </a:defRPr>
             </a:lvl1pPr>
-            <a:lvl2pPr indent="-317500" lvl="1" marL="914400">
+            <a:lvl2pPr marL="914400" lvl="1" indent="-317500">
               <a:lnSpc>
                 <a:spcPct val="115000"/>
               </a:lnSpc>
@@ -4899,7 +5040,7 @@
                 </a:solidFill>
               </a:defRPr>
             </a:lvl2pPr>
-            <a:lvl3pPr indent="-317500" lvl="2" marL="1371600">
+            <a:lvl3pPr marL="1371600" lvl="2" indent="-317500">
               <a:lnSpc>
                 <a:spcPct val="115000"/>
               </a:lnSpc>
@@ -4920,7 +5061,7 @@
                 </a:solidFill>
               </a:defRPr>
             </a:lvl3pPr>
-            <a:lvl4pPr indent="-317500" lvl="3" marL="1828800">
+            <a:lvl4pPr marL="1828800" lvl="3" indent="-317500">
               <a:lnSpc>
                 <a:spcPct val="115000"/>
               </a:lnSpc>
@@ -4941,7 +5082,7 @@
                 </a:solidFill>
               </a:defRPr>
             </a:lvl4pPr>
-            <a:lvl5pPr indent="-317500" lvl="4" marL="2286000">
+            <a:lvl5pPr marL="2286000" lvl="4" indent="-317500">
               <a:lnSpc>
                 <a:spcPct val="115000"/>
               </a:lnSpc>
@@ -4962,7 +5103,7 @@
                 </a:solidFill>
               </a:defRPr>
             </a:lvl5pPr>
-            <a:lvl6pPr indent="-317500" lvl="5" marL="2743200">
+            <a:lvl6pPr marL="2743200" lvl="5" indent="-317500">
               <a:lnSpc>
                 <a:spcPct val="115000"/>
               </a:lnSpc>
@@ -4983,7 +5124,7 @@
                 </a:solidFill>
               </a:defRPr>
             </a:lvl6pPr>
-            <a:lvl7pPr indent="-317500" lvl="6" marL="3200400">
+            <a:lvl7pPr marL="3200400" lvl="6" indent="-317500">
               <a:lnSpc>
                 <a:spcPct val="115000"/>
               </a:lnSpc>
@@ -5004,7 +5145,7 @@
                 </a:solidFill>
               </a:defRPr>
             </a:lvl7pPr>
-            <a:lvl8pPr indent="-317500" lvl="7" marL="3657600">
+            <a:lvl8pPr marL="3657600" lvl="7" indent="-317500">
               <a:lnSpc>
                 <a:spcPct val="115000"/>
               </a:lnSpc>
@@ -5025,7 +5166,7 @@
                 </a:solidFill>
               </a:defRPr>
             </a:lvl8pPr>
-            <a:lvl9pPr indent="-317500" lvl="8" marL="4114800">
+            <a:lvl9pPr marL="4114800" lvl="8" indent="-317500">
               <a:lnSpc>
                 <a:spcPct val="115000"/>
               </a:lnSpc>
@@ -5047,15 +5188,19 @@
               </a:defRPr>
             </a:lvl9pPr>
           </a:lstStyle>
-          <a:p/>
+          <a:p>
+            <a:endParaRPr/>
+          </a:p>
         </p:txBody>
       </p:sp>
       <p:sp>
         <p:nvSpPr>
           <p:cNvPr id="8" name="Google Shape;8;p1"/>
-          <p:cNvSpPr txBox="1"/>
+          <p:cNvSpPr txBox="1">
+            <a:spLocks noGrp="1"/>
+          </p:cNvSpPr>
           <p:nvPr>
-            <p:ph idx="12" type="sldNum"/>
+            <p:ph type="sldNum" idx="12"/>
           </p:nvPr>
         </p:nvSpPr>
         <p:spPr>
@@ -5072,7 +5217,7 @@
           </a:ln>
         </p:spPr>
         <p:txBody>
-          <a:bodyPr anchorCtr="0" anchor="ctr" bIns="91425" lIns="91425" spcFirstLastPara="1" rIns="91425" wrap="square" tIns="91425">
+          <a:bodyPr spcFirstLastPara="1" wrap="square" lIns="91425" tIns="91425" rIns="91425" bIns="91425" anchor="ctr" anchorCtr="0">
             <a:noAutofit/>
           </a:bodyPr>
           <a:lstStyle>
@@ -5150,7 +5295,7 @@
             </a:lvl9pPr>
           </a:lstStyle>
           <a:p>
-            <a:pPr indent="0" lvl="0" marL="0" rtl="0" algn="r">
+            <a:pPr marL="0" lvl="0" indent="0" algn="r" rtl="0">
               <a:spcBef>
                 <a:spcPts val="0"/>
               </a:spcBef>
@@ -5169,7 +5314,7 @@
       </p:sp>
     </p:spTree>
   </p:cSld>
-  <p:clrMap accent1="accent1" accent2="accent2" accent3="accent3" accent4="accent4" accent5="accent5" accent6="accent6" bg1="lt1" bg2="dk2" tx1="dk1" tx2="lt2" folHlink="folHlink" hlink="hlink"/>
+  <p:clrMap bg1="lt1" tx1="dk1" bg2="dk2" tx2="lt2" accent1="accent1" accent2="accent2" accent3="accent3" accent4="accent4" accent5="accent5" accent6="accent6" hlink="hlink" folHlink="folHlink"/>
   <p:sldLayoutIdLst>
     <p:sldLayoutId id="2147483648" r:id="rId1"/>
     <p:sldLayoutId id="2147483649" r:id="rId2"/>
@@ -5183,10 +5328,10 @@
     <p:sldLayoutId id="2147483657" r:id="rId10"/>
     <p:sldLayoutId id="2147483658" r:id="rId11"/>
   </p:sldLayoutIdLst>
-  <p:hf dt="0" ftr="0" hdr="0" sldNum="0"/>
+  <p:hf sldNum="0" hdr="0" ftr="0" dt="0"/>
   <p:txStyles>
     <p:titleStyle>
-      <a:defPPr lvl="0" marR="0" rtl="0" algn="l">
+      <a:defPPr marR="0" lvl="0" algn="l" rtl="0">
         <a:lnSpc>
           <a:spcPct val="100000"/>
         </a:lnSpc>
@@ -5197,7 +5342,7 @@
           <a:spcPts val="0"/>
         </a:spcAft>
       </a:defPPr>
-      <a:lvl1pPr lvl="0" marR="0" rtl="0" algn="l">
+      <a:lvl1pPr marR="0" lvl="0" algn="l" rtl="0">
         <a:lnSpc>
           <a:spcPct val="100000"/>
         </a:lnSpc>
@@ -5211,7 +5356,7 @@
           <a:srgbClr val="000000"/>
         </a:buClr>
         <a:buFont typeface="Arial"/>
-        <a:defRPr b="0" i="0" sz="1400" u="none" cap="none" strike="noStrike">
+        <a:defRPr sz="1400" b="0" i="0" u="none" strike="noStrike" cap="none">
           <a:solidFill>
             <a:srgbClr val="000000"/>
           </a:solidFill>
@@ -5221,7 +5366,7 @@
           <a:sym typeface="Arial"/>
         </a:defRPr>
       </a:lvl1pPr>
-      <a:lvl2pPr lvl="1" marR="0" rtl="0" algn="l">
+      <a:lvl2pPr marR="0" lvl="1" algn="l" rtl="0">
         <a:lnSpc>
           <a:spcPct val="100000"/>
         </a:lnSpc>
@@ -5235,7 +5380,7 @@
           <a:srgbClr val="000000"/>
         </a:buClr>
         <a:buFont typeface="Arial"/>
-        <a:defRPr b="0" i="0" sz="1400" u="none" cap="none" strike="noStrike">
+        <a:defRPr sz="1400" b="0" i="0" u="none" strike="noStrike" cap="none">
           <a:solidFill>
             <a:srgbClr val="000000"/>
           </a:solidFill>
@@ -5245,7 +5390,7 @@
           <a:sym typeface="Arial"/>
         </a:defRPr>
       </a:lvl2pPr>
-      <a:lvl3pPr lvl="2" marR="0" rtl="0" algn="l">
+      <a:lvl3pPr marR="0" lvl="2" algn="l" rtl="0">
         <a:lnSpc>
           <a:spcPct val="100000"/>
         </a:lnSpc>
@@ -5259,7 +5404,7 @@
           <a:srgbClr val="000000"/>
         </a:buClr>
         <a:buFont typeface="Arial"/>
-        <a:defRPr b="0" i="0" sz="1400" u="none" cap="none" strike="noStrike">
+        <a:defRPr sz="1400" b="0" i="0" u="none" strike="noStrike" cap="none">
           <a:solidFill>
             <a:srgbClr val="000000"/>
           </a:solidFill>
@@ -5269,7 +5414,7 @@
           <a:sym typeface="Arial"/>
         </a:defRPr>
       </a:lvl3pPr>
-      <a:lvl4pPr lvl="3" marR="0" rtl="0" algn="l">
+      <a:lvl4pPr marR="0" lvl="3" algn="l" rtl="0">
         <a:lnSpc>
           <a:spcPct val="100000"/>
         </a:lnSpc>
@@ -5283,7 +5428,7 @@
           <a:srgbClr val="000000"/>
         </a:buClr>
         <a:buFont typeface="Arial"/>
-        <a:defRPr b="0" i="0" sz="1400" u="none" cap="none" strike="noStrike">
+        <a:defRPr sz="1400" b="0" i="0" u="none" strike="noStrike" cap="none">
           <a:solidFill>
             <a:srgbClr val="000000"/>
           </a:solidFill>
@@ -5293,7 +5438,7 @@
           <a:sym typeface="Arial"/>
         </a:defRPr>
       </a:lvl4pPr>
-      <a:lvl5pPr lvl="4" marR="0" rtl="0" algn="l">
+      <a:lvl5pPr marR="0" lvl="4" algn="l" rtl="0">
         <a:lnSpc>
           <a:spcPct val="100000"/>
         </a:lnSpc>
@@ -5307,7 +5452,7 @@
           <a:srgbClr val="000000"/>
         </a:buClr>
         <a:buFont typeface="Arial"/>
-        <a:defRPr b="0" i="0" sz="1400" u="none" cap="none" strike="noStrike">
+        <a:defRPr sz="1400" b="0" i="0" u="none" strike="noStrike" cap="none">
           <a:solidFill>
             <a:srgbClr val="000000"/>
           </a:solidFill>
@@ -5317,7 +5462,7 @@
           <a:sym typeface="Arial"/>
         </a:defRPr>
       </a:lvl5pPr>
-      <a:lvl6pPr lvl="5" marR="0" rtl="0" algn="l">
+      <a:lvl6pPr marR="0" lvl="5" algn="l" rtl="0">
         <a:lnSpc>
           <a:spcPct val="100000"/>
         </a:lnSpc>
@@ -5331,7 +5476,7 @@
           <a:srgbClr val="000000"/>
         </a:buClr>
         <a:buFont typeface="Arial"/>
-        <a:defRPr b="0" i="0" sz="1400" u="none" cap="none" strike="noStrike">
+        <a:defRPr sz="1400" b="0" i="0" u="none" strike="noStrike" cap="none">
           <a:solidFill>
             <a:srgbClr val="000000"/>
           </a:solidFill>
@@ -5341,7 +5486,7 @@
           <a:sym typeface="Arial"/>
         </a:defRPr>
       </a:lvl6pPr>
-      <a:lvl7pPr lvl="6" marR="0" rtl="0" algn="l">
+      <a:lvl7pPr marR="0" lvl="6" algn="l" rtl="0">
         <a:lnSpc>
           <a:spcPct val="100000"/>
         </a:lnSpc>
@@ -5355,7 +5500,7 @@
           <a:srgbClr val="000000"/>
         </a:buClr>
         <a:buFont typeface="Arial"/>
-        <a:defRPr b="0" i="0" sz="1400" u="none" cap="none" strike="noStrike">
+        <a:defRPr sz="1400" b="0" i="0" u="none" strike="noStrike" cap="none">
           <a:solidFill>
             <a:srgbClr val="000000"/>
           </a:solidFill>
@@ -5365,7 +5510,7 @@
           <a:sym typeface="Arial"/>
         </a:defRPr>
       </a:lvl7pPr>
-      <a:lvl8pPr lvl="7" marR="0" rtl="0" algn="l">
+      <a:lvl8pPr marR="0" lvl="7" algn="l" rtl="0">
         <a:lnSpc>
           <a:spcPct val="100000"/>
         </a:lnSpc>
@@ -5379,7 +5524,7 @@
           <a:srgbClr val="000000"/>
         </a:buClr>
         <a:buFont typeface="Arial"/>
-        <a:defRPr b="0" i="0" sz="1400" u="none" cap="none" strike="noStrike">
+        <a:defRPr sz="1400" b="0" i="0" u="none" strike="noStrike" cap="none">
           <a:solidFill>
             <a:srgbClr val="000000"/>
           </a:solidFill>
@@ -5389,7 +5534,7 @@
           <a:sym typeface="Arial"/>
         </a:defRPr>
       </a:lvl8pPr>
-      <a:lvl9pPr lvl="8" marR="0" rtl="0" algn="l">
+      <a:lvl9pPr marR="0" lvl="8" algn="l" rtl="0">
         <a:lnSpc>
           <a:spcPct val="100000"/>
         </a:lnSpc>
@@ -5403,7 +5548,7 @@
           <a:srgbClr val="000000"/>
         </a:buClr>
         <a:buFont typeface="Arial"/>
-        <a:defRPr b="0" i="0" sz="1400" u="none" cap="none" strike="noStrike">
+        <a:defRPr sz="1400" b="0" i="0" u="none" strike="noStrike" cap="none">
           <a:solidFill>
             <a:srgbClr val="000000"/>
           </a:solidFill>
@@ -5415,7 +5560,7 @@
       </a:lvl9pPr>
     </p:titleStyle>
     <p:bodyStyle>
-      <a:defPPr lvl="0" marR="0" rtl="0" algn="l">
+      <a:defPPr marR="0" lvl="0" algn="l" rtl="0">
         <a:lnSpc>
           <a:spcPct val="100000"/>
         </a:lnSpc>
@@ -5426,7 +5571,7 @@
           <a:spcPts val="0"/>
         </a:spcAft>
       </a:defPPr>
-      <a:lvl1pPr lvl="0" marR="0" rtl="0" algn="l">
+      <a:lvl1pPr marR="0" lvl="0" algn="l" rtl="0">
         <a:lnSpc>
           <a:spcPct val="100000"/>
         </a:lnSpc>
@@ -5440,7 +5585,7 @@
           <a:srgbClr val="000000"/>
         </a:buClr>
         <a:buFont typeface="Arial"/>
-        <a:defRPr b="0" i="0" sz="1400" u="none" cap="none" strike="noStrike">
+        <a:defRPr sz="1400" b="0" i="0" u="none" strike="noStrike" cap="none">
           <a:solidFill>
             <a:srgbClr val="000000"/>
           </a:solidFill>
@@ -5450,7 +5595,7 @@
           <a:sym typeface="Arial"/>
         </a:defRPr>
       </a:lvl1pPr>
-      <a:lvl2pPr lvl="1" marR="0" rtl="0" algn="l">
+      <a:lvl2pPr marR="0" lvl="1" algn="l" rtl="0">
         <a:lnSpc>
           <a:spcPct val="100000"/>
         </a:lnSpc>
@@ -5464,7 +5609,7 @@
           <a:srgbClr val="000000"/>
         </a:buClr>
         <a:buFont typeface="Arial"/>
-        <a:defRPr b="0" i="0" sz="1400" u="none" cap="none" strike="noStrike">
+        <a:defRPr sz="1400" b="0" i="0" u="none" strike="noStrike" cap="none">
           <a:solidFill>
             <a:srgbClr val="000000"/>
           </a:solidFill>
@@ -5474,7 +5619,7 @@
           <a:sym typeface="Arial"/>
         </a:defRPr>
       </a:lvl2pPr>
-      <a:lvl3pPr lvl="2" marR="0" rtl="0" algn="l">
+      <a:lvl3pPr marR="0" lvl="2" algn="l" rtl="0">
         <a:lnSpc>
           <a:spcPct val="100000"/>
         </a:lnSpc>
@@ -5488,7 +5633,7 @@
           <a:srgbClr val="000000"/>
         </a:buClr>
         <a:buFont typeface="Arial"/>
-        <a:defRPr b="0" i="0" sz="1400" u="none" cap="none" strike="noStrike">
+        <a:defRPr sz="1400" b="0" i="0" u="none" strike="noStrike" cap="none">
           <a:solidFill>
             <a:srgbClr val="000000"/>
           </a:solidFill>
@@ -5498,7 +5643,7 @@
           <a:sym typeface="Arial"/>
         </a:defRPr>
       </a:lvl3pPr>
-      <a:lvl4pPr lvl="3" marR="0" rtl="0" algn="l">
+      <a:lvl4pPr marR="0" lvl="3" algn="l" rtl="0">
         <a:lnSpc>
           <a:spcPct val="100000"/>
         </a:lnSpc>
@@ -5512,7 +5657,7 @@
           <a:srgbClr val="000000"/>
         </a:buClr>
         <a:buFont typeface="Arial"/>
-        <a:defRPr b="0" i="0" sz="1400" u="none" cap="none" strike="noStrike">
+        <a:defRPr sz="1400" b="0" i="0" u="none" strike="noStrike" cap="none">
           <a:solidFill>
             <a:srgbClr val="000000"/>
           </a:solidFill>
@@ -5522,7 +5667,7 @@
           <a:sym typeface="Arial"/>
         </a:defRPr>
       </a:lvl4pPr>
-      <a:lvl5pPr lvl="4" marR="0" rtl="0" algn="l">
+      <a:lvl5pPr marR="0" lvl="4" algn="l" rtl="0">
         <a:lnSpc>
           <a:spcPct val="100000"/>
         </a:lnSpc>
@@ -5536,7 +5681,7 @@
           <a:srgbClr val="000000"/>
         </a:buClr>
         <a:buFont typeface="Arial"/>
-        <a:defRPr b="0" i="0" sz="1400" u="none" cap="none" strike="noStrike">
+        <a:defRPr sz="1400" b="0" i="0" u="none" strike="noStrike" cap="none">
           <a:solidFill>
             <a:srgbClr val="000000"/>
           </a:solidFill>
@@ -5546,7 +5691,7 @@
           <a:sym typeface="Arial"/>
         </a:defRPr>
       </a:lvl5pPr>
-      <a:lvl6pPr lvl="5" marR="0" rtl="0" algn="l">
+      <a:lvl6pPr marR="0" lvl="5" algn="l" rtl="0">
         <a:lnSpc>
           <a:spcPct val="100000"/>
         </a:lnSpc>
@@ -5560,7 +5705,7 @@
           <a:srgbClr val="000000"/>
         </a:buClr>
         <a:buFont typeface="Arial"/>
-        <a:defRPr b="0" i="0" sz="1400" u="none" cap="none" strike="noStrike">
+        <a:defRPr sz="1400" b="0" i="0" u="none" strike="noStrike" cap="none">
           <a:solidFill>
             <a:srgbClr val="000000"/>
           </a:solidFill>
@@ -5570,7 +5715,7 @@
           <a:sym typeface="Arial"/>
         </a:defRPr>
       </a:lvl6pPr>
-      <a:lvl7pPr lvl="6" marR="0" rtl="0" algn="l">
+      <a:lvl7pPr marR="0" lvl="6" algn="l" rtl="0">
         <a:lnSpc>
           <a:spcPct val="100000"/>
         </a:lnSpc>
@@ -5584,7 +5729,7 @@
           <a:srgbClr val="000000"/>
         </a:buClr>
         <a:buFont typeface="Arial"/>
-        <a:defRPr b="0" i="0" sz="1400" u="none" cap="none" strike="noStrike">
+        <a:defRPr sz="1400" b="0" i="0" u="none" strike="noStrike" cap="none">
           <a:solidFill>
             <a:srgbClr val="000000"/>
           </a:solidFill>
@@ -5594,7 +5739,7 @@
           <a:sym typeface="Arial"/>
         </a:defRPr>
       </a:lvl7pPr>
-      <a:lvl8pPr lvl="7" marR="0" rtl="0" algn="l">
+      <a:lvl8pPr marR="0" lvl="7" algn="l" rtl="0">
         <a:lnSpc>
           <a:spcPct val="100000"/>
         </a:lnSpc>
@@ -5608,7 +5753,7 @@
           <a:srgbClr val="000000"/>
         </a:buClr>
         <a:buFont typeface="Arial"/>
-        <a:defRPr b="0" i="0" sz="1400" u="none" cap="none" strike="noStrike">
+        <a:defRPr sz="1400" b="0" i="0" u="none" strike="noStrike" cap="none">
           <a:solidFill>
             <a:srgbClr val="000000"/>
           </a:solidFill>
@@ -5618,7 +5763,7 @@
           <a:sym typeface="Arial"/>
         </a:defRPr>
       </a:lvl8pPr>
-      <a:lvl9pPr lvl="8" marR="0" rtl="0" algn="l">
+      <a:lvl9pPr marR="0" lvl="8" algn="l" rtl="0">
         <a:lnSpc>
           <a:spcPct val="100000"/>
         </a:lnSpc>
@@ -5632,7 +5777,7 @@
           <a:srgbClr val="000000"/>
         </a:buClr>
         <a:buFont typeface="Arial"/>
-        <a:defRPr b="0" i="0" sz="1400" u="none" cap="none" strike="noStrike">
+        <a:defRPr sz="1400" b="0" i="0" u="none" strike="noStrike" cap="none">
           <a:solidFill>
             <a:srgbClr val="000000"/>
           </a:solidFill>
@@ -5644,7 +5789,7 @@
       </a:lvl9pPr>
     </p:bodyStyle>
     <p:otherStyle>
-      <a:defPPr lvl="0" marR="0" rtl="0" algn="l">
+      <a:defPPr marR="0" lvl="0" algn="l" rtl="0">
         <a:lnSpc>
           <a:spcPct val="100000"/>
         </a:lnSpc>
@@ -5655,7 +5800,7 @@
           <a:spcPts val="0"/>
         </a:spcAft>
       </a:defPPr>
-      <a:lvl1pPr lvl="0" marR="0" rtl="0" algn="l">
+      <a:lvl1pPr marR="0" lvl="0" algn="l" rtl="0">
         <a:lnSpc>
           <a:spcPct val="100000"/>
         </a:lnSpc>
@@ -5669,7 +5814,7 @@
           <a:srgbClr val="000000"/>
         </a:buClr>
         <a:buFont typeface="Arial"/>
-        <a:defRPr b="0" i="0" sz="1400" u="none" cap="none" strike="noStrike">
+        <a:defRPr sz="1400" b="0" i="0" u="none" strike="noStrike" cap="none">
           <a:solidFill>
             <a:srgbClr val="000000"/>
           </a:solidFill>
@@ -5679,7 +5824,7 @@
           <a:sym typeface="Arial"/>
         </a:defRPr>
       </a:lvl1pPr>
-      <a:lvl2pPr lvl="1" marR="0" rtl="0" algn="l">
+      <a:lvl2pPr marR="0" lvl="1" algn="l" rtl="0">
         <a:lnSpc>
           <a:spcPct val="100000"/>
         </a:lnSpc>
@@ -5693,7 +5838,7 @@
           <a:srgbClr val="000000"/>
         </a:buClr>
         <a:buFont typeface="Arial"/>
-        <a:defRPr b="0" i="0" sz="1400" u="none" cap="none" strike="noStrike">
+        <a:defRPr sz="1400" b="0" i="0" u="none" strike="noStrike" cap="none">
           <a:solidFill>
             <a:srgbClr val="000000"/>
           </a:solidFill>
@@ -5703,7 +5848,7 @@
           <a:sym typeface="Arial"/>
         </a:defRPr>
       </a:lvl2pPr>
-      <a:lvl3pPr lvl="2" marR="0" rtl="0" algn="l">
+      <a:lvl3pPr marR="0" lvl="2" algn="l" rtl="0">
         <a:lnSpc>
           <a:spcPct val="100000"/>
         </a:lnSpc>
@@ -5717,7 +5862,7 @@
           <a:srgbClr val="000000"/>
         </a:buClr>
         <a:buFont typeface="Arial"/>
-        <a:defRPr b="0" i="0" sz="1400" u="none" cap="none" strike="noStrike">
+        <a:defRPr sz="1400" b="0" i="0" u="none" strike="noStrike" cap="none">
           <a:solidFill>
             <a:srgbClr val="000000"/>
           </a:solidFill>
@@ -5727,7 +5872,7 @@
           <a:sym typeface="Arial"/>
         </a:defRPr>
       </a:lvl3pPr>
-      <a:lvl4pPr lvl="3" marR="0" rtl="0" algn="l">
+      <a:lvl4pPr marR="0" lvl="3" algn="l" rtl="0">
         <a:lnSpc>
           <a:spcPct val="100000"/>
         </a:lnSpc>
@@ -5741,7 +5886,7 @@
           <a:srgbClr val="000000"/>
         </a:buClr>
         <a:buFont typeface="Arial"/>
-        <a:defRPr b="0" i="0" sz="1400" u="none" cap="none" strike="noStrike">
+        <a:defRPr sz="1400" b="0" i="0" u="none" strike="noStrike" cap="none">
           <a:solidFill>
             <a:srgbClr val="000000"/>
           </a:solidFill>
@@ -5751,7 +5896,7 @@
           <a:sym typeface="Arial"/>
         </a:defRPr>
       </a:lvl4pPr>
-      <a:lvl5pPr lvl="4" marR="0" rtl="0" algn="l">
+      <a:lvl5pPr marR="0" lvl="4" algn="l" rtl="0">
         <a:lnSpc>
           <a:spcPct val="100000"/>
         </a:lnSpc>
@@ -5765,7 +5910,7 @@
           <a:srgbClr val="000000"/>
         </a:buClr>
         <a:buFont typeface="Arial"/>
-        <a:defRPr b="0" i="0" sz="1400" u="none" cap="none" strike="noStrike">
+        <a:defRPr sz="1400" b="0" i="0" u="none" strike="noStrike" cap="none">
           <a:solidFill>
             <a:srgbClr val="000000"/>
           </a:solidFill>
@@ -5775,7 +5920,7 @@
           <a:sym typeface="Arial"/>
         </a:defRPr>
       </a:lvl5pPr>
-      <a:lvl6pPr lvl="5" marR="0" rtl="0" algn="l">
+      <a:lvl6pPr marR="0" lvl="5" algn="l" rtl="0">
         <a:lnSpc>
           <a:spcPct val="100000"/>
         </a:lnSpc>
@@ -5789,7 +5934,7 @@
           <a:srgbClr val="000000"/>
         </a:buClr>
         <a:buFont typeface="Arial"/>
-        <a:defRPr b="0" i="0" sz="1400" u="none" cap="none" strike="noStrike">
+        <a:defRPr sz="1400" b="0" i="0" u="none" strike="noStrike" cap="none">
           <a:solidFill>
             <a:srgbClr val="000000"/>
           </a:solidFill>
@@ -5799,7 +5944,7 @@
           <a:sym typeface="Arial"/>
         </a:defRPr>
       </a:lvl6pPr>
-      <a:lvl7pPr lvl="6" marR="0" rtl="0" algn="l">
+      <a:lvl7pPr marR="0" lvl="6" algn="l" rtl="0">
         <a:lnSpc>
           <a:spcPct val="100000"/>
         </a:lnSpc>
@@ -5813,7 +5958,7 @@
           <a:srgbClr val="000000"/>
         </a:buClr>
         <a:buFont typeface="Arial"/>
-        <a:defRPr b="0" i="0" sz="1400" u="none" cap="none" strike="noStrike">
+        <a:defRPr sz="1400" b="0" i="0" u="none" strike="noStrike" cap="none">
           <a:solidFill>
             <a:srgbClr val="000000"/>
           </a:solidFill>
@@ -5823,7 +5968,7 @@
           <a:sym typeface="Arial"/>
         </a:defRPr>
       </a:lvl7pPr>
-      <a:lvl8pPr lvl="7" marR="0" rtl="0" algn="l">
+      <a:lvl8pPr marR="0" lvl="7" algn="l" rtl="0">
         <a:lnSpc>
           <a:spcPct val="100000"/>
         </a:lnSpc>
@@ -5837,7 +5982,7 @@
           <a:srgbClr val="000000"/>
         </a:buClr>
         <a:buFont typeface="Arial"/>
-        <a:defRPr b="0" i="0" sz="1400" u="none" cap="none" strike="noStrike">
+        <a:defRPr sz="1400" b="0" i="0" u="none" strike="noStrike" cap="none">
           <a:solidFill>
             <a:srgbClr val="000000"/>
           </a:solidFill>
@@ -5847,7 +5992,7 @@
           <a:sym typeface="Arial"/>
         </a:defRPr>
       </a:lvl8pPr>
-      <a:lvl9pPr lvl="8" marR="0" rtl="0" algn="l">
+      <a:lvl9pPr marR="0" lvl="8" algn="l" rtl="0">
         <a:lnSpc>
           <a:spcPct val="100000"/>
         </a:lnSpc>
@@ -5861,7 +6006,7 @@
           <a:srgbClr val="000000"/>
         </a:buClr>
         <a:buFont typeface="Arial"/>
-        <a:defRPr b="0" i="0" sz="1400" u="none" cap="none" strike="noStrike">
+        <a:defRPr sz="1400" b="0" i="0" u="none" strike="noStrike" cap="none">
           <a:solidFill>
             <a:srgbClr val="000000"/>
           </a:solidFill>
@@ -5877,11 +6022,11 @@
 </file>
 
 <file path=ppt/slides/slide1.xml><?xml version="1.0" encoding="utf-8"?>
-<p:sld xmlns:a="http://schemas.openxmlformats.org/drawingml/2006/main" xmlns:r="http://schemas.openxmlformats.org/officeDocument/2006/relationships" xmlns:mc="http://schemas.openxmlformats.org/markup-compatibility/2006" xmlns:mv="urn:schemas-microsoft-com:mac:vml" xmlns:p="http://schemas.openxmlformats.org/presentationml/2006/main" xmlns:c="http://schemas.openxmlformats.org/drawingml/2006/chart" xmlns:dgm="http://schemas.openxmlformats.org/drawingml/2006/diagram" xmlns:o="urn:schemas-microsoft-com:office:office" xmlns:v="urn:schemas-microsoft-com:vml" xmlns:pvml="urn:schemas-microsoft-com:office:powerpoint" xmlns:com="http://schemas.openxmlformats.org/drawingml/2006/compatibility" xmlns:p14="http://schemas.microsoft.com/office/powerpoint/2010/main" xmlns:p15="http://schemas.microsoft.com/office/powerpoint/2012/main">
+<p:sld xmlns:a="http://schemas.openxmlformats.org/drawingml/2006/main" xmlns:r="http://schemas.openxmlformats.org/officeDocument/2006/relationships" xmlns:p="http://schemas.openxmlformats.org/presentationml/2006/main">
   <p:cSld>
     <p:spTree>
       <p:nvGrpSpPr>
-        <p:cNvPr id="53" name="Shape 53"/>
+        <p:cNvPr id="1" name="Shape 53"/>
         <p:cNvGrpSpPr/>
         <p:nvPr/>
       </p:nvGrpSpPr>
@@ -5896,7 +6041,9 @@
       <p:sp>
         <p:nvSpPr>
           <p:cNvPr id="54" name="Google Shape;54;p13"/>
-          <p:cNvSpPr txBox="1"/>
+          <p:cNvSpPr txBox="1">
+            <a:spLocks noGrp="1"/>
+          </p:cNvSpPr>
           <p:nvPr>
             <p:ph type="ctrTitle"/>
           </p:nvPr>
@@ -5911,12 +6058,12 @@
           </a:prstGeom>
         </p:spPr>
         <p:txBody>
-          <a:bodyPr anchorCtr="0" anchor="b" bIns="91425" lIns="91425" spcFirstLastPara="1" rIns="91425" wrap="square" tIns="91425">
+          <a:bodyPr spcFirstLastPara="1" wrap="square" lIns="91425" tIns="91425" rIns="91425" bIns="91425" anchor="b" anchorCtr="0">
             <a:noAutofit/>
           </a:bodyPr>
           <a:lstStyle/>
           <a:p>
-            <a:pPr indent="0" lvl="0" marL="0" rtl="0" algn="ctr">
+            <a:pPr marL="0" lvl="0" indent="0" algn="ctr" rtl="0">
               <a:spcBef>
                 <a:spcPts val="0"/>
               </a:spcBef>
@@ -5942,11 +6089,11 @@
 </file>
 
 <file path=ppt/slides/slide2.xml><?xml version="1.0" encoding="utf-8"?>
-<p:sld xmlns:a="http://schemas.openxmlformats.org/drawingml/2006/main" xmlns:r="http://schemas.openxmlformats.org/officeDocument/2006/relationships" xmlns:mc="http://schemas.openxmlformats.org/markup-compatibility/2006" xmlns:mv="urn:schemas-microsoft-com:mac:vml" xmlns:p="http://schemas.openxmlformats.org/presentationml/2006/main" xmlns:c="http://schemas.openxmlformats.org/drawingml/2006/chart" xmlns:dgm="http://schemas.openxmlformats.org/drawingml/2006/diagram" xmlns:o="urn:schemas-microsoft-com:office:office" xmlns:v="urn:schemas-microsoft-com:vml" xmlns:pvml="urn:schemas-microsoft-com:office:powerpoint" xmlns:com="http://schemas.openxmlformats.org/drawingml/2006/compatibility" xmlns:p14="http://schemas.microsoft.com/office/powerpoint/2010/main" xmlns:p15="http://schemas.microsoft.com/office/powerpoint/2012/main">
+<p:sld xmlns:a="http://schemas.openxmlformats.org/drawingml/2006/main" xmlns:r="http://schemas.openxmlformats.org/officeDocument/2006/relationships" xmlns:p="http://schemas.openxmlformats.org/presentationml/2006/main">
   <p:cSld>
     <p:spTree>
       <p:nvGrpSpPr>
-        <p:cNvPr id="58" name="Shape 58"/>
+        <p:cNvPr id="1" name="Shape 58"/>
         <p:cNvGrpSpPr/>
         <p:nvPr/>
       </p:nvGrpSpPr>
@@ -5961,7 +6108,9 @@
       <p:sp>
         <p:nvSpPr>
           <p:cNvPr id="59" name="Google Shape;59;p14"/>
-          <p:cNvSpPr txBox="1"/>
+          <p:cNvSpPr txBox="1">
+            <a:spLocks noGrp="1"/>
+          </p:cNvSpPr>
           <p:nvPr>
             <p:ph type="title"/>
           </p:nvPr>
@@ -5976,12 +6125,12 @@
           </a:prstGeom>
         </p:spPr>
         <p:txBody>
-          <a:bodyPr anchorCtr="0" anchor="t" bIns="91425" lIns="91425" spcFirstLastPara="1" rIns="91425" wrap="square" tIns="91425">
+          <a:bodyPr spcFirstLastPara="1" wrap="square" lIns="91425" tIns="91425" rIns="91425" bIns="91425" anchor="t" anchorCtr="0">
             <a:noAutofit/>
           </a:bodyPr>
           <a:lstStyle/>
           <a:p>
-            <a:pPr indent="0" lvl="0" marL="0" rtl="0" algn="ctr">
+            <a:pPr marL="0" lvl="0" indent="0" algn="ctr" rtl="0">
               <a:spcBef>
                 <a:spcPts val="0"/>
               </a:spcBef>
@@ -5991,10 +6140,10 @@
               <a:buNone/>
             </a:pPr>
             <a:r>
-              <a:rPr lang="en-GB"/>
+              <a:rPr lang="en-GB" dirty="0"/>
               <a:t>A - Robot Vision - Joint State Estimation</a:t>
             </a:r>
-            <a:endParaRPr/>
+            <a:endParaRPr dirty="0"/>
           </a:p>
         </p:txBody>
       </p:sp>
@@ -6013,23 +6162,23 @@
             <a:avLst/>
           </a:prstGeom>
           <a:noFill/>
-          <a:ln cap="flat" cmpd="sng" w="19050">
+          <a:ln w="19050" cap="flat" cmpd="sng">
             <a:solidFill>
               <a:srgbClr val="000000"/>
             </a:solidFill>
             <a:prstDash val="solid"/>
             <a:round/>
-            <a:headEnd len="sm" w="sm" type="none"/>
-            <a:tailEnd len="sm" w="sm" type="none"/>
+            <a:headEnd type="none" w="sm" len="sm"/>
+            <a:tailEnd type="none" w="sm" len="sm"/>
           </a:ln>
         </p:spPr>
         <p:txBody>
-          <a:bodyPr anchorCtr="0" anchor="t" bIns="91425" lIns="91425" spcFirstLastPara="1" rIns="91425" wrap="square" tIns="91425">
+          <a:bodyPr spcFirstLastPara="1" wrap="square" lIns="91425" tIns="91425" rIns="91425" bIns="91425" anchor="t" anchorCtr="0">
             <a:noAutofit/>
           </a:bodyPr>
           <a:lstStyle/>
           <a:p>
-            <a:pPr indent="0" lvl="0" marL="0" rtl="0" algn="l">
+            <a:pPr marL="0" lvl="0" indent="0" algn="l" rtl="0">
               <a:spcBef>
                 <a:spcPts val="0"/>
               </a:spcBef>
@@ -6039,10 +6188,104 @@
               <a:buNone/>
             </a:pPr>
             <a:r>
-              <a:rPr lang="en-GB"/>
+              <a:rPr lang="en-GB" dirty="0"/>
               <a:t>Method:</a:t>
             </a:r>
-            <a:endParaRPr/>
+          </a:p>
+          <a:p>
+            <a:pPr lvl="0"/>
+            <a:r>
+              <a:rPr lang="en-US" altLang="zh-CN" dirty="0"/>
+              <a:t>1.</a:t>
+            </a:r>
+            <a:r>
+              <a:rPr lang="en-GB" altLang="zh-CN" dirty="0"/>
+              <a:t> To find </a:t>
+            </a:r>
+            <a:r>
+              <a:rPr lang="en-US" altLang="zh-CN" dirty="0"/>
+              <a:t>Joint angles</a:t>
+            </a:r>
+            <a:r>
+              <a:rPr lang="en-GB" altLang="zh-CN" dirty="0"/>
+              <a:t>, we used method:</a:t>
+            </a:r>
+          </a:p>
+          <a:p>
+            <a:pPr lvl="3"/>
+            <a:r>
+              <a:rPr lang="en-US" altLang="zh-CN" dirty="0"/>
+              <a:t>               a. Use formula to find the angle 	between two vector: </a:t>
+            </a:r>
+            <a:r>
+              <a:rPr lang="en-US" altLang="zh-CN" dirty="0" err="1"/>
+              <a:t>arccos</a:t>
+            </a:r>
+            <a:r>
+              <a:rPr lang="en-US" altLang="zh-CN" dirty="0"/>
+              <a:t>( (v1.v2) / 	|v1| x |v2| )</a:t>
+            </a:r>
+          </a:p>
+          <a:p>
+            <a:pPr lvl="3"/>
+            <a:r>
+              <a:rPr lang="en-US" altLang="zh-CN" dirty="0"/>
+              <a:t>               b. Find the sign(+/-) with rotation vector 	and vectors of two links of the joints 	sign = </a:t>
+            </a:r>
+            <a:r>
+              <a:rPr lang="en-US" altLang="zh-CN" dirty="0" err="1"/>
+              <a:t>signOf</a:t>
+            </a:r>
+            <a:r>
+              <a:rPr lang="en-US" altLang="zh-CN" dirty="0"/>
+              <a:t> ( (v1 x v2).	</a:t>
+            </a:r>
+            <a:r>
+              <a:rPr lang="en-US" altLang="zh-CN" dirty="0" err="1"/>
+              <a:t>vector_rotation</a:t>
+            </a:r>
+            <a:r>
+              <a:rPr lang="en-US" altLang="zh-CN" dirty="0"/>
+              <a:t> )</a:t>
+            </a:r>
+          </a:p>
+          <a:p>
+            <a:pPr lvl="3"/>
+            <a:endParaRPr lang="en-US" altLang="zh-CN" dirty="0"/>
+          </a:p>
+          <a:p>
+            <a:pPr lvl="3"/>
+            <a:r>
+              <a:rPr lang="en-US" altLang="zh-CN" dirty="0"/>
+              <a:t>3. To find Joint velocity, we used method:</a:t>
+            </a:r>
+          </a:p>
+          <a:p>
+            <a:pPr lvl="3"/>
+            <a:r>
+              <a:rPr lang="en-US" altLang="zh-CN" dirty="0"/>
+              <a:t>               a. Joint velocity = current joint angle – </a:t>
+            </a:r>
+          </a:p>
+          <a:p>
+            <a:pPr lvl="3"/>
+            <a:r>
+              <a:rPr lang="en-US" altLang="zh-CN" dirty="0"/>
+              <a:t>                   previous joint angle</a:t>
+            </a:r>
+            <a:r>
+              <a:rPr lang="zh-CN" altLang="zh-CN" dirty="0"/>
+              <a:t> </a:t>
+            </a:r>
+            <a:endParaRPr lang="en-US" altLang="zh-CN" dirty="0"/>
+          </a:p>
+          <a:p>
+            <a:pPr lvl="3"/>
+            <a:endParaRPr lang="en-US" altLang="zh-CN" dirty="0"/>
+          </a:p>
+          <a:p>
+            <a:pPr lvl="3"/>
+            <a:endParaRPr dirty="0"/>
           </a:p>
         </p:txBody>
       </p:sp>
@@ -6061,23 +6304,23 @@
             <a:avLst/>
           </a:prstGeom>
           <a:noFill/>
-          <a:ln cap="flat" cmpd="sng" w="19050">
+          <a:ln w="19050" cap="flat" cmpd="sng">
             <a:solidFill>
               <a:srgbClr val="000000"/>
             </a:solidFill>
             <a:prstDash val="solid"/>
             <a:round/>
-            <a:headEnd len="sm" w="sm" type="none"/>
-            <a:tailEnd len="sm" w="sm" type="none"/>
+            <a:headEnd type="none" w="sm" len="sm"/>
+            <a:tailEnd type="none" w="sm" len="sm"/>
           </a:ln>
         </p:spPr>
         <p:txBody>
-          <a:bodyPr anchorCtr="0" anchor="t" bIns="91425" lIns="91425" spcFirstLastPara="1" rIns="91425" wrap="square" tIns="91425">
+          <a:bodyPr spcFirstLastPara="1" wrap="square" lIns="91425" tIns="91425" rIns="91425" bIns="91425" anchor="t" anchorCtr="0">
             <a:noAutofit/>
           </a:bodyPr>
           <a:lstStyle/>
           <a:p>
-            <a:pPr indent="0" lvl="0" marL="0" rtl="0" algn="l">
+            <a:pPr marL="0" lvl="0" indent="0" algn="l" rtl="0">
               <a:spcBef>
                 <a:spcPts val="0"/>
               </a:spcBef>
@@ -6087,14 +6330,71 @@
               <a:buNone/>
             </a:pPr>
             <a:r>
-              <a:rPr lang="en-GB"/>
-              <a:t>Results</a:t>
-            </a:r>
-            <a:r>
-              <a:rPr lang="en-GB"/>
-              <a:t>:</a:t>
-            </a:r>
-            <a:endParaRPr/>
+              <a:rPr lang="en-GB" dirty="0"/>
+              <a:t>Results:</a:t>
+            </a:r>
+          </a:p>
+          <a:p>
+            <a:pPr lvl="0"/>
+            <a:r>
+              <a:rPr lang="en-GB" dirty="0"/>
+              <a:t>1. </a:t>
+            </a:r>
+            <a:r>
+              <a:rPr lang="en-GB" altLang="zh-CN" dirty="0"/>
+              <a:t>position of joints result:</a:t>
+            </a:r>
+          </a:p>
+          <a:p>
+            <a:pPr lvl="0"/>
+            <a:r>
+              <a:rPr lang="en-GB" dirty="0"/>
+              <a:t>	 Work well in dark environment</a:t>
+            </a:r>
+          </a:p>
+          <a:p>
+            <a:pPr lvl="0"/>
+            <a:r>
+              <a:rPr lang="en-GB" altLang="zh-CN" dirty="0"/>
+              <a:t>2. Joint angles result: (average error)</a:t>
+            </a:r>
+          </a:p>
+          <a:p>
+            <a:pPr lvl="2"/>
+            <a:r>
+              <a:rPr lang="en-GB" altLang="zh-CN" dirty="0"/>
+              <a:t>	[0.023,0.027,0.026,0.014] </a:t>
+            </a:r>
+          </a:p>
+          <a:p>
+            <a:pPr lvl="2"/>
+            <a:r>
+              <a:rPr lang="en-GB" altLang="zh-CN" dirty="0"/>
+              <a:t>3. Joint velocity result: (average error):</a:t>
+            </a:r>
+          </a:p>
+          <a:p>
+            <a:pPr lvl="2"/>
+            <a:r>
+              <a:rPr lang="en-GB" altLang="zh-CN" dirty="0"/>
+              <a:t>	[0.727, 0.902, 1.24]</a:t>
+            </a:r>
+          </a:p>
+          <a:p>
+            <a:pPr lvl="2"/>
+            <a:endParaRPr lang="en-GB" altLang="zh-CN" dirty="0"/>
+          </a:p>
+          <a:p>
+            <a:pPr lvl="2"/>
+            <a:endParaRPr lang="en-GB" altLang="zh-CN" dirty="0"/>
+          </a:p>
+          <a:p>
+            <a:pPr lvl="0"/>
+            <a:r>
+              <a:rPr lang="en-GB" altLang="zh-CN" dirty="0"/>
+              <a:t>	</a:t>
+            </a:r>
+            <a:endParaRPr dirty="0"/>
           </a:p>
         </p:txBody>
       </p:sp>
@@ -6107,11 +6407,11 @@
 </file>
 
 <file path=ppt/slides/slide3.xml><?xml version="1.0" encoding="utf-8"?>
-<p:sld xmlns:a="http://schemas.openxmlformats.org/drawingml/2006/main" xmlns:r="http://schemas.openxmlformats.org/officeDocument/2006/relationships" xmlns:mc="http://schemas.openxmlformats.org/markup-compatibility/2006" xmlns:mv="urn:schemas-microsoft-com:mac:vml" xmlns:p="http://schemas.openxmlformats.org/presentationml/2006/main" xmlns:c="http://schemas.openxmlformats.org/drawingml/2006/chart" xmlns:dgm="http://schemas.openxmlformats.org/drawingml/2006/diagram" xmlns:o="urn:schemas-microsoft-com:office:office" xmlns:v="urn:schemas-microsoft-com:vml" xmlns:pvml="urn:schemas-microsoft-com:office:powerpoint" xmlns:com="http://schemas.openxmlformats.org/drawingml/2006/compatibility" xmlns:p14="http://schemas.microsoft.com/office/powerpoint/2010/main" xmlns:p15="http://schemas.microsoft.com/office/powerpoint/2012/main">
+<p:sld xmlns:a="http://schemas.openxmlformats.org/drawingml/2006/main" xmlns:r="http://schemas.openxmlformats.org/officeDocument/2006/relationships" xmlns:p="http://schemas.openxmlformats.org/presentationml/2006/main">
   <p:cSld>
     <p:spTree>
       <p:nvGrpSpPr>
-        <p:cNvPr id="65" name="Shape 65"/>
+        <p:cNvPr id="1" name="Shape 65"/>
         <p:cNvGrpSpPr/>
         <p:nvPr/>
       </p:nvGrpSpPr>
@@ -6123,17 +6423,79 @@
           <a:chExt cx="0" cy="0"/>
         </a:xfrm>
       </p:grpSpPr>
+      <p:pic>
+        <p:nvPicPr>
+          <p:cNvPr id="9" name="图片 8">
+            <a:extLst>
+              <a:ext uri="{FF2B5EF4-FFF2-40B4-BE49-F238E27FC236}">
+                <a16:creationId xmlns:a16="http://schemas.microsoft.com/office/drawing/2014/main" id="{69A972A0-AF38-3C42-9E8A-5BCA8D764F0D}"/>
+              </a:ext>
+            </a:extLst>
+          </p:cNvPr>
+          <p:cNvPicPr>
+            <a:picLocks noChangeAspect="1"/>
+          </p:cNvPicPr>
+          <p:nvPr/>
+        </p:nvPicPr>
+        <p:blipFill>
+          <a:blip r:embed="rId3"/>
+          <a:stretch>
+            <a:fillRect/>
+          </a:stretch>
+        </p:blipFill>
+        <p:spPr>
+          <a:xfrm>
+            <a:off x="4554025" y="4171676"/>
+            <a:ext cx="767736" cy="739599"/>
+          </a:xfrm>
+          <a:prstGeom prst="rect">
+            <a:avLst/>
+          </a:prstGeom>
+        </p:spPr>
+      </p:pic>
+      <p:pic>
+        <p:nvPicPr>
+          <p:cNvPr id="11" name="图片 10">
+            <a:extLst>
+              <a:ext uri="{FF2B5EF4-FFF2-40B4-BE49-F238E27FC236}">
+                <a16:creationId xmlns:a16="http://schemas.microsoft.com/office/drawing/2014/main" id="{33D212E1-A19E-4B4E-B935-DE91CC9FDBCA}"/>
+              </a:ext>
+            </a:extLst>
+          </p:cNvPr>
+          <p:cNvPicPr>
+            <a:picLocks noChangeAspect="1"/>
+          </p:cNvPicPr>
+          <p:nvPr/>
+        </p:nvPicPr>
+        <p:blipFill>
+          <a:blip r:embed="rId4"/>
+          <a:stretch>
+            <a:fillRect/>
+          </a:stretch>
+        </p:blipFill>
+        <p:spPr>
+          <a:xfrm>
+            <a:off x="5292052" y="4171676"/>
+            <a:ext cx="729941" cy="677385"/>
+          </a:xfrm>
+          <a:prstGeom prst="rect">
+            <a:avLst/>
+          </a:prstGeom>
+        </p:spPr>
+      </p:pic>
       <p:sp>
         <p:nvSpPr>
           <p:cNvPr id="66" name="Google Shape;66;p15"/>
-          <p:cNvSpPr txBox="1"/>
+          <p:cNvSpPr txBox="1">
+            <a:spLocks noGrp="1"/>
+          </p:cNvSpPr>
           <p:nvPr>
             <p:ph type="title"/>
           </p:nvPr>
         </p:nvSpPr>
         <p:spPr>
           <a:xfrm>
-            <a:off x="311700" y="445025"/>
+            <a:off x="293725" y="153363"/>
             <a:ext cx="8520600" cy="572700"/>
           </a:xfrm>
           <a:prstGeom prst="rect">
@@ -6141,12 +6503,12 @@
           </a:prstGeom>
         </p:spPr>
         <p:txBody>
-          <a:bodyPr anchorCtr="0" anchor="t" bIns="91425" lIns="91425" spcFirstLastPara="1" rIns="91425" wrap="square" tIns="91425">
+          <a:bodyPr spcFirstLastPara="1" wrap="square" lIns="91425" tIns="91425" rIns="91425" bIns="91425" anchor="t" anchorCtr="0">
             <a:noAutofit/>
           </a:bodyPr>
           <a:lstStyle/>
           <a:p>
-            <a:pPr indent="0" lvl="0" marL="0" rtl="0" algn="ctr">
+            <a:pPr marL="0" lvl="0" indent="0" algn="ctr" rtl="0">
               <a:spcBef>
                 <a:spcPts val="0"/>
               </a:spcBef>
@@ -6156,10 +6518,10 @@
               <a:buNone/>
             </a:pPr>
             <a:r>
-              <a:rPr lang="en-GB"/>
+              <a:rPr lang="en-GB" dirty="0"/>
               <a:t>A - Robot Vision - Target Identification/Detection</a:t>
             </a:r>
-            <a:endParaRPr/>
+            <a:endParaRPr dirty="0"/>
           </a:p>
         </p:txBody>
       </p:sp>
@@ -6171,30 +6533,30 @@
         </p:nvSpPr>
         <p:spPr>
           <a:xfrm>
-            <a:off x="293725" y="1154375"/>
-            <a:ext cx="4057500" cy="3756900"/>
+            <a:off x="293725" y="796159"/>
+            <a:ext cx="4057500" cy="4115116"/>
           </a:xfrm>
           <a:prstGeom prst="rect">
             <a:avLst/>
           </a:prstGeom>
           <a:noFill/>
-          <a:ln cap="flat" cmpd="sng" w="19050">
+          <a:ln w="19050" cap="flat" cmpd="sng">
             <a:solidFill>
               <a:srgbClr val="000000"/>
             </a:solidFill>
             <a:prstDash val="solid"/>
             <a:round/>
-            <a:headEnd len="sm" w="sm" type="none"/>
-            <a:tailEnd len="sm" w="sm" type="none"/>
+            <a:headEnd type="none" w="sm" len="sm"/>
+            <a:tailEnd type="none" w="sm" len="sm"/>
           </a:ln>
         </p:spPr>
         <p:txBody>
-          <a:bodyPr anchorCtr="0" anchor="t" bIns="91425" lIns="91425" spcFirstLastPara="1" rIns="91425" wrap="square" tIns="91425">
+          <a:bodyPr spcFirstLastPara="1" wrap="square" lIns="91425" tIns="91425" rIns="91425" bIns="91425" anchor="t" anchorCtr="0">
             <a:noAutofit/>
           </a:bodyPr>
           <a:lstStyle/>
           <a:p>
-            <a:pPr indent="0" lvl="0" marL="0" rtl="0" algn="l">
+            <a:pPr marL="0" lvl="0" indent="0" algn="l" rtl="0">
               <a:spcBef>
                 <a:spcPts val="0"/>
               </a:spcBef>
@@ -6204,10 +6566,193 @@
               <a:buNone/>
             </a:pPr>
             <a:r>
-              <a:rPr lang="en-GB"/>
+              <a:rPr lang="en-GB" dirty="0"/>
               <a:t>Method:</a:t>
             </a:r>
-            <a:endParaRPr/>
+          </a:p>
+          <a:p>
+            <a:pPr marL="342900" lvl="0" indent="-342900">
+              <a:buAutoNum type="arabicPeriod"/>
+            </a:pPr>
+            <a:r>
+              <a:rPr lang="en-GB" altLang="zh-CN" dirty="0"/>
+              <a:t>To find position of joints, we used method:</a:t>
+            </a:r>
+          </a:p>
+          <a:p>
+            <a:pPr lvl="3"/>
+            <a:r>
+              <a:rPr lang="en-US" altLang="zh-CN" dirty="0"/>
+              <a:t>               a. Convert RGB graph to HSV</a:t>
+            </a:r>
+          </a:p>
+          <a:p>
+            <a:pPr lvl="3"/>
+            <a:r>
+              <a:rPr lang="en-US" altLang="zh-CN" dirty="0"/>
+              <a:t>               b. Detect joint with range of h and s and           </a:t>
+            </a:r>
+          </a:p>
+          <a:p>
+            <a:pPr lvl="3"/>
+            <a:r>
+              <a:rPr lang="en-US" altLang="zh-CN" dirty="0"/>
+              <a:t>                    peak value of v</a:t>
+            </a:r>
+            <a:r>
+              <a:rPr lang="zh-CN" altLang="zh-CN" dirty="0"/>
+              <a:t> </a:t>
+            </a:r>
+            <a:endParaRPr lang="en-US" altLang="zh-CN" dirty="0"/>
+          </a:p>
+          <a:p>
+            <a:pPr marL="342900" lvl="0" indent="-342900" algn="l" rtl="0">
+              <a:spcBef>
+                <a:spcPts val="0"/>
+              </a:spcBef>
+              <a:spcAft>
+                <a:spcPts val="0"/>
+              </a:spcAft>
+              <a:buAutoNum type="arabicPeriod" startAt="2"/>
+            </a:pPr>
+            <a:r>
+              <a:rPr lang="en-GB" dirty="0"/>
+              <a:t>To Detect target we used two methods: </a:t>
+            </a:r>
+          </a:p>
+          <a:p>
+            <a:r>
+              <a:rPr lang="en-GB" sz="1000" dirty="0"/>
+              <a:t>           </a:t>
+            </a:r>
+            <a:r>
+              <a:rPr lang="en-GB" sz="1200" dirty="0"/>
+              <a:t>a. extract targets from </a:t>
+            </a:r>
+            <a:r>
+              <a:rPr lang="en-GB" sz="1200" dirty="0" err="1"/>
+              <a:t>xy</a:t>
+            </a:r>
+            <a:r>
+              <a:rPr lang="en-GB" sz="1200" dirty="0"/>
+              <a:t>-image and </a:t>
+            </a:r>
+            <a:r>
+              <a:rPr lang="en-GB" sz="1200" dirty="0" err="1"/>
+              <a:t>xz</a:t>
+            </a:r>
+            <a:r>
+              <a:rPr lang="en-GB" sz="1200" dirty="0"/>
+              <a:t>-image</a:t>
+            </a:r>
+          </a:p>
+          <a:p>
+            <a:r>
+              <a:rPr lang="en-GB" sz="1200" dirty="0"/>
+              <a:t>         b. use cv2.findContours in </a:t>
+            </a:r>
+            <a:r>
+              <a:rPr lang="en-GB" sz="1200" dirty="0" err="1"/>
+              <a:t>OpenCV</a:t>
+            </a:r>
+            <a:r>
+              <a:rPr lang="en-GB" sz="1200" dirty="0"/>
+              <a:t> to find the edge           	of the target</a:t>
+            </a:r>
+          </a:p>
+          <a:p>
+            <a:r>
+              <a:rPr lang="en-GB" sz="1200" dirty="0"/>
+              <a:t>         c. we used two method to </a:t>
+            </a:r>
+            <a:r>
+              <a:rPr lang="en-US" altLang="zh-Hans" sz="1200" dirty="0"/>
+              <a:t>distinguish between valid 	and invalid target:</a:t>
+            </a:r>
+            <a:endParaRPr lang="en-GB" sz="1200" dirty="0"/>
+          </a:p>
+          <a:p>
+            <a:pPr marL="0" lvl="0" indent="0" algn="l" rtl="0">
+              <a:spcBef>
+                <a:spcPts val="0"/>
+              </a:spcBef>
+              <a:spcAft>
+                <a:spcPts val="0"/>
+              </a:spcAft>
+              <a:buNone/>
+            </a:pPr>
+            <a:r>
+              <a:rPr lang="en-GB" sz="1200" dirty="0"/>
+              <a:t>              	</a:t>
+            </a:r>
+            <a:r>
+              <a:rPr lang="en-GB" sz="1200" i="1" dirty="0"/>
+              <a:t>      A. SVM classifier</a:t>
+            </a:r>
+          </a:p>
+          <a:p>
+            <a:pPr marL="0" lvl="0" indent="0" algn="l" rtl="0">
+              <a:spcBef>
+                <a:spcPts val="0"/>
+              </a:spcBef>
+              <a:spcAft>
+                <a:spcPts val="0"/>
+              </a:spcAft>
+              <a:buNone/>
+            </a:pPr>
+            <a:r>
+              <a:rPr lang="en-GB" sz="1200" dirty="0"/>
+              <a:t>	1.We constructed a SVM classifier and train 	it by adding train pictures.</a:t>
+            </a:r>
+          </a:p>
+          <a:p>
+            <a:pPr marL="0" lvl="0" indent="0" algn="l" rtl="0">
+              <a:spcBef>
+                <a:spcPts val="0"/>
+              </a:spcBef>
+              <a:spcAft>
+                <a:spcPts val="0"/>
+              </a:spcAft>
+              <a:buNone/>
+            </a:pPr>
+            <a:r>
+              <a:rPr lang="en-GB" sz="1200" dirty="0"/>
+              <a:t>	2. Classify the extracted target by the 	trained SVM classifier</a:t>
+            </a:r>
+          </a:p>
+          <a:p>
+            <a:pPr marL="0" lvl="0" indent="0" algn="l" rtl="0">
+              <a:spcBef>
+                <a:spcPts val="0"/>
+              </a:spcBef>
+              <a:spcAft>
+                <a:spcPts val="0"/>
+              </a:spcAft>
+              <a:buNone/>
+            </a:pPr>
+            <a:r>
+              <a:rPr lang="en-GB" sz="1200" dirty="0"/>
+              <a:t>	</a:t>
+            </a:r>
+            <a:r>
+              <a:rPr lang="en-GB" sz="1200" i="1" dirty="0"/>
+              <a:t>      B. by pixel</a:t>
+            </a:r>
+          </a:p>
+          <a:p>
+            <a:pPr marL="0" lvl="0" indent="0" algn="l" rtl="0">
+              <a:spcBef>
+                <a:spcPts val="0"/>
+              </a:spcBef>
+              <a:spcAft>
+                <a:spcPts val="0"/>
+              </a:spcAft>
+              <a:buNone/>
+            </a:pPr>
+            <a:r>
+              <a:rPr lang="en-GB" sz="1200" dirty="0"/>
+              <a:t>	1. By extract the features of target (here we 	extract difference between white and black)</a:t>
+            </a:r>
           </a:p>
         </p:txBody>
       </p:sp>
@@ -6219,30 +6764,30 @@
         </p:nvSpPr>
         <p:spPr>
           <a:xfrm>
-            <a:off x="4626500" y="1154375"/>
-            <a:ext cx="4057500" cy="3756900"/>
+            <a:off x="4554025" y="788277"/>
+            <a:ext cx="4057500" cy="4115116"/>
           </a:xfrm>
           <a:prstGeom prst="rect">
             <a:avLst/>
           </a:prstGeom>
           <a:noFill/>
-          <a:ln cap="flat" cmpd="sng" w="19050">
+          <a:ln w="19050" cap="flat" cmpd="sng">
             <a:solidFill>
               <a:srgbClr val="000000"/>
             </a:solidFill>
             <a:prstDash val="solid"/>
             <a:round/>
-            <a:headEnd len="sm" w="sm" type="none"/>
-            <a:tailEnd len="sm" w="sm" type="none"/>
+            <a:headEnd type="none" w="sm" len="sm"/>
+            <a:tailEnd type="none" w="sm" len="sm"/>
           </a:ln>
         </p:spPr>
         <p:txBody>
-          <a:bodyPr anchorCtr="0" anchor="t" bIns="91425" lIns="91425" spcFirstLastPara="1" rIns="91425" wrap="square" tIns="91425">
+          <a:bodyPr spcFirstLastPara="1" wrap="square" lIns="91425" tIns="91425" rIns="91425" bIns="91425" anchor="t" anchorCtr="0">
             <a:noAutofit/>
           </a:bodyPr>
           <a:lstStyle/>
           <a:p>
-            <a:pPr indent="0" lvl="0" marL="0" rtl="0" algn="l">
+            <a:pPr marL="0" lvl="0" indent="0" algn="l" rtl="0">
               <a:spcBef>
                 <a:spcPts val="0"/>
               </a:spcBef>
@@ -6252,13 +6797,218 @@
               <a:buNone/>
             </a:pPr>
             <a:r>
-              <a:rPr lang="en-GB"/>
+              <a:rPr lang="en-GB" dirty="0"/>
               <a:t>Results:</a:t>
             </a:r>
-            <a:endParaRPr/>
+          </a:p>
+          <a:p>
+            <a:pPr lvl="0" algn="l" rtl="0">
+              <a:spcBef>
+                <a:spcPts val="0"/>
+              </a:spcBef>
+              <a:spcAft>
+                <a:spcPts val="0"/>
+              </a:spcAft>
+            </a:pPr>
+            <a:r>
+              <a:rPr lang="en-GB" altLang="zh-CN" dirty="0"/>
+              <a:t>1. Accuracy of position of joints:</a:t>
+            </a:r>
+          </a:p>
+          <a:p>
+            <a:pPr marL="342900" lvl="0" indent="-342900" algn="l" rtl="0">
+              <a:spcBef>
+                <a:spcPts val="0"/>
+              </a:spcBef>
+              <a:spcAft>
+                <a:spcPts val="0"/>
+              </a:spcAft>
+              <a:buAutoNum type="arabicPeriod"/>
+            </a:pPr>
+            <a:endParaRPr lang="en-GB" altLang="zh-CN" dirty="0"/>
+          </a:p>
+          <a:p>
+            <a:pPr marL="342900" lvl="0" indent="-342900" algn="l" rtl="0">
+              <a:spcBef>
+                <a:spcPts val="0"/>
+              </a:spcBef>
+              <a:spcAft>
+                <a:spcPts val="0"/>
+              </a:spcAft>
+              <a:buAutoNum type="arabicPeriod"/>
+            </a:pPr>
+            <a:endParaRPr lang="en-GB" altLang="zh-CN" dirty="0"/>
+          </a:p>
+          <a:p>
+            <a:pPr marL="342900" lvl="0" indent="-342900" algn="l" rtl="0">
+              <a:spcBef>
+                <a:spcPts val="0"/>
+              </a:spcBef>
+              <a:spcAft>
+                <a:spcPts val="0"/>
+              </a:spcAft>
+              <a:buAutoNum type="arabicPeriod"/>
+            </a:pPr>
+            <a:endParaRPr lang="en-GB" altLang="zh-CN" dirty="0"/>
+          </a:p>
+          <a:p>
+            <a:pPr marL="342900" lvl="0" indent="-342900" algn="l" rtl="0">
+              <a:spcBef>
+                <a:spcPts val="0"/>
+              </a:spcBef>
+              <a:spcAft>
+                <a:spcPts val="0"/>
+              </a:spcAft>
+              <a:buAutoNum type="arabicPeriod"/>
+            </a:pPr>
+            <a:endParaRPr lang="en-GB" altLang="zh-CN" dirty="0"/>
+          </a:p>
+          <a:p>
+            <a:pPr marL="342900" lvl="0" indent="-342900" algn="l" rtl="0">
+              <a:spcBef>
+                <a:spcPts val="0"/>
+              </a:spcBef>
+              <a:spcAft>
+                <a:spcPts val="0"/>
+              </a:spcAft>
+              <a:buAutoNum type="arabicPeriod"/>
+            </a:pPr>
+            <a:endParaRPr lang="en-GB" altLang="zh-CN" dirty="0"/>
+          </a:p>
+          <a:p>
+            <a:pPr marL="342900" lvl="0" indent="-342900" algn="l" rtl="0">
+              <a:spcBef>
+                <a:spcPts val="0"/>
+              </a:spcBef>
+              <a:spcAft>
+                <a:spcPts val="0"/>
+              </a:spcAft>
+              <a:buAutoNum type="arabicPeriod"/>
+            </a:pPr>
+            <a:endParaRPr lang="en-GB" altLang="zh-CN" dirty="0"/>
+          </a:p>
+          <a:p>
+            <a:pPr lvl="0" algn="l" rtl="0">
+              <a:spcBef>
+                <a:spcPts val="0"/>
+              </a:spcBef>
+              <a:spcAft>
+                <a:spcPts val="0"/>
+              </a:spcAft>
+            </a:pPr>
+            <a:endParaRPr lang="en-GB" altLang="zh-CN" dirty="0"/>
+          </a:p>
+          <a:p>
+            <a:pPr marL="342900" lvl="2" indent="-342900">
+              <a:buAutoNum type="arabicPeriod" startAt="2"/>
+            </a:pPr>
+            <a:r>
+              <a:rPr lang="en-GB" sz="1200" dirty="0"/>
+              <a:t>a. Accuracy of SVM classifier:</a:t>
+            </a:r>
+          </a:p>
+          <a:p>
+            <a:pPr lvl="2"/>
+            <a:r>
+              <a:rPr lang="en-GB" sz="1050" dirty="0"/>
+              <a:t>	1. The accuracy of SVM classifier is very low 	(56.4%) compare the other method, and to train 	the data, the whole process is very slow at same 	time. </a:t>
+            </a:r>
+          </a:p>
+          <a:p>
+            <a:pPr lvl="2"/>
+            <a:r>
+              <a:rPr lang="en-GB" sz="1050" dirty="0"/>
+              <a:t>	2. The</a:t>
+            </a:r>
+          </a:p>
+          <a:p>
+            <a:pPr lvl="2"/>
+            <a:r>
+              <a:rPr lang="en-GB" sz="1200" dirty="0"/>
+              <a:t>          b. Accuracy of  detect by pixels</a:t>
+            </a:r>
+          </a:p>
+          <a:p>
+            <a:pPr lvl="6"/>
+            <a:r>
+              <a:rPr lang="en-US" altLang="zh-CN" dirty="0"/>
+              <a:t>	</a:t>
+            </a:r>
+            <a:r>
+              <a:rPr lang="en-US" altLang="zh-CN" sz="1050" dirty="0"/>
+              <a:t>The accuracy of this method is way more higher 	             (about 100%) at this task, however if 			the target  change, it will be very</a:t>
+            </a:r>
+          </a:p>
+          <a:p>
+            <a:pPr lvl="6"/>
+            <a:r>
+              <a:rPr lang="en-US" altLang="zh-CN" sz="1050" dirty="0"/>
+              <a:t>		hard to detect.</a:t>
+            </a:r>
+            <a:endParaRPr sz="1050" dirty="0"/>
           </a:p>
         </p:txBody>
       </p:sp>
+      <p:pic>
+        <p:nvPicPr>
+          <p:cNvPr id="5" name="图片 4">
+            <a:extLst>
+              <a:ext uri="{FF2B5EF4-FFF2-40B4-BE49-F238E27FC236}">
+                <a16:creationId xmlns:a16="http://schemas.microsoft.com/office/drawing/2014/main" id="{3B739F77-7AA7-2440-9AB6-801F86927BDD}"/>
+              </a:ext>
+            </a:extLst>
+          </p:cNvPr>
+          <p:cNvPicPr>
+            <a:picLocks noChangeAspect="1"/>
+          </p:cNvPicPr>
+          <p:nvPr/>
+        </p:nvPicPr>
+        <p:blipFill>
+          <a:blip r:embed="rId5"/>
+          <a:stretch>
+            <a:fillRect/>
+          </a:stretch>
+        </p:blipFill>
+        <p:spPr>
+          <a:xfrm>
+            <a:off x="6061331" y="1359488"/>
+            <a:ext cx="1271316" cy="1271316"/>
+          </a:xfrm>
+          <a:prstGeom prst="rect">
+            <a:avLst/>
+          </a:prstGeom>
+        </p:spPr>
+      </p:pic>
+      <p:pic>
+        <p:nvPicPr>
+          <p:cNvPr id="7" name="图片 6">
+            <a:extLst>
+              <a:ext uri="{FF2B5EF4-FFF2-40B4-BE49-F238E27FC236}">
+                <a16:creationId xmlns:a16="http://schemas.microsoft.com/office/drawing/2014/main" id="{B2B291C2-31E1-BD41-A3FB-D6C149D37FDB}"/>
+              </a:ext>
+            </a:extLst>
+          </p:cNvPr>
+          <p:cNvPicPr>
+            <a:picLocks noChangeAspect="1"/>
+          </p:cNvPicPr>
+          <p:nvPr/>
+        </p:nvPicPr>
+        <p:blipFill>
+          <a:blip r:embed="rId6"/>
+          <a:stretch>
+            <a:fillRect/>
+          </a:stretch>
+        </p:blipFill>
+        <p:spPr>
+          <a:xfrm>
+            <a:off x="4709978" y="1359488"/>
+            <a:ext cx="1271316" cy="1271316"/>
+          </a:xfrm>
+          <a:prstGeom prst="rect">
+            <a:avLst/>
+          </a:prstGeom>
+        </p:spPr>
+      </p:pic>
     </p:spTree>
   </p:cSld>
   <p:clrMapOvr>
@@ -6268,11 +7018,11 @@
 </file>
 
 <file path=ppt/slides/slide4.xml><?xml version="1.0" encoding="utf-8"?>
-<p:sld xmlns:a="http://schemas.openxmlformats.org/drawingml/2006/main" xmlns:r="http://schemas.openxmlformats.org/officeDocument/2006/relationships" xmlns:mc="http://schemas.openxmlformats.org/markup-compatibility/2006" xmlns:mv="urn:schemas-microsoft-com:mac:vml" xmlns:p="http://schemas.openxmlformats.org/presentationml/2006/main" xmlns:c="http://schemas.openxmlformats.org/drawingml/2006/chart" xmlns:dgm="http://schemas.openxmlformats.org/drawingml/2006/diagram" xmlns:o="urn:schemas-microsoft-com:office:office" xmlns:v="urn:schemas-microsoft-com:vml" xmlns:pvml="urn:schemas-microsoft-com:office:powerpoint" xmlns:com="http://schemas.openxmlformats.org/drawingml/2006/compatibility" xmlns:p14="http://schemas.microsoft.com/office/powerpoint/2010/main" xmlns:p15="http://schemas.microsoft.com/office/powerpoint/2012/main">
+<p:sld xmlns:a="http://schemas.openxmlformats.org/drawingml/2006/main" xmlns:r="http://schemas.openxmlformats.org/officeDocument/2006/relationships" xmlns:p="http://schemas.openxmlformats.org/presentationml/2006/main">
   <p:cSld>
     <p:spTree>
       <p:nvGrpSpPr>
-        <p:cNvPr id="72" name="Shape 72"/>
+        <p:cNvPr id="1" name="Shape 72"/>
         <p:cNvGrpSpPr/>
         <p:nvPr/>
       </p:nvGrpSpPr>
@@ -6287,7 +7037,9 @@
       <p:sp>
         <p:nvSpPr>
           <p:cNvPr id="73" name="Google Shape;73;p16"/>
-          <p:cNvSpPr txBox="1"/>
+          <p:cNvSpPr txBox="1">
+            <a:spLocks noGrp="1"/>
+          </p:cNvSpPr>
           <p:nvPr>
             <p:ph type="title"/>
           </p:nvPr>
@@ -6302,12 +7054,12 @@
           </a:prstGeom>
         </p:spPr>
         <p:txBody>
-          <a:bodyPr anchorCtr="0" anchor="t" bIns="91425" lIns="91425" spcFirstLastPara="1" rIns="91425" wrap="square" tIns="91425">
+          <a:bodyPr spcFirstLastPara="1" wrap="square" lIns="91425" tIns="91425" rIns="91425" bIns="91425" anchor="t" anchorCtr="0">
             <a:noAutofit/>
           </a:bodyPr>
           <a:lstStyle/>
           <a:p>
-            <a:pPr indent="0" lvl="0" marL="0" rtl="0" algn="ctr">
+            <a:pPr marL="0" lvl="0" indent="0" algn="ctr" rtl="0">
               <a:spcBef>
                 <a:spcPts val="0"/>
               </a:spcBef>
@@ -6318,11 +7070,7 @@
             </a:pPr>
             <a:r>
               <a:rPr lang="en-GB"/>
-              <a:t>B</a:t>
-            </a:r>
-            <a:r>
-              <a:rPr lang="en-GB"/>
-              <a:t> - Robot Control - Inverse Kinematics Velocity Control</a:t>
+              <a:t>B - Robot Control - Inverse Kinematics Velocity Control</a:t>
             </a:r>
             <a:endParaRPr/>
           </a:p>
@@ -6336,30 +7084,30 @@
         </p:nvSpPr>
         <p:spPr>
           <a:xfrm>
-            <a:off x="423500" y="1646200"/>
-            <a:ext cx="8260500" cy="3265200"/>
+            <a:off x="423500" y="1339702"/>
+            <a:ext cx="8260500" cy="3571698"/>
           </a:xfrm>
           <a:prstGeom prst="rect">
             <a:avLst/>
           </a:prstGeom>
           <a:noFill/>
-          <a:ln cap="flat" cmpd="sng" w="19050">
+          <a:ln w="19050" cap="flat" cmpd="sng">
             <a:solidFill>
               <a:srgbClr val="000000"/>
             </a:solidFill>
             <a:prstDash val="solid"/>
             <a:round/>
-            <a:headEnd len="sm" w="sm" type="none"/>
-            <a:tailEnd len="sm" w="sm" type="none"/>
+            <a:headEnd type="none" w="sm" len="sm"/>
+            <a:tailEnd type="none" w="sm" len="sm"/>
           </a:ln>
         </p:spPr>
         <p:txBody>
-          <a:bodyPr anchorCtr="0" anchor="t" bIns="91425" lIns="91425" spcFirstLastPara="1" rIns="91425" wrap="square" tIns="91425">
+          <a:bodyPr spcFirstLastPara="1" wrap="square" lIns="91425" tIns="91425" rIns="91425" bIns="91425" anchor="t" anchorCtr="0">
             <a:noAutofit/>
           </a:bodyPr>
           <a:lstStyle/>
           <a:p>
-            <a:pPr indent="0" lvl="0" marL="0" rtl="0" algn="l">
+            <a:pPr marL="0" lvl="0" indent="0" algn="l" rtl="0">
               <a:spcBef>
                 <a:spcPts val="0"/>
               </a:spcBef>
@@ -6369,10 +7117,92 @@
               <a:buNone/>
             </a:pPr>
             <a:r>
-              <a:rPr lang="en-GB"/>
-              <a:t>Experiments/results</a:t>
-            </a:r>
-            <a:endParaRPr/>
+              <a:rPr lang="en-GB" b="1" dirty="0"/>
+              <a:t>Experiments/results:</a:t>
+            </a:r>
+          </a:p>
+          <a:p>
+            <a:r>
+              <a:rPr lang="en-US" altLang="zh-CN" b="1" dirty="0"/>
+              <a:t>Velocity control:</a:t>
+            </a:r>
+          </a:p>
+          <a:p>
+            <a:r>
+              <a:rPr lang="en-US" altLang="zh-CN" dirty="0"/>
+              <a:t>      a. Jacobian:</a:t>
+            </a:r>
+          </a:p>
+          <a:p>
+            <a:r>
+              <a:rPr lang="en-US" altLang="zh-CN" dirty="0"/>
+              <a:t>	Since the axis of rotation in each joint change in 3D dimension, to calculate the Jacobian in 	geometrically, we should calculate the rotation axis for each joint by doing: </a:t>
+            </a:r>
+          </a:p>
+          <a:p>
+            <a:r>
+              <a:rPr lang="en-US" altLang="zh-CN" dirty="0"/>
+              <a:t>		We begin with the joint close to the base and apply rotation matrix about 		current joint to the rest of rotation axis. </a:t>
+            </a:r>
+          </a:p>
+          <a:p>
+            <a:r>
+              <a:rPr lang="en-US" altLang="zh-CN" dirty="0"/>
+              <a:t>		Since the rotation axis could be neither x, y or z, we should apply Rodrigues’ 		rotation formula		</a:t>
+            </a:r>
+          </a:p>
+          <a:p>
+            <a:r>
+              <a:rPr lang="en-US" altLang="zh-CN" dirty="0"/>
+              <a:t>      b. Inverse kinematics:</a:t>
+            </a:r>
+          </a:p>
+          <a:p>
+            <a:r>
+              <a:rPr lang="en-US" altLang="zh-CN" dirty="0"/>
+              <a:t>	1. Calculate current position and error in position in task space</a:t>
+            </a:r>
+          </a:p>
+          <a:p>
+            <a:r>
+              <a:rPr lang="en-US" altLang="zh-CN" dirty="0"/>
+              <a:t>	2. Calculate Jacobian:</a:t>
+            </a:r>
+          </a:p>
+          <a:p>
+            <a:r>
+              <a:rPr lang="en-US" altLang="zh-CN" dirty="0"/>
+              <a:t>		a. If the Jacobian is low rank then use the transpose</a:t>
+            </a:r>
+          </a:p>
+          <a:p>
+            <a:r>
+              <a:rPr lang="en-US" altLang="zh-CN" dirty="0"/>
+              <a:t>		b. Otherwise use pseudo-inverse</a:t>
+            </a:r>
+          </a:p>
+          <a:p>
+            <a:r>
+              <a:rPr lang="en-US" altLang="zh-CN" dirty="0"/>
+              <a:t>	3. Apply inverted Jacobian on the position error in task space to get </a:t>
+            </a:r>
+            <a:r>
+              <a:rPr lang="en-US" altLang="zh-CN" dirty="0" err="1"/>
+              <a:t>qdot</a:t>
+            </a:r>
+            <a:endParaRPr lang="zh-CN" altLang="zh-CN" dirty="0"/>
+          </a:p>
+          <a:p>
+            <a:pPr marL="0" lvl="0" indent="0" algn="l" rtl="0">
+              <a:spcBef>
+                <a:spcPts val="0"/>
+              </a:spcBef>
+              <a:spcAft>
+                <a:spcPts val="0"/>
+              </a:spcAft>
+              <a:buNone/>
+            </a:pPr>
+            <a:endParaRPr dirty="0"/>
           </a:p>
         </p:txBody>
       </p:sp>
@@ -6385,11 +7215,11 @@
 </file>
 
 <file path=ppt/slides/slide5.xml><?xml version="1.0" encoding="utf-8"?>
-<p:sld xmlns:a="http://schemas.openxmlformats.org/drawingml/2006/main" xmlns:r="http://schemas.openxmlformats.org/officeDocument/2006/relationships" xmlns:mc="http://schemas.openxmlformats.org/markup-compatibility/2006" xmlns:mv="urn:schemas-microsoft-com:mac:vml" xmlns:p="http://schemas.openxmlformats.org/presentationml/2006/main" xmlns:c="http://schemas.openxmlformats.org/drawingml/2006/chart" xmlns:dgm="http://schemas.openxmlformats.org/drawingml/2006/diagram" xmlns:o="urn:schemas-microsoft-com:office:office" xmlns:v="urn:schemas-microsoft-com:vml" xmlns:pvml="urn:schemas-microsoft-com:office:powerpoint" xmlns:com="http://schemas.openxmlformats.org/drawingml/2006/compatibility" xmlns:p14="http://schemas.microsoft.com/office/powerpoint/2010/main" xmlns:p15="http://schemas.microsoft.com/office/powerpoint/2012/main">
+<p:sld xmlns:a="http://schemas.openxmlformats.org/drawingml/2006/main" xmlns:r="http://schemas.openxmlformats.org/officeDocument/2006/relationships" xmlns:p="http://schemas.openxmlformats.org/presentationml/2006/main">
   <p:cSld>
     <p:spTree>
       <p:nvGrpSpPr>
-        <p:cNvPr id="78" name="Shape 78"/>
+        <p:cNvPr id="1" name="Shape 78"/>
         <p:cNvGrpSpPr/>
         <p:nvPr/>
       </p:nvGrpSpPr>
@@ -6404,7 +7234,243 @@
       <p:sp>
         <p:nvSpPr>
           <p:cNvPr id="79" name="Google Shape;79;p17"/>
+          <p:cNvSpPr txBox="1">
+            <a:spLocks noGrp="1"/>
+          </p:cNvSpPr>
+          <p:nvPr>
+            <p:ph type="title"/>
+          </p:nvPr>
+        </p:nvSpPr>
+        <p:spPr>
+          <a:xfrm>
+            <a:off x="1129686" y="66653"/>
+            <a:ext cx="6805800" cy="572700"/>
+          </a:xfrm>
+          <a:prstGeom prst="rect">
+            <a:avLst/>
+          </a:prstGeom>
+        </p:spPr>
+        <p:txBody>
+          <a:bodyPr spcFirstLastPara="1" wrap="square" lIns="91425" tIns="91425" rIns="91425" bIns="91425" anchor="t" anchorCtr="0">
+            <a:noAutofit/>
+          </a:bodyPr>
+          <a:lstStyle/>
+          <a:p>
+            <a:pPr marL="0" lvl="0" indent="0" algn="ctr" rtl="0">
+              <a:spcBef>
+                <a:spcPts val="0"/>
+              </a:spcBef>
+              <a:spcAft>
+                <a:spcPts val="0"/>
+              </a:spcAft>
+              <a:buNone/>
+            </a:pPr>
+            <a:r>
+              <a:rPr lang="en-GB" dirty="0"/>
+              <a:t>B - Robot Control - Gravity Compensated Torque Control</a:t>
+            </a:r>
+            <a:endParaRPr dirty="0"/>
+          </a:p>
+        </p:txBody>
+      </p:sp>
+      <p:sp>
+        <p:nvSpPr>
+          <p:cNvPr id="80" name="Google Shape;80;p17"/>
           <p:cNvSpPr txBox="1"/>
+          <p:nvPr/>
+        </p:nvSpPr>
+        <p:spPr>
+          <a:xfrm>
+            <a:off x="425668" y="1016875"/>
+            <a:ext cx="3854669" cy="4067503"/>
+          </a:xfrm>
+          <a:prstGeom prst="rect">
+            <a:avLst/>
+          </a:prstGeom>
+          <a:noFill/>
+          <a:ln w="19050" cap="flat" cmpd="sng">
+            <a:solidFill>
+              <a:srgbClr val="000000"/>
+            </a:solidFill>
+            <a:prstDash val="solid"/>
+            <a:round/>
+            <a:headEnd type="none" w="sm" len="sm"/>
+            <a:tailEnd type="none" w="sm" len="sm"/>
+          </a:ln>
+        </p:spPr>
+        <p:txBody>
+          <a:bodyPr spcFirstLastPara="1" wrap="square" lIns="91425" tIns="91425" rIns="91425" bIns="91425" anchor="t" anchorCtr="0">
+            <a:noAutofit/>
+          </a:bodyPr>
+          <a:lstStyle/>
+          <a:p>
+            <a:pPr marL="0" lvl="0" indent="0" algn="l" rtl="0">
+              <a:spcBef>
+                <a:spcPts val="0"/>
+              </a:spcBef>
+              <a:spcAft>
+                <a:spcPts val="0"/>
+              </a:spcAft>
+              <a:buNone/>
+            </a:pPr>
+            <a:r>
+              <a:rPr lang="en-GB" dirty="0"/>
+              <a:t>Experiments</a:t>
+            </a:r>
+          </a:p>
+          <a:p>
+            <a:pPr marL="0" lvl="0" indent="0" algn="l" rtl="0">
+              <a:spcBef>
+                <a:spcPts val="0"/>
+              </a:spcBef>
+              <a:spcAft>
+                <a:spcPts val="0"/>
+              </a:spcAft>
+              <a:buNone/>
+            </a:pPr>
+            <a:r>
+              <a:rPr lang="en-US" altLang="zh-Hans" dirty="0"/>
+              <a:t>To calculate the torque for gravity, we use the 		method:</a:t>
+            </a:r>
+          </a:p>
+          <a:p>
+            <a:pPr marL="0" lvl="0" indent="0" algn="l" rtl="0">
+              <a:spcBef>
+                <a:spcPts val="0"/>
+              </a:spcBef>
+              <a:spcAft>
+                <a:spcPts val="0"/>
+              </a:spcAft>
+              <a:buNone/>
+            </a:pPr>
+            <a:r>
+              <a:rPr lang="en-US" altLang="zh-Hans" dirty="0"/>
+              <a:t>	1. </a:t>
+            </a:r>
+            <a:r>
+              <a:rPr lang="en-US" altLang="zh-Hans"/>
+              <a:t>Calculate </a:t>
+            </a:r>
+            <a:endParaRPr lang="en-US" altLang="zh-Hans" dirty="0"/>
+          </a:p>
+          <a:p>
+            <a:pPr marL="0" lvl="0" indent="0" algn="l" rtl="0">
+              <a:spcBef>
+                <a:spcPts val="0"/>
+              </a:spcBef>
+              <a:spcAft>
+                <a:spcPts val="0"/>
+              </a:spcAft>
+              <a:buNone/>
+            </a:pPr>
+            <a:r>
+              <a:rPr lang="en-US" altLang="zh-Hans" dirty="0"/>
+              <a:t>	 </a:t>
+            </a:r>
+            <a:endParaRPr dirty="0"/>
+          </a:p>
+        </p:txBody>
+      </p:sp>
+      <p:sp>
+        <p:nvSpPr>
+          <p:cNvPr id="4" name="Google Shape;80;p17">
+            <a:extLst>
+              <a:ext uri="{FF2B5EF4-FFF2-40B4-BE49-F238E27FC236}">
+                <a16:creationId xmlns:a16="http://schemas.microsoft.com/office/drawing/2014/main" id="{A423D237-1D3A-9646-AF4F-B2250A50DF1A}"/>
+              </a:ext>
+            </a:extLst>
+          </p:cNvPr>
+          <p:cNvSpPr txBox="1"/>
+          <p:nvPr/>
+        </p:nvSpPr>
+        <p:spPr>
+          <a:xfrm>
+            <a:off x="4406462" y="1016875"/>
+            <a:ext cx="3857297" cy="4067503"/>
+          </a:xfrm>
+          <a:prstGeom prst="rect">
+            <a:avLst/>
+          </a:prstGeom>
+          <a:noFill/>
+          <a:ln w="19050" cap="flat" cmpd="sng">
+            <a:solidFill>
+              <a:srgbClr val="000000"/>
+            </a:solidFill>
+            <a:prstDash val="solid"/>
+            <a:round/>
+            <a:headEnd type="none" w="sm" len="sm"/>
+            <a:tailEnd type="none" w="sm" len="sm"/>
+          </a:ln>
+        </p:spPr>
+        <p:txBody>
+          <a:bodyPr spcFirstLastPara="1" wrap="square" lIns="91425" tIns="91425" rIns="91425" bIns="91425" anchor="t" anchorCtr="0">
+            <a:noAutofit/>
+          </a:bodyPr>
+          <a:lstStyle/>
+          <a:p>
+            <a:pPr marL="0" lvl="0" indent="0" algn="l" rtl="0">
+              <a:spcBef>
+                <a:spcPts val="0"/>
+              </a:spcBef>
+              <a:spcAft>
+                <a:spcPts val="0"/>
+              </a:spcAft>
+              <a:buNone/>
+            </a:pPr>
+            <a:r>
+              <a:rPr lang="en-GB" dirty="0"/>
+              <a:t>results</a:t>
+            </a:r>
+          </a:p>
+          <a:p>
+            <a:pPr marL="0" lvl="0" indent="0" algn="l" rtl="0">
+              <a:spcBef>
+                <a:spcPts val="0"/>
+              </a:spcBef>
+              <a:spcAft>
+                <a:spcPts val="0"/>
+              </a:spcAft>
+              <a:buNone/>
+            </a:pPr>
+            <a:r>
+              <a:rPr lang="en-US" altLang="zh-Hans" dirty="0"/>
+              <a:t>To calculate the torque </a:t>
+            </a:r>
+            <a:endParaRPr dirty="0"/>
+          </a:p>
+        </p:txBody>
+      </p:sp>
+    </p:spTree>
+  </p:cSld>
+  <p:clrMapOvr>
+    <a:masterClrMapping/>
+  </p:clrMapOvr>
+</p:sld>
+</file>
+
+<file path=ppt/slides/slide6.xml><?xml version="1.0" encoding="utf-8"?>
+<p:sld xmlns:a="http://schemas.openxmlformats.org/drawingml/2006/main" xmlns:r="http://schemas.openxmlformats.org/officeDocument/2006/relationships" xmlns:p="http://schemas.openxmlformats.org/presentationml/2006/main">
+  <p:cSld>
+    <p:spTree>
+      <p:nvGrpSpPr>
+        <p:cNvPr id="1" name="Shape 84"/>
+        <p:cNvGrpSpPr/>
+        <p:nvPr/>
+      </p:nvGrpSpPr>
+      <p:grpSpPr>
+        <a:xfrm>
+          <a:off x="0" y="0"/>
+          <a:ext cx="0" cy="0"/>
+          <a:chOff x="0" y="0"/>
+          <a:chExt cx="0" cy="0"/>
+        </a:xfrm>
+      </p:grpSpPr>
+      <p:sp>
+        <p:nvSpPr>
+          <p:cNvPr id="85" name="Google Shape;85;p18"/>
+          <p:cNvSpPr txBox="1">
+            <a:spLocks noGrp="1"/>
+          </p:cNvSpPr>
           <p:nvPr>
             <p:ph type="title"/>
           </p:nvPr>
@@ -6419,125 +7485,12 @@
           </a:prstGeom>
         </p:spPr>
         <p:txBody>
-          <a:bodyPr anchorCtr="0" anchor="t" bIns="91425" lIns="91425" spcFirstLastPara="1" rIns="91425" wrap="square" tIns="91425">
+          <a:bodyPr spcFirstLastPara="1" wrap="square" lIns="91425" tIns="91425" rIns="91425" bIns="91425" anchor="t" anchorCtr="0">
             <a:noAutofit/>
           </a:bodyPr>
           <a:lstStyle/>
           <a:p>
-            <a:pPr indent="0" lvl="0" marL="0" rtl="0" algn="ctr">
-              <a:spcBef>
-                <a:spcPts val="0"/>
-              </a:spcBef>
-              <a:spcAft>
-                <a:spcPts val="0"/>
-              </a:spcAft>
-              <a:buNone/>
-            </a:pPr>
-            <a:r>
-              <a:rPr lang="en-GB"/>
-              <a:t>B - Robot Control - Gravity Compensated Torque Control</a:t>
-            </a:r>
-            <a:endParaRPr/>
-          </a:p>
-        </p:txBody>
-      </p:sp>
-      <p:sp>
-        <p:nvSpPr>
-          <p:cNvPr id="80" name="Google Shape;80;p17"/>
-          <p:cNvSpPr txBox="1"/>
-          <p:nvPr/>
-        </p:nvSpPr>
-        <p:spPr>
-          <a:xfrm>
-            <a:off x="423500" y="1646200"/>
-            <a:ext cx="8260500" cy="3265200"/>
-          </a:xfrm>
-          <a:prstGeom prst="rect">
-            <a:avLst/>
-          </a:prstGeom>
-          <a:noFill/>
-          <a:ln cap="flat" cmpd="sng" w="19050">
-            <a:solidFill>
-              <a:srgbClr val="000000"/>
-            </a:solidFill>
-            <a:prstDash val="solid"/>
-            <a:round/>
-            <a:headEnd len="sm" w="sm" type="none"/>
-            <a:tailEnd len="sm" w="sm" type="none"/>
-          </a:ln>
-        </p:spPr>
-        <p:txBody>
-          <a:bodyPr anchorCtr="0" anchor="t" bIns="91425" lIns="91425" spcFirstLastPara="1" rIns="91425" wrap="square" tIns="91425">
-            <a:noAutofit/>
-          </a:bodyPr>
-          <a:lstStyle/>
-          <a:p>
-            <a:pPr indent="0" lvl="0" marL="0" rtl="0" algn="l">
-              <a:spcBef>
-                <a:spcPts val="0"/>
-              </a:spcBef>
-              <a:spcAft>
-                <a:spcPts val="0"/>
-              </a:spcAft>
-              <a:buNone/>
-            </a:pPr>
-            <a:r>
-              <a:rPr lang="en-GB"/>
-              <a:t>Experiments/results</a:t>
-            </a:r>
-            <a:endParaRPr/>
-          </a:p>
-        </p:txBody>
-      </p:sp>
-    </p:spTree>
-  </p:cSld>
-  <p:clrMapOvr>
-    <a:masterClrMapping/>
-  </p:clrMapOvr>
-</p:sld>
-</file>
-
-<file path=ppt/slides/slide6.xml><?xml version="1.0" encoding="utf-8"?>
-<p:sld xmlns:a="http://schemas.openxmlformats.org/drawingml/2006/main" xmlns:r="http://schemas.openxmlformats.org/officeDocument/2006/relationships" xmlns:mc="http://schemas.openxmlformats.org/markup-compatibility/2006" xmlns:mv="urn:schemas-microsoft-com:mac:vml" xmlns:p="http://schemas.openxmlformats.org/presentationml/2006/main" xmlns:c="http://schemas.openxmlformats.org/drawingml/2006/chart" xmlns:dgm="http://schemas.openxmlformats.org/drawingml/2006/diagram" xmlns:o="urn:schemas-microsoft-com:office:office" xmlns:v="urn:schemas-microsoft-com:vml" xmlns:pvml="urn:schemas-microsoft-com:office:powerpoint" xmlns:com="http://schemas.openxmlformats.org/drawingml/2006/compatibility" xmlns:p14="http://schemas.microsoft.com/office/powerpoint/2010/main" xmlns:p15="http://schemas.microsoft.com/office/powerpoint/2012/main">
-  <p:cSld>
-    <p:spTree>
-      <p:nvGrpSpPr>
-        <p:cNvPr id="84" name="Shape 84"/>
-        <p:cNvGrpSpPr/>
-        <p:nvPr/>
-      </p:nvGrpSpPr>
-      <p:grpSpPr>
-        <a:xfrm>
-          <a:off x="0" y="0"/>
-          <a:ext cx="0" cy="0"/>
-          <a:chOff x="0" y="0"/>
-          <a:chExt cx="0" cy="0"/>
-        </a:xfrm>
-      </p:grpSpPr>
-      <p:sp>
-        <p:nvSpPr>
-          <p:cNvPr id="85" name="Google Shape;85;p18"/>
-          <p:cNvSpPr txBox="1"/>
-          <p:nvPr>
-            <p:ph type="title"/>
-          </p:nvPr>
-        </p:nvSpPr>
-        <p:spPr>
-          <a:xfrm>
-            <a:off x="1169100" y="445025"/>
-            <a:ext cx="6805800" cy="572700"/>
-          </a:xfrm>
-          <a:prstGeom prst="rect">
-            <a:avLst/>
-          </a:prstGeom>
-        </p:spPr>
-        <p:txBody>
-          <a:bodyPr anchorCtr="0" anchor="t" bIns="91425" lIns="91425" spcFirstLastPara="1" rIns="91425" wrap="square" tIns="91425">
-            <a:noAutofit/>
-          </a:bodyPr>
-          <a:lstStyle/>
-          <a:p>
-            <a:pPr indent="0" lvl="0" marL="0" rtl="0" algn="ctr">
+            <a:pPr marL="0" lvl="0" indent="0" algn="ctr" rtl="0">
               <a:spcBef>
                 <a:spcPts val="0"/>
               </a:spcBef>
@@ -6574,12 +7527,12 @@
           </a:ln>
         </p:spPr>
         <p:txBody>
-          <a:bodyPr anchorCtr="0" anchor="t" bIns="91425" lIns="91425" spcFirstLastPara="1" rIns="91425" wrap="square" tIns="91425">
+          <a:bodyPr spcFirstLastPara="1" wrap="square" lIns="91425" tIns="91425" rIns="91425" bIns="91425" anchor="t" anchorCtr="0">
             <a:noAutofit/>
           </a:bodyPr>
           <a:lstStyle/>
           <a:p>
-            <a:pPr indent="0" lvl="0" marL="0" rtl="0" algn="l">
+            <a:pPr marL="0" lvl="0" indent="0" algn="l" rtl="0">
               <a:spcBef>
                 <a:spcPts val="0"/>
               </a:spcBef>
@@ -6590,11 +7543,7 @@
             </a:pPr>
             <a:r>
               <a:rPr lang="en-GB"/>
-              <a:t>Open Challenge Details/</a:t>
-            </a:r>
-            <a:r>
-              <a:rPr lang="en-GB"/>
-              <a:t>Explanation</a:t>
+              <a:t>Open Challenge Details/Explanation</a:t>
             </a:r>
             <a:endParaRPr/>
           </a:p>
@@ -6609,7 +7558,7 @@
 </file>
 
 <file path=ppt/theme/theme1.xml><?xml version="1.0" encoding="utf-8"?>
-<a:theme xmlns:a="http://schemas.openxmlformats.org/drawingml/2006/main" xmlns:r="http://schemas.openxmlformats.org/officeDocument/2006/relationships" name="Simple Light">
+<a:theme xmlns:a="http://schemas.openxmlformats.org/drawingml/2006/main" name="Simple Light">
   <a:themeElements>
     <a:clrScheme name="Simple Light">
       <a:dk1>
@@ -6884,11 +7833,13 @@
       </a:bgFillStyleLst>
     </a:fmtScheme>
   </a:themeElements>
+  <a:objectDefaults/>
+  <a:extraClrSchemeLst/>
 </a:theme>
 </file>
 
 <file path=ppt/theme/theme2.xml><?xml version="1.0" encoding="utf-8"?>
-<a:theme xmlns:a="http://schemas.openxmlformats.org/drawingml/2006/main" xmlns:r="http://schemas.openxmlformats.org/officeDocument/2006/relationships">
+<a:theme xmlns:a="http://schemas.openxmlformats.org/drawingml/2006/main">
   <a:themeElements>
     <a:clrScheme name="Default">
       <a:dk1>
@@ -7163,5 +8114,7 @@
       </a:bgFillStyleLst>
     </a:fmtScheme>
   </a:themeElements>
+  <a:objectDefaults/>
+  <a:extraClrSchemeLst/>
 </a:theme>
 </file>
--- a/IVR_assignment_template.pptx
+++ b/IVR_assignment_template.pptx
@@ -5,15 +5,16 @@
     <p:sldMasterId id="2147483659" r:id="rId1"/>
   </p:sldMasterIdLst>
   <p:notesMasterIdLst>
-    <p:notesMasterId r:id="rId8"/>
+    <p:notesMasterId r:id="rId9"/>
   </p:notesMasterIdLst>
   <p:sldIdLst>
     <p:sldId id="256" r:id="rId2"/>
     <p:sldId id="257" r:id="rId3"/>
     <p:sldId id="258" r:id="rId4"/>
     <p:sldId id="259" r:id="rId5"/>
-    <p:sldId id="260" r:id="rId6"/>
-    <p:sldId id="261" r:id="rId7"/>
+    <p:sldId id="263" r:id="rId6"/>
+    <p:sldId id="260" r:id="rId7"/>
+    <p:sldId id="261" r:id="rId8"/>
   </p:sldIdLst>
   <p:sldSz cx="9144000" cy="5143500" type="screen16x9"/>
   <p:notesSz cx="6858000" cy="9144000"/>
@@ -1109,6 +1110,115 @@
   <p:cSld>
     <p:spTree>
       <p:nvGrpSpPr>
+        <p:cNvPr id="1" name="Shape 69"/>
+        <p:cNvGrpSpPr/>
+        <p:nvPr/>
+      </p:nvGrpSpPr>
+      <p:grpSpPr>
+        <a:xfrm>
+          <a:off x="0" y="0"/>
+          <a:ext cx="0" cy="0"/>
+          <a:chOff x="0" y="0"/>
+          <a:chExt cx="0" cy="0"/>
+        </a:xfrm>
+      </p:grpSpPr>
+      <p:sp>
+        <p:nvSpPr>
+          <p:cNvPr id="70" name="Google Shape;70;g2af8929976_0_103:notes"/>
+          <p:cNvSpPr>
+            <a:spLocks noGrp="1" noRot="1" noChangeAspect="1"/>
+          </p:cNvSpPr>
+          <p:nvPr>
+            <p:ph type="sldImg" idx="2"/>
+          </p:nvPr>
+        </p:nvSpPr>
+        <p:spPr>
+          <a:xfrm>
+            <a:off x="381000" y="685800"/>
+            <a:ext cx="6096000" cy="3429000"/>
+          </a:xfrm>
+          <a:custGeom>
+            <a:avLst/>
+            <a:gdLst/>
+            <a:ahLst/>
+            <a:cxnLst/>
+            <a:rect l="l" t="t" r="r" b="b"/>
+            <a:pathLst>
+              <a:path w="120000" h="120000" extrusionOk="0">
+                <a:moveTo>
+                  <a:pt x="0" y="0"/>
+                </a:moveTo>
+                <a:lnTo>
+                  <a:pt x="120000" y="0"/>
+                </a:lnTo>
+                <a:lnTo>
+                  <a:pt x="120000" y="120000"/>
+                </a:lnTo>
+                <a:lnTo>
+                  <a:pt x="0" y="120000"/>
+                </a:lnTo>
+                <a:close/>
+              </a:path>
+            </a:pathLst>
+          </a:custGeom>
+        </p:spPr>
+      </p:sp>
+      <p:sp>
+        <p:nvSpPr>
+          <p:cNvPr id="71" name="Google Shape;71;g2af8929976_0_103:notes"/>
+          <p:cNvSpPr txBox="1">
+            <a:spLocks noGrp="1"/>
+          </p:cNvSpPr>
+          <p:nvPr>
+            <p:ph type="body" idx="1"/>
+          </p:nvPr>
+        </p:nvSpPr>
+        <p:spPr>
+          <a:xfrm>
+            <a:off x="685800" y="4343400"/>
+            <a:ext cx="5486400" cy="4114800"/>
+          </a:xfrm>
+          <a:prstGeom prst="rect">
+            <a:avLst/>
+          </a:prstGeom>
+        </p:spPr>
+        <p:txBody>
+          <a:bodyPr spcFirstLastPara="1" wrap="square" lIns="91425" tIns="91425" rIns="91425" bIns="91425" anchor="t" anchorCtr="0">
+            <a:noAutofit/>
+          </a:bodyPr>
+          <a:lstStyle/>
+          <a:p>
+            <a:pPr marL="0" lvl="0" indent="0" algn="l" rtl="0">
+              <a:spcBef>
+                <a:spcPts val="0"/>
+              </a:spcBef>
+              <a:spcAft>
+                <a:spcPts val="0"/>
+              </a:spcAft>
+              <a:buNone/>
+            </a:pPr>
+            <a:endParaRPr/>
+          </a:p>
+        </p:txBody>
+      </p:sp>
+    </p:spTree>
+    <p:extLst>
+      <p:ext uri="{BB962C8B-B14F-4D97-AF65-F5344CB8AC3E}">
+        <p14:creationId xmlns:p14="http://schemas.microsoft.com/office/powerpoint/2010/main" val="3235980995"/>
+      </p:ext>
+    </p:extLst>
+  </p:cSld>
+  <p:clrMapOvr>
+    <a:masterClrMapping/>
+  </p:clrMapOvr>
+</p:notes>
+</file>
+
+<file path=ppt/notesSlides/notesSlide6.xml><?xml version="1.0" encoding="utf-8"?>
+<p:notes xmlns:a="http://schemas.openxmlformats.org/drawingml/2006/main" xmlns:r="http://schemas.openxmlformats.org/officeDocument/2006/relationships" xmlns:p="http://schemas.openxmlformats.org/presentationml/2006/main" showMasterSp="0" showMasterPhAnim="0">
+  <p:cSld>
+    <p:spTree>
+      <p:nvGrpSpPr>
         <p:cNvPr id="1" name="Shape 75"/>
         <p:cNvGrpSpPr/>
         <p:nvPr/>
@@ -1208,7 +1318,7 @@
 </p:notes>
 </file>
 
-<file path=ppt/notesSlides/notesSlide6.xml><?xml version="1.0" encoding="utf-8"?>
+<file path=ppt/notesSlides/notesSlide7.xml><?xml version="1.0" encoding="utf-8"?>
 <p:notes xmlns:a="http://schemas.openxmlformats.org/drawingml/2006/main" xmlns:r="http://schemas.openxmlformats.org/officeDocument/2006/relationships" xmlns:p="http://schemas.openxmlformats.org/presentationml/2006/main" showMasterSp="0" showMasterPhAnim="0">
   <p:cSld>
     <p:spTree>
@@ -1237,7 +1347,7 @@
         </p:nvSpPr>
         <p:spPr>
           <a:xfrm>
-            <a:off x="381300" y="685800"/>
+            <a:off x="381000" y="685800"/>
             <a:ext cx="6096000" cy="3429000"/>
           </a:xfrm>
           <a:custGeom>
@@ -6208,7 +6318,7 @@
             </a:r>
             <a:r>
               <a:rPr lang="en-GB" altLang="zh-CN" dirty="0"/>
-              <a:t>, we used method:</a:t>
+              <a:t>:</a:t>
             </a:r>
           </a:p>
           <a:p>
@@ -6257,7 +6367,7 @@
             <a:pPr lvl="3"/>
             <a:r>
               <a:rPr lang="en-US" altLang="zh-CN" dirty="0"/>
-              <a:t>3. To find Joint velocity, we used method:</a:t>
+              <a:t>3. To find Joint velocity:</a:t>
             </a:r>
           </a:p>
           <a:p>
@@ -6576,7 +6686,7 @@
             </a:pPr>
             <a:r>
               <a:rPr lang="en-GB" altLang="zh-CN" dirty="0"/>
-              <a:t>To find position of joints, we used method:</a:t>
+              <a:t>To find position of joints:</a:t>
             </a:r>
           </a:p>
           <a:p>
@@ -7069,10 +7179,10 @@
               <a:buNone/>
             </a:pPr>
             <a:r>
-              <a:rPr lang="en-GB"/>
+              <a:rPr lang="en-GB" dirty="0"/>
               <a:t>B - Robot Control - Inverse Kinematics Velocity Control</a:t>
             </a:r>
-            <a:endParaRPr/>
+            <a:endParaRPr dirty="0"/>
           </a:p>
         </p:txBody>
       </p:sp>
@@ -7118,7 +7228,7 @@
             </a:pPr>
             <a:r>
               <a:rPr lang="en-GB" b="1" dirty="0"/>
-              <a:t>Experiments/results:</a:t>
+              <a:t>Experiments:</a:t>
             </a:r>
           </a:p>
           <a:p>
@@ -7215,6 +7325,274 @@
 </file>
 
 <file path=ppt/slides/slide5.xml><?xml version="1.0" encoding="utf-8"?>
+<p:sld xmlns:a="http://schemas.openxmlformats.org/drawingml/2006/main" xmlns:r="http://schemas.openxmlformats.org/officeDocument/2006/relationships" xmlns:p="http://schemas.openxmlformats.org/presentationml/2006/main">
+  <p:cSld>
+    <p:spTree>
+      <p:nvGrpSpPr>
+        <p:cNvPr id="1" name="Shape 72"/>
+        <p:cNvGrpSpPr/>
+        <p:nvPr/>
+      </p:nvGrpSpPr>
+      <p:grpSpPr>
+        <a:xfrm>
+          <a:off x="0" y="0"/>
+          <a:ext cx="0" cy="0"/>
+          <a:chOff x="0" y="0"/>
+          <a:chExt cx="0" cy="0"/>
+        </a:xfrm>
+      </p:grpSpPr>
+      <p:sp>
+        <p:nvSpPr>
+          <p:cNvPr id="73" name="Google Shape;73;p16"/>
+          <p:cNvSpPr txBox="1">
+            <a:spLocks noGrp="1"/>
+          </p:cNvSpPr>
+          <p:nvPr>
+            <p:ph type="title"/>
+          </p:nvPr>
+        </p:nvSpPr>
+        <p:spPr>
+          <a:xfrm>
+            <a:off x="1227250" y="445025"/>
+            <a:ext cx="6689400" cy="572700"/>
+          </a:xfrm>
+          <a:prstGeom prst="rect">
+            <a:avLst/>
+          </a:prstGeom>
+        </p:spPr>
+        <p:txBody>
+          <a:bodyPr spcFirstLastPara="1" wrap="square" lIns="91425" tIns="91425" rIns="91425" bIns="91425" anchor="t" anchorCtr="0">
+            <a:noAutofit/>
+          </a:bodyPr>
+          <a:lstStyle/>
+          <a:p>
+            <a:pPr marL="0" lvl="0" indent="0" algn="ctr" rtl="0">
+              <a:spcBef>
+                <a:spcPts val="0"/>
+              </a:spcBef>
+              <a:spcAft>
+                <a:spcPts val="0"/>
+              </a:spcAft>
+              <a:buNone/>
+            </a:pPr>
+            <a:r>
+              <a:rPr lang="en-GB" dirty="0"/>
+              <a:t>B - Robot Control - Inverse Kinematics Velocity Control</a:t>
+            </a:r>
+            <a:endParaRPr dirty="0"/>
+          </a:p>
+        </p:txBody>
+      </p:sp>
+      <p:sp>
+        <p:nvSpPr>
+          <p:cNvPr id="74" name="Google Shape;74;p16"/>
+          <p:cNvSpPr txBox="1"/>
+          <p:nvPr/>
+        </p:nvSpPr>
+        <p:spPr>
+          <a:xfrm>
+            <a:off x="423500" y="1339702"/>
+            <a:ext cx="8260500" cy="3571698"/>
+          </a:xfrm>
+          <a:prstGeom prst="rect">
+            <a:avLst/>
+          </a:prstGeom>
+          <a:noFill/>
+          <a:ln w="19050" cap="flat" cmpd="sng">
+            <a:solidFill>
+              <a:srgbClr val="000000"/>
+            </a:solidFill>
+            <a:prstDash val="solid"/>
+            <a:round/>
+            <a:headEnd type="none" w="sm" len="sm"/>
+            <a:tailEnd type="none" w="sm" len="sm"/>
+          </a:ln>
+        </p:spPr>
+        <p:txBody>
+          <a:bodyPr spcFirstLastPara="1" wrap="square" lIns="91425" tIns="91425" rIns="91425" bIns="91425" anchor="t" anchorCtr="0">
+            <a:noAutofit/>
+          </a:bodyPr>
+          <a:lstStyle/>
+          <a:p>
+            <a:pPr marL="0" lvl="0" indent="0" algn="l" rtl="0">
+              <a:spcBef>
+                <a:spcPts val="0"/>
+              </a:spcBef>
+              <a:spcAft>
+                <a:spcPts val="0"/>
+              </a:spcAft>
+              <a:buNone/>
+            </a:pPr>
+            <a:r>
+              <a:rPr lang="en-US" dirty="0"/>
+              <a:t>Result:</a:t>
+            </a:r>
+          </a:p>
+          <a:p>
+            <a:pPr marL="0" lvl="0" indent="0" algn="l" rtl="0">
+              <a:spcBef>
+                <a:spcPts val="0"/>
+              </a:spcBef>
+              <a:spcAft>
+                <a:spcPts val="0"/>
+              </a:spcAft>
+              <a:buNone/>
+            </a:pPr>
+            <a:r>
+              <a:rPr lang="en-US" dirty="0"/>
+              <a:t>	a. This is the density plot for the result of velocity control mode, according to the graph</a:t>
+            </a:r>
+          </a:p>
+          <a:p>
+            <a:pPr marL="0" lvl="0" indent="0" algn="l" rtl="0">
+              <a:spcBef>
+                <a:spcPts val="0"/>
+              </a:spcBef>
+              <a:spcAft>
+                <a:spcPts val="0"/>
+              </a:spcAft>
+              <a:buNone/>
+            </a:pPr>
+            <a:r>
+              <a:rPr lang="en-US" dirty="0"/>
+              <a:t>	we can observe that the robotic arm can detect the target around 200ms</a:t>
+            </a:r>
+          </a:p>
+          <a:p>
+            <a:pPr marL="0" lvl="0" indent="0" algn="l" rtl="0">
+              <a:spcBef>
+                <a:spcPts val="0"/>
+              </a:spcBef>
+              <a:spcAft>
+                <a:spcPts val="0"/>
+              </a:spcAft>
+              <a:buNone/>
+            </a:pPr>
+            <a:r>
+              <a:rPr lang="en-US" dirty="0"/>
+              <a:t>	b. the graph shows the robot </a:t>
+            </a:r>
+            <a:r>
+              <a:rPr lang="en-US"/>
+              <a:t>is stuck.</a:t>
+            </a:r>
+            <a:endParaRPr lang="en-US" dirty="0"/>
+          </a:p>
+          <a:p>
+            <a:pPr marL="0" lvl="0" indent="0" algn="l" rtl="0">
+              <a:spcBef>
+                <a:spcPts val="0"/>
+              </a:spcBef>
+              <a:spcAft>
+                <a:spcPts val="0"/>
+              </a:spcAft>
+              <a:buNone/>
+            </a:pPr>
+            <a:endParaRPr lang="en-US" dirty="0"/>
+          </a:p>
+          <a:p>
+            <a:pPr marL="0" lvl="0" indent="0" algn="l" rtl="0">
+              <a:spcBef>
+                <a:spcPts val="0"/>
+              </a:spcBef>
+              <a:spcAft>
+                <a:spcPts val="0"/>
+              </a:spcAft>
+              <a:buNone/>
+            </a:pPr>
+            <a:r>
+              <a:rPr lang="en-US" dirty="0"/>
+              <a:t>	</a:t>
+            </a:r>
+          </a:p>
+          <a:p>
+            <a:pPr marL="0" lvl="0" indent="0" algn="l" rtl="0">
+              <a:spcBef>
+                <a:spcPts val="0"/>
+              </a:spcBef>
+              <a:spcAft>
+                <a:spcPts val="0"/>
+              </a:spcAft>
+              <a:buNone/>
+            </a:pPr>
+            <a:endParaRPr dirty="0"/>
+          </a:p>
+        </p:txBody>
+      </p:sp>
+      <p:pic>
+        <p:nvPicPr>
+          <p:cNvPr id="7" name="图片 6">
+            <a:extLst>
+              <a:ext uri="{FF2B5EF4-FFF2-40B4-BE49-F238E27FC236}">
+                <a16:creationId xmlns:a16="http://schemas.microsoft.com/office/drawing/2014/main" id="{BAF2E5AD-309E-4C4C-A853-D4E31F09C3CA}"/>
+              </a:ext>
+            </a:extLst>
+          </p:cNvPr>
+          <p:cNvPicPr>
+            <a:picLocks noChangeAspect="1"/>
+          </p:cNvPicPr>
+          <p:nvPr/>
+        </p:nvPicPr>
+        <p:blipFill>
+          <a:blip r:embed="rId3"/>
+          <a:stretch>
+            <a:fillRect/>
+          </a:stretch>
+        </p:blipFill>
+        <p:spPr>
+          <a:xfrm>
+            <a:off x="4334748" y="2795520"/>
+            <a:ext cx="5178591" cy="2115880"/>
+          </a:xfrm>
+          <a:prstGeom prst="rect">
+            <a:avLst/>
+          </a:prstGeom>
+        </p:spPr>
+      </p:pic>
+      <p:pic>
+        <p:nvPicPr>
+          <p:cNvPr id="9" name="图片 8">
+            <a:extLst>
+              <a:ext uri="{FF2B5EF4-FFF2-40B4-BE49-F238E27FC236}">
+                <a16:creationId xmlns:a16="http://schemas.microsoft.com/office/drawing/2014/main" id="{B4CD6C11-598A-0143-8562-68B82B7511BF}"/>
+              </a:ext>
+            </a:extLst>
+          </p:cNvPr>
+          <p:cNvPicPr>
+            <a:picLocks noChangeAspect="1"/>
+          </p:cNvPicPr>
+          <p:nvPr/>
+        </p:nvPicPr>
+        <p:blipFill>
+          <a:blip r:embed="rId4"/>
+          <a:stretch>
+            <a:fillRect/>
+          </a:stretch>
+        </p:blipFill>
+        <p:spPr>
+          <a:xfrm>
+            <a:off x="457200" y="2658140"/>
+            <a:ext cx="3976576" cy="2485360"/>
+          </a:xfrm>
+          <a:prstGeom prst="rect">
+            <a:avLst/>
+          </a:prstGeom>
+        </p:spPr>
+      </p:pic>
+    </p:spTree>
+    <p:extLst>
+      <p:ext uri="{BB962C8B-B14F-4D97-AF65-F5344CB8AC3E}">
+        <p14:creationId xmlns:p14="http://schemas.microsoft.com/office/powerpoint/2010/main" val="1690492015"/>
+      </p:ext>
+    </p:extLst>
+  </p:cSld>
+  <p:clrMapOvr>
+    <a:masterClrMapping/>
+  </p:clrMapOvr>
+</p:sld>
+</file>
+
+<file path=ppt/slides/slide6.xml><?xml version="1.0" encoding="utf-8"?>
 <p:sld xmlns:a="http://schemas.openxmlformats.org/drawingml/2006/main" xmlns:r="http://schemas.openxmlformats.org/officeDocument/2006/relationships" xmlns:p="http://schemas.openxmlformats.org/presentationml/2006/main">
   <p:cSld>
     <p:spTree>
@@ -7330,7 +7708,7 @@
             </a:pPr>
             <a:r>
               <a:rPr lang="en-US" altLang="zh-Hans" dirty="0"/>
-              <a:t>To calculate the torque for gravity, we use the 		method:</a:t>
+              <a:t>To calculate the torque against gravity, we use 	the method:</a:t>
             </a:r>
           </a:p>
           <a:p>
@@ -7345,12 +7723,72 @@
             </a:pPr>
             <a:r>
               <a:rPr lang="en-US" altLang="zh-Hans" dirty="0"/>
-              <a:t>	1. </a:t>
-            </a:r>
-            <a:r>
-              <a:rPr lang="en-US" altLang="zh-Hans"/>
-              <a:t>Calculate </a:t>
-            </a:r>
+              <a:t>	1. Calculate each joint’s Jacobian 	transform</a:t>
+            </a:r>
+          </a:p>
+          <a:p>
+            <a:pPr marL="0" lvl="0" indent="0" algn="l" rtl="0">
+              <a:spcBef>
+                <a:spcPts val="0"/>
+              </a:spcBef>
+              <a:spcAft>
+                <a:spcPts val="0"/>
+              </a:spcAft>
+              <a:buNone/>
+            </a:pPr>
+            <a:r>
+              <a:rPr lang="en-US" altLang="zh-Hans" dirty="0"/>
+              <a:t>	2. Obtain each joint’s Cartesian 	location</a:t>
+            </a:r>
+          </a:p>
+          <a:p>
+            <a:pPr marL="0" lvl="0" indent="0" algn="l" rtl="0">
+              <a:spcBef>
+                <a:spcPts val="0"/>
+              </a:spcBef>
+              <a:spcAft>
+                <a:spcPts val="0"/>
+              </a:spcAft>
+              <a:buNone/>
+            </a:pPr>
+            <a:r>
+              <a:rPr lang="en-US" altLang="zh-Hans" dirty="0"/>
+              <a:t>	3. Calculate each joint’s torque by 	doing matrix rotation in y-axis, z-	axis</a:t>
+            </a:r>
+            <a:r>
+              <a:rPr lang="zh-Hans" altLang="en-US" dirty="0"/>
+              <a:t> </a:t>
+            </a:r>
+            <a:r>
+              <a:rPr lang="en-US" altLang="zh-Hans" dirty="0"/>
+              <a:t>then z-axis. </a:t>
+            </a:r>
+          </a:p>
+          <a:p>
+            <a:pPr marL="0" lvl="0" indent="0" algn="l" rtl="0">
+              <a:spcBef>
+                <a:spcPts val="0"/>
+              </a:spcBef>
+              <a:spcAft>
+                <a:spcPts val="0"/>
+              </a:spcAft>
+              <a:buNone/>
+            </a:pPr>
+            <a:r>
+              <a:rPr lang="en-US" altLang="zh-Hans" dirty="0"/>
+              <a:t>	4. Return each joint’s torque.</a:t>
+            </a:r>
+          </a:p>
+          <a:p>
+            <a:pPr marL="0" lvl="0" indent="0" algn="l" rtl="0">
+              <a:spcBef>
+                <a:spcPts val="0"/>
+              </a:spcBef>
+              <a:spcAft>
+                <a:spcPts val="0"/>
+              </a:spcAft>
+              <a:buNone/>
+            </a:pPr>
             <a:endParaRPr lang="en-US" altLang="zh-Hans" dirty="0"/>
           </a:p>
           <a:p>
@@ -7419,7 +7857,7 @@
             </a:pPr>
             <a:r>
               <a:rPr lang="en-GB" dirty="0"/>
-              <a:t>results</a:t>
+              <a:t>Results:</a:t>
             </a:r>
           </a:p>
           <a:p>
@@ -7433,13 +7871,87 @@
               <a:buNone/>
             </a:pPr>
             <a:r>
-              <a:rPr lang="en-US" altLang="zh-Hans" dirty="0"/>
-              <a:t>To calculate the torque </a:t>
-            </a:r>
-            <a:endParaRPr dirty="0"/>
+              <a:rPr lang="en-GB" dirty="0"/>
+              <a:t>	1. According to the motion in </a:t>
+            </a:r>
+            <a:r>
+              <a:rPr lang="en-GB" dirty="0" err="1"/>
+              <a:t>xy</a:t>
+            </a:r>
+            <a:r>
+              <a:rPr lang="en-GB" dirty="0"/>
+              <a:t>-	axis, the robotic arm stable</a:t>
+            </a:r>
+          </a:p>
+          <a:p>
+            <a:pPr lvl="0"/>
+            <a:r>
+              <a:rPr lang="en-GB" dirty="0"/>
+              <a:t>	2. We observed a 	phenomenon that when we only 	use gravity against torque, the 	whole system, especially in the x-y 	plane still doing motions against 	time. However we did not find how 	to solve this.</a:t>
+            </a:r>
           </a:p>
         </p:txBody>
       </p:sp>
+      <p:pic>
+        <p:nvPicPr>
+          <p:cNvPr id="5" name="图片 4">
+            <a:extLst>
+              <a:ext uri="{FF2B5EF4-FFF2-40B4-BE49-F238E27FC236}">
+                <a16:creationId xmlns:a16="http://schemas.microsoft.com/office/drawing/2014/main" id="{20F2E42A-E668-E546-87C1-3120965E705A}"/>
+              </a:ext>
+            </a:extLst>
+          </p:cNvPr>
+          <p:cNvPicPr>
+            <a:picLocks noChangeAspect="1"/>
+          </p:cNvPicPr>
+          <p:nvPr/>
+        </p:nvPicPr>
+        <p:blipFill>
+          <a:blip r:embed="rId3"/>
+          <a:stretch>
+            <a:fillRect/>
+          </a:stretch>
+        </p:blipFill>
+        <p:spPr>
+          <a:xfrm>
+            <a:off x="5493114" y="3318762"/>
+            <a:ext cx="2442372" cy="1532266"/>
+          </a:xfrm>
+          <a:prstGeom prst="rect">
+            <a:avLst/>
+          </a:prstGeom>
+        </p:spPr>
+      </p:pic>
+      <p:pic>
+        <p:nvPicPr>
+          <p:cNvPr id="3" name="图片 2">
+            <a:extLst>
+              <a:ext uri="{FF2B5EF4-FFF2-40B4-BE49-F238E27FC236}">
+                <a16:creationId xmlns:a16="http://schemas.microsoft.com/office/drawing/2014/main" id="{D25D3548-6BAB-B64B-AB0A-BA3BEDCC4C53}"/>
+              </a:ext>
+            </a:extLst>
+          </p:cNvPr>
+          <p:cNvPicPr>
+            <a:picLocks noChangeAspect="1"/>
+          </p:cNvPicPr>
+          <p:nvPr/>
+        </p:nvPicPr>
+        <p:blipFill>
+          <a:blip r:embed="rId4"/>
+          <a:stretch>
+            <a:fillRect/>
+          </a:stretch>
+        </p:blipFill>
+        <p:spPr>
+          <a:xfrm>
+            <a:off x="808440" y="3603899"/>
+            <a:ext cx="2668406" cy="1247129"/>
+          </a:xfrm>
+          <a:prstGeom prst="rect">
+            <a:avLst/>
+          </a:prstGeom>
+        </p:spPr>
+      </p:pic>
     </p:spTree>
   </p:cSld>
   <p:clrMapOvr>
@@ -7448,7 +7960,7 @@
 </p:sld>
 </file>
 
-<file path=ppt/slides/slide6.xml><?xml version="1.0" encoding="utf-8"?>
+<file path=ppt/slides/slide7.xml><?xml version="1.0" encoding="utf-8"?>
 <p:sld xmlns:a="http://schemas.openxmlformats.org/drawingml/2006/main" xmlns:r="http://schemas.openxmlformats.org/officeDocument/2006/relationships" xmlns:p="http://schemas.openxmlformats.org/presentationml/2006/main">
   <p:cSld>
     <p:spTree>
@@ -7542,10 +8054,146 @@
               <a:buNone/>
             </a:pPr>
             <a:r>
-              <a:rPr lang="en-GB"/>
-              <a:t>Open Challenge Details/Explanation</a:t>
-            </a:r>
-            <a:endParaRPr/>
+              <a:rPr lang="en-GB" dirty="0"/>
+              <a:t>Open Challenge Details: implementing the Newton-Euler algorithm for inverse dynamics</a:t>
+            </a:r>
+          </a:p>
+          <a:p>
+            <a:pPr marL="0" lvl="0" indent="0" algn="l" rtl="0">
+              <a:spcBef>
+                <a:spcPts val="0"/>
+              </a:spcBef>
+              <a:spcAft>
+                <a:spcPts val="0"/>
+              </a:spcAft>
+              <a:buNone/>
+            </a:pPr>
+            <a:endParaRPr lang="en-GB" dirty="0"/>
+          </a:p>
+          <a:p>
+            <a:pPr marL="0" lvl="0" indent="0" algn="l" rtl="0">
+              <a:spcBef>
+                <a:spcPts val="0"/>
+              </a:spcBef>
+              <a:spcAft>
+                <a:spcPts val="0"/>
+              </a:spcAft>
+              <a:buNone/>
+            </a:pPr>
+            <a:r>
+              <a:rPr lang="en-GB" dirty="0"/>
+              <a:t>1, compute joint angles acceleration(</a:t>
+            </a:r>
+            <a:r>
+              <a:rPr lang="en-GB" dirty="0" err="1"/>
+              <a:t>ddq</a:t>
+            </a:r>
+            <a:r>
+              <a:rPr lang="en-GB" dirty="0"/>
+              <a:t>) with joint angles velocity(</a:t>
+            </a:r>
+            <a:r>
+              <a:rPr lang="en-GB" dirty="0" err="1"/>
+              <a:t>dq</a:t>
+            </a:r>
+            <a:r>
+              <a:rPr lang="en-GB" dirty="0"/>
+              <a:t>) and </a:t>
+            </a:r>
+            <a:r>
+              <a:rPr lang="en-GB" dirty="0" err="1"/>
+              <a:t>dt</a:t>
+            </a:r>
+            <a:endParaRPr lang="en-GB" dirty="0"/>
+          </a:p>
+          <a:p>
+            <a:pPr marL="0" lvl="0" indent="0" algn="l" rtl="0">
+              <a:spcBef>
+                <a:spcPts val="0"/>
+              </a:spcBef>
+              <a:spcAft>
+                <a:spcPts val="0"/>
+              </a:spcAft>
+              <a:buNone/>
+            </a:pPr>
+            <a:r>
+              <a:rPr lang="en-GB" dirty="0"/>
+              <a:t>2, compute the Newton-Euler algorithm with three input (</a:t>
+            </a:r>
+            <a:r>
+              <a:rPr lang="en-GB" dirty="0" err="1"/>
+              <a:t>q,dq,ddq</a:t>
+            </a:r>
+            <a:r>
+              <a:rPr lang="en-GB" dirty="0"/>
+              <a:t>)</a:t>
+            </a:r>
+          </a:p>
+          <a:p>
+            <a:pPr marL="0" lvl="0" indent="0" algn="l" rtl="0">
+              <a:spcBef>
+                <a:spcPts val="0"/>
+              </a:spcBef>
+              <a:spcAft>
+                <a:spcPts val="0"/>
+              </a:spcAft>
+              <a:buNone/>
+            </a:pPr>
+            <a:r>
+              <a:rPr lang="en-GB" dirty="0"/>
+              <a:t>3, add it to the torques to reduce the affection between the movement of each joints</a:t>
+            </a:r>
+          </a:p>
+          <a:p>
+            <a:pPr marL="0" lvl="0" indent="0" algn="l" rtl="0">
+              <a:spcBef>
+                <a:spcPts val="0"/>
+              </a:spcBef>
+              <a:spcAft>
+                <a:spcPts val="0"/>
+              </a:spcAft>
+              <a:buNone/>
+            </a:pPr>
+            <a:endParaRPr lang="en-GB" dirty="0"/>
+          </a:p>
+          <a:p>
+            <a:pPr marL="0" lvl="0" indent="0" algn="l" rtl="0">
+              <a:spcBef>
+                <a:spcPts val="0"/>
+              </a:spcBef>
+              <a:spcAft>
+                <a:spcPts val="0"/>
+              </a:spcAft>
+              <a:buNone/>
+            </a:pPr>
+            <a:r>
+              <a:rPr lang="en-GB" dirty="0"/>
+              <a:t>Problem:</a:t>
+            </a:r>
+          </a:p>
+          <a:p>
+            <a:pPr marL="0" lvl="0" indent="0" algn="l" rtl="0">
+              <a:spcBef>
+                <a:spcPts val="0"/>
+              </a:spcBef>
+              <a:spcAft>
+                <a:spcPts val="0"/>
+              </a:spcAft>
+              <a:buNone/>
+            </a:pPr>
+            <a:r>
+              <a:rPr lang="en-GB" dirty="0"/>
+              <a:t>Since there are errors when detecting the joints angles(q) and the </a:t>
+            </a:r>
+            <a:r>
+              <a:rPr lang="en-GB" dirty="0" err="1"/>
+              <a:t>dt</a:t>
+            </a:r>
+            <a:r>
+              <a:rPr lang="en-GB" dirty="0"/>
+              <a:t> are quite small, the errors have been amplified in angles velocity. When we calculate the acceleration in such way again, the error are getting much bigger and the direction of it keeps switching. Therefore, what we get from the NE algorithm are values with large errors, which, brings much more negative effect than positive effect.</a:t>
+            </a:r>
+            <a:endParaRPr dirty="0"/>
           </a:p>
         </p:txBody>
       </p:sp>
